--- a/Final Project.pptx
+++ b/Final Project.pptx
@@ -1,39 +1,45 @@
 
 <file path=ppt/presentation.xml><?xml version="1.0" encoding="utf-8"?>
-<p:presentation xmlns:a="http://schemas.openxmlformats.org/drawingml/2006/main" xmlns:r="http://schemas.openxmlformats.org/officeDocument/2006/relationships" xmlns:mc="http://schemas.openxmlformats.org/markup-compatibility/2006" xmlns:mv="urn:schemas-microsoft-com:mac:vml" xmlns:p="http://schemas.openxmlformats.org/presentationml/2006/main" xmlns:c="http://schemas.openxmlformats.org/drawingml/2006/chart" xmlns:dgm="http://schemas.openxmlformats.org/drawingml/2006/diagram" xmlns:o="urn:schemas-microsoft-com:office:office" xmlns:v="urn:schemas-microsoft-com:vml" xmlns:pvml="urn:schemas-microsoft-com:office:powerpoint" xmlns:com="http://schemas.openxmlformats.org/drawingml/2006/compatibility" xmlns:p14="http://schemas.microsoft.com/office/powerpoint/2010/main" xmlns:p15="http://schemas.microsoft.com/office/powerpoint/2012/main" xmlns:ahyp="http://schemas.microsoft.com/office/drawing/2018/hyperlinkcolor" autoCompressPictures="0" embedTrueTypeFonts="1" strictFirstAndLastChars="0" saveSubsetFonts="1">
+<p:presentation xmlns:a="http://schemas.openxmlformats.org/drawingml/2006/main" xmlns:r="http://schemas.openxmlformats.org/officeDocument/2006/relationships" xmlns:p="http://schemas.openxmlformats.org/presentationml/2006/main" strictFirstAndLastChars="0" embedTrueTypeFonts="1" saveSubsetFonts="1" autoCompressPictures="0">
   <p:sldMasterIdLst>
-    <p:sldMasterId id="2147483659" r:id="rId4"/>
+    <p:sldMasterId id="2147483659" r:id="rId1"/>
   </p:sldMasterIdLst>
   <p:notesMasterIdLst>
-    <p:notesMasterId r:id="rId5"/>
+    <p:notesMasterId r:id="rId13"/>
   </p:notesMasterIdLst>
   <p:sldIdLst>
-    <p:sldId id="256" r:id="rId6"/>
-    <p:sldId id="257" r:id="rId7"/>
-    <p:sldId id="258" r:id="rId8"/>
-    <p:sldId id="259" r:id="rId9"/>
-    <p:sldId id="260" r:id="rId10"/>
+    <p:sldId id="256" r:id="rId2"/>
+    <p:sldId id="261" r:id="rId3"/>
+    <p:sldId id="263" r:id="rId4"/>
+    <p:sldId id="262" r:id="rId5"/>
+    <p:sldId id="267" r:id="rId6"/>
+    <p:sldId id="266" r:id="rId7"/>
+    <p:sldId id="265" r:id="rId8"/>
+    <p:sldId id="264" r:id="rId9"/>
+    <p:sldId id="257" r:id="rId10"/>
+    <p:sldId id="258" r:id="rId11"/>
+    <p:sldId id="259" r:id="rId12"/>
   </p:sldIdLst>
-  <p:sldSz cy="5143500" cx="9144000"/>
+  <p:sldSz cx="9144000" cy="5143500" type="screen16x9"/>
   <p:notesSz cx="6858000" cy="9144000"/>
   <p:embeddedFontLst>
     <p:embeddedFont>
-      <p:font typeface="Raleway"/>
-      <p:regular r:id="rId11"/>
-      <p:bold r:id="rId12"/>
-      <p:italic r:id="rId13"/>
-      <p:boldItalic r:id="rId14"/>
+      <p:font typeface="Lato" panose="020F0502020204030203" pitchFamily="34" charset="0"/>
+      <p:regular r:id="rId14"/>
+      <p:bold r:id="rId15"/>
+      <p:italic r:id="rId16"/>
+      <p:boldItalic r:id="rId17"/>
     </p:embeddedFont>
     <p:embeddedFont>
-      <p:font typeface="Lato"/>
-      <p:regular r:id="rId15"/>
-      <p:bold r:id="rId16"/>
-      <p:italic r:id="rId17"/>
-      <p:boldItalic r:id="rId18"/>
+      <p:font typeface="Raleway" panose="020B0604020202020204" pitchFamily="2" charset="0"/>
+      <p:regular r:id="rId18"/>
+      <p:bold r:id="rId19"/>
+      <p:italic r:id="rId20"/>
+      <p:boldItalic r:id="rId21"/>
     </p:embeddedFont>
   </p:embeddedFontLst>
   <p:defaultTextStyle>
-    <a:defPPr lvl="0" marR="0" rtl="0" algn="l">
+    <a:defPPr marR="0" lvl="0" algn="l" rtl="0">
       <a:lnSpc>
         <a:spcPct val="100000"/>
       </a:lnSpc>
@@ -44,7 +50,7 @@
         <a:spcPts val="0"/>
       </a:spcAft>
     </a:defPPr>
-    <a:lvl1pPr lvl="0" marR="0" rtl="0" algn="l">
+    <a:lvl1pPr marR="0" lvl="0" algn="l" rtl="0">
       <a:lnSpc>
         <a:spcPct val="100000"/>
       </a:lnSpc>
@@ -58,7 +64,7 @@
         <a:srgbClr val="000000"/>
       </a:buClr>
       <a:buFont typeface="Arial"/>
-      <a:defRPr b="0" i="0" sz="1400" u="none" cap="none" strike="noStrike">
+      <a:defRPr sz="1400" b="0" i="0" u="none" strike="noStrike" cap="none">
         <a:solidFill>
           <a:srgbClr val="000000"/>
         </a:solidFill>
@@ -68,7 +74,7 @@
         <a:sym typeface="Arial"/>
       </a:defRPr>
     </a:lvl1pPr>
-    <a:lvl2pPr lvl="1" marR="0" rtl="0" algn="l">
+    <a:lvl2pPr marR="0" lvl="1" algn="l" rtl="0">
       <a:lnSpc>
         <a:spcPct val="100000"/>
       </a:lnSpc>
@@ -82,7 +88,7 @@
         <a:srgbClr val="000000"/>
       </a:buClr>
       <a:buFont typeface="Arial"/>
-      <a:defRPr b="0" i="0" sz="1400" u="none" cap="none" strike="noStrike">
+      <a:defRPr sz="1400" b="0" i="0" u="none" strike="noStrike" cap="none">
         <a:solidFill>
           <a:srgbClr val="000000"/>
         </a:solidFill>
@@ -92,7 +98,7 @@
         <a:sym typeface="Arial"/>
       </a:defRPr>
     </a:lvl2pPr>
-    <a:lvl3pPr lvl="2" marR="0" rtl="0" algn="l">
+    <a:lvl3pPr marR="0" lvl="2" algn="l" rtl="0">
       <a:lnSpc>
         <a:spcPct val="100000"/>
       </a:lnSpc>
@@ -106,7 +112,7 @@
         <a:srgbClr val="000000"/>
       </a:buClr>
       <a:buFont typeface="Arial"/>
-      <a:defRPr b="0" i="0" sz="1400" u="none" cap="none" strike="noStrike">
+      <a:defRPr sz="1400" b="0" i="0" u="none" strike="noStrike" cap="none">
         <a:solidFill>
           <a:srgbClr val="000000"/>
         </a:solidFill>
@@ -116,7 +122,7 @@
         <a:sym typeface="Arial"/>
       </a:defRPr>
     </a:lvl3pPr>
-    <a:lvl4pPr lvl="3" marR="0" rtl="0" algn="l">
+    <a:lvl4pPr marR="0" lvl="3" algn="l" rtl="0">
       <a:lnSpc>
         <a:spcPct val="100000"/>
       </a:lnSpc>
@@ -130,7 +136,7 @@
         <a:srgbClr val="000000"/>
       </a:buClr>
       <a:buFont typeface="Arial"/>
-      <a:defRPr b="0" i="0" sz="1400" u="none" cap="none" strike="noStrike">
+      <a:defRPr sz="1400" b="0" i="0" u="none" strike="noStrike" cap="none">
         <a:solidFill>
           <a:srgbClr val="000000"/>
         </a:solidFill>
@@ -140,7 +146,7 @@
         <a:sym typeface="Arial"/>
       </a:defRPr>
     </a:lvl4pPr>
-    <a:lvl5pPr lvl="4" marR="0" rtl="0" algn="l">
+    <a:lvl5pPr marR="0" lvl="4" algn="l" rtl="0">
       <a:lnSpc>
         <a:spcPct val="100000"/>
       </a:lnSpc>
@@ -154,7 +160,7 @@
         <a:srgbClr val="000000"/>
       </a:buClr>
       <a:buFont typeface="Arial"/>
-      <a:defRPr b="0" i="0" sz="1400" u="none" cap="none" strike="noStrike">
+      <a:defRPr sz="1400" b="0" i="0" u="none" strike="noStrike" cap="none">
         <a:solidFill>
           <a:srgbClr val="000000"/>
         </a:solidFill>
@@ -164,7 +170,7 @@
         <a:sym typeface="Arial"/>
       </a:defRPr>
     </a:lvl5pPr>
-    <a:lvl6pPr lvl="5" marR="0" rtl="0" algn="l">
+    <a:lvl6pPr marR="0" lvl="5" algn="l" rtl="0">
       <a:lnSpc>
         <a:spcPct val="100000"/>
       </a:lnSpc>
@@ -178,7 +184,7 @@
         <a:srgbClr val="000000"/>
       </a:buClr>
       <a:buFont typeface="Arial"/>
-      <a:defRPr b="0" i="0" sz="1400" u="none" cap="none" strike="noStrike">
+      <a:defRPr sz="1400" b="0" i="0" u="none" strike="noStrike" cap="none">
         <a:solidFill>
           <a:srgbClr val="000000"/>
         </a:solidFill>
@@ -188,7 +194,7 @@
         <a:sym typeface="Arial"/>
       </a:defRPr>
     </a:lvl6pPr>
-    <a:lvl7pPr lvl="6" marR="0" rtl="0" algn="l">
+    <a:lvl7pPr marR="0" lvl="6" algn="l" rtl="0">
       <a:lnSpc>
         <a:spcPct val="100000"/>
       </a:lnSpc>
@@ -202,7 +208,7 @@
         <a:srgbClr val="000000"/>
       </a:buClr>
       <a:buFont typeface="Arial"/>
-      <a:defRPr b="0" i="0" sz="1400" u="none" cap="none" strike="noStrike">
+      <a:defRPr sz="1400" b="0" i="0" u="none" strike="noStrike" cap="none">
         <a:solidFill>
           <a:srgbClr val="000000"/>
         </a:solidFill>
@@ -212,7 +218,7 @@
         <a:sym typeface="Arial"/>
       </a:defRPr>
     </a:lvl7pPr>
-    <a:lvl8pPr lvl="7" marR="0" rtl="0" algn="l">
+    <a:lvl8pPr marR="0" lvl="7" algn="l" rtl="0">
       <a:lnSpc>
         <a:spcPct val="100000"/>
       </a:lnSpc>
@@ -226,7 +232,7 @@
         <a:srgbClr val="000000"/>
       </a:buClr>
       <a:buFont typeface="Arial"/>
-      <a:defRPr b="0" i="0" sz="1400" u="none" cap="none" strike="noStrike">
+      <a:defRPr sz="1400" b="0" i="0" u="none" strike="noStrike" cap="none">
         <a:solidFill>
           <a:srgbClr val="000000"/>
         </a:solidFill>
@@ -236,7 +242,7 @@
         <a:sym typeface="Arial"/>
       </a:defRPr>
     </a:lvl8pPr>
-    <a:lvl9pPr lvl="8" marR="0" rtl="0" algn="l">
+    <a:lvl9pPr marR="0" lvl="8" algn="l" rtl="0">
       <a:lnSpc>
         <a:spcPct val="100000"/>
       </a:lnSpc>
@@ -250,7 +256,7 @@
         <a:srgbClr val="000000"/>
       </a:buClr>
       <a:buFont typeface="Arial"/>
-      <a:defRPr b="0" i="0" sz="1400" u="none" cap="none" strike="noStrike">
+      <a:defRPr sz="1400" b="0" i="0" u="none" strike="noStrike" cap="none">
         <a:solidFill>
           <a:srgbClr val="000000"/>
         </a:solidFill>
@@ -263,7 +269,7 @@
   </p:defaultTextStyle>
   <p:extLst>
     <p:ext uri="{EFAFB233-063F-42B5-8137-9DF3F51BA10A}">
-      <p15:sldGuideLst>
+      <p15:sldGuideLst xmlns:p15="http://schemas.microsoft.com/office/powerpoint/2012/main">
         <p15:guide id="1" orient="horz" pos="1620">
           <p15:clr>
             <a:srgbClr val="A4A3A4"/>
@@ -281,11 +287,16 @@
 </file>
 
 <file path=ppt/notesMasters/notesMaster1.xml><?xml version="1.0" encoding="utf-8"?>
-<p:notesMaster xmlns:a="http://schemas.openxmlformats.org/drawingml/2006/main" xmlns:r="http://schemas.openxmlformats.org/officeDocument/2006/relationships" xmlns:mc="http://schemas.openxmlformats.org/markup-compatibility/2006" xmlns:mv="urn:schemas-microsoft-com:mac:vml" xmlns:p="http://schemas.openxmlformats.org/presentationml/2006/main" xmlns:c="http://schemas.openxmlformats.org/drawingml/2006/chart" xmlns:dgm="http://schemas.openxmlformats.org/drawingml/2006/diagram" xmlns:o="urn:schemas-microsoft-com:office:office" xmlns:v="urn:schemas-microsoft-com:vml" xmlns:pvml="urn:schemas-microsoft-com:office:powerpoint" xmlns:com="http://schemas.openxmlformats.org/drawingml/2006/compatibility" xmlns:p14="http://schemas.microsoft.com/office/powerpoint/2010/main" xmlns:p15="http://schemas.microsoft.com/office/powerpoint/2012/main" xmlns:ahyp="http://schemas.microsoft.com/office/drawing/2018/hyperlinkcolor">
+<p:notesMaster xmlns:a="http://schemas.openxmlformats.org/drawingml/2006/main" xmlns:r="http://schemas.openxmlformats.org/officeDocument/2006/relationships" xmlns:p="http://schemas.openxmlformats.org/presentationml/2006/main">
   <p:cSld>
+    <p:bg>
+      <p:bgRef idx="1001">
+        <a:schemeClr val="bg1"/>
+      </p:bgRef>
+    </p:bg>
     <p:spTree>
       <p:nvGrpSpPr>
-        <p:cNvPr id="2" name="Shape 2"/>
+        <p:cNvPr id="1" name="Shape 2"/>
         <p:cNvGrpSpPr/>
         <p:nvPr/>
       </p:nvGrpSpPr>
@@ -300,9 +311,11 @@
       <p:sp>
         <p:nvSpPr>
           <p:cNvPr id="3" name="Google Shape;3;n"/>
-          <p:cNvSpPr/>
+          <p:cNvSpPr>
+            <a:spLocks noGrp="1" noRot="1" noChangeAspect="1"/>
+          </p:cNvSpPr>
           <p:nvPr>
-            <p:ph idx="2" type="sldImg"/>
+            <p:ph type="sldImg" idx="2"/>
           </p:nvPr>
         </p:nvSpPr>
         <p:spPr>
@@ -311,9 +324,13 @@
             <a:ext cx="6096075" cy="3429000"/>
           </a:xfrm>
           <a:custGeom>
-            <a:rect b="b" l="l" r="r" t="t"/>
+            <a:avLst/>
+            <a:gdLst/>
+            <a:ahLst/>
+            <a:cxnLst/>
+            <a:rect l="l" t="t" r="r" b="b"/>
             <a:pathLst>
-              <a:path extrusionOk="0" h="120000" w="120000">
+              <a:path w="120000" h="120000" extrusionOk="0">
                 <a:moveTo>
                   <a:pt x="0" y="0"/>
                 </a:moveTo>
@@ -331,23 +348,25 @@
             </a:pathLst>
           </a:custGeom>
           <a:noFill/>
-          <a:ln cap="flat" cmpd="sng" w="9525">
+          <a:ln w="9525" cap="flat" cmpd="sng">
             <a:solidFill>
               <a:srgbClr val="000000"/>
             </a:solidFill>
             <a:prstDash val="solid"/>
             <a:round/>
-            <a:headEnd len="sm" w="sm" type="none"/>
-            <a:tailEnd len="sm" w="sm" type="none"/>
+            <a:headEnd type="none" w="sm" len="sm"/>
+            <a:tailEnd type="none" w="sm" len="sm"/>
           </a:ln>
         </p:spPr>
       </p:sp>
       <p:sp>
         <p:nvSpPr>
           <p:cNvPr id="4" name="Google Shape;4;n"/>
-          <p:cNvSpPr txBox="1"/>
+          <p:cNvSpPr txBox="1">
+            <a:spLocks noGrp="1"/>
+          </p:cNvSpPr>
           <p:nvPr>
-            <p:ph idx="1" type="body"/>
+            <p:ph type="body" idx="1"/>
           </p:nvPr>
         </p:nvSpPr>
         <p:spPr>
@@ -364,11 +383,11 @@
           </a:ln>
         </p:spPr>
         <p:txBody>
-          <a:bodyPr anchorCtr="0" anchor="t" bIns="91425" lIns="91425" spcFirstLastPara="1" rIns="91425" wrap="square" tIns="91425">
+          <a:bodyPr spcFirstLastPara="1" wrap="square" lIns="91425" tIns="91425" rIns="91425" bIns="91425" anchor="t" anchorCtr="0">
             <a:noAutofit/>
           </a:bodyPr>
           <a:lstStyle>
-            <a:lvl1pPr indent="-298450" lvl="0" marL="457200">
+            <a:lvl1pPr marL="457200" lvl="0" indent="-298450">
               <a:spcBef>
                 <a:spcPts val="0"/>
               </a:spcBef>
@@ -379,7 +398,7 @@
               <a:buChar char="●"/>
               <a:defRPr sz="1100"/>
             </a:lvl1pPr>
-            <a:lvl2pPr indent="-298450" lvl="1" marL="914400">
+            <a:lvl2pPr marL="914400" lvl="1" indent="-298450">
               <a:spcBef>
                 <a:spcPts val="0"/>
               </a:spcBef>
@@ -390,7 +409,7 @@
               <a:buChar char="○"/>
               <a:defRPr sz="1100"/>
             </a:lvl2pPr>
-            <a:lvl3pPr indent="-298450" lvl="2" marL="1371600">
+            <a:lvl3pPr marL="1371600" lvl="2" indent="-298450">
               <a:spcBef>
                 <a:spcPts val="0"/>
               </a:spcBef>
@@ -401,7 +420,7 @@
               <a:buChar char="■"/>
               <a:defRPr sz="1100"/>
             </a:lvl3pPr>
-            <a:lvl4pPr indent="-298450" lvl="3" marL="1828800">
+            <a:lvl4pPr marL="1828800" lvl="3" indent="-298450">
               <a:spcBef>
                 <a:spcPts val="0"/>
               </a:spcBef>
@@ -412,7 +431,7 @@
               <a:buChar char="●"/>
               <a:defRPr sz="1100"/>
             </a:lvl4pPr>
-            <a:lvl5pPr indent="-298450" lvl="4" marL="2286000">
+            <a:lvl5pPr marL="2286000" lvl="4" indent="-298450">
               <a:spcBef>
                 <a:spcPts val="0"/>
               </a:spcBef>
@@ -423,7 +442,7 @@
               <a:buChar char="○"/>
               <a:defRPr sz="1100"/>
             </a:lvl5pPr>
-            <a:lvl6pPr indent="-298450" lvl="5" marL="2743200">
+            <a:lvl6pPr marL="2743200" lvl="5" indent="-298450">
               <a:spcBef>
                 <a:spcPts val="0"/>
               </a:spcBef>
@@ -434,7 +453,7 @@
               <a:buChar char="■"/>
               <a:defRPr sz="1100"/>
             </a:lvl6pPr>
-            <a:lvl7pPr indent="-298450" lvl="6" marL="3200400">
+            <a:lvl7pPr marL="3200400" lvl="6" indent="-298450">
               <a:spcBef>
                 <a:spcPts val="0"/>
               </a:spcBef>
@@ -445,7 +464,7 @@
               <a:buChar char="●"/>
               <a:defRPr sz="1100"/>
             </a:lvl7pPr>
-            <a:lvl8pPr indent="-298450" lvl="7" marL="3657600">
+            <a:lvl8pPr marL="3657600" lvl="7" indent="-298450">
               <a:spcBef>
                 <a:spcPts val="0"/>
               </a:spcBef>
@@ -456,7 +475,7 @@
               <a:buChar char="○"/>
               <a:defRPr sz="1100"/>
             </a:lvl8pPr>
-            <a:lvl9pPr indent="-298450" lvl="8" marL="4114800">
+            <a:lvl9pPr marL="4114800" lvl="8" indent="-298450">
               <a:spcBef>
                 <a:spcPts val="0"/>
               </a:spcBef>
@@ -468,14 +487,16 @@
               <a:defRPr sz="1100"/>
             </a:lvl9pPr>
           </a:lstStyle>
-          <a:p/>
+          <a:p>
+            <a:endParaRPr/>
+          </a:p>
         </p:txBody>
       </p:sp>
     </p:spTree>
   </p:cSld>
-  <p:clrMap accent1="accent1" accent2="accent2" accent3="accent3" accent4="accent4" accent5="accent5" accent6="accent6" bg1="lt1" bg2="dk2" tx1="dk1" tx2="lt2" folHlink="folHlink" hlink="hlink"/>
+  <p:clrMap bg1="lt1" tx1="dk1" bg2="dk2" tx2="lt2" accent1="accent1" accent2="accent2" accent3="accent3" accent4="accent4" accent5="accent5" accent6="accent6" hlink="hlink" folHlink="folHlink"/>
   <p:notesStyle>
-    <a:defPPr lvl="0" marR="0" rtl="0" algn="l">
+    <a:defPPr marR="0" lvl="0" algn="l" rtl="0">
       <a:lnSpc>
         <a:spcPct val="100000"/>
       </a:lnSpc>
@@ -486,7 +507,7 @@
         <a:spcPts val="0"/>
       </a:spcAft>
     </a:defPPr>
-    <a:lvl1pPr lvl="0" marR="0" rtl="0" algn="l">
+    <a:lvl1pPr marR="0" lvl="0" algn="l" rtl="0">
       <a:lnSpc>
         <a:spcPct val="100000"/>
       </a:lnSpc>
@@ -500,7 +521,7 @@
         <a:srgbClr val="000000"/>
       </a:buClr>
       <a:buFont typeface="Arial"/>
-      <a:defRPr b="0" i="0" sz="1400" u="none" cap="none" strike="noStrike">
+      <a:defRPr sz="1400" b="0" i="0" u="none" strike="noStrike" cap="none">
         <a:solidFill>
           <a:srgbClr val="000000"/>
         </a:solidFill>
@@ -510,7 +531,7 @@
         <a:sym typeface="Arial"/>
       </a:defRPr>
     </a:lvl1pPr>
-    <a:lvl2pPr lvl="1" marR="0" rtl="0" algn="l">
+    <a:lvl2pPr marR="0" lvl="1" algn="l" rtl="0">
       <a:lnSpc>
         <a:spcPct val="100000"/>
       </a:lnSpc>
@@ -524,7 +545,7 @@
         <a:srgbClr val="000000"/>
       </a:buClr>
       <a:buFont typeface="Arial"/>
-      <a:defRPr b="0" i="0" sz="1400" u="none" cap="none" strike="noStrike">
+      <a:defRPr sz="1400" b="0" i="0" u="none" strike="noStrike" cap="none">
         <a:solidFill>
           <a:srgbClr val="000000"/>
         </a:solidFill>
@@ -534,7 +555,7 @@
         <a:sym typeface="Arial"/>
       </a:defRPr>
     </a:lvl2pPr>
-    <a:lvl3pPr lvl="2" marR="0" rtl="0" algn="l">
+    <a:lvl3pPr marR="0" lvl="2" algn="l" rtl="0">
       <a:lnSpc>
         <a:spcPct val="100000"/>
       </a:lnSpc>
@@ -548,7 +569,7 @@
         <a:srgbClr val="000000"/>
       </a:buClr>
       <a:buFont typeface="Arial"/>
-      <a:defRPr b="0" i="0" sz="1400" u="none" cap="none" strike="noStrike">
+      <a:defRPr sz="1400" b="0" i="0" u="none" strike="noStrike" cap="none">
         <a:solidFill>
           <a:srgbClr val="000000"/>
         </a:solidFill>
@@ -558,7 +579,7 @@
         <a:sym typeface="Arial"/>
       </a:defRPr>
     </a:lvl3pPr>
-    <a:lvl4pPr lvl="3" marR="0" rtl="0" algn="l">
+    <a:lvl4pPr marR="0" lvl="3" algn="l" rtl="0">
       <a:lnSpc>
         <a:spcPct val="100000"/>
       </a:lnSpc>
@@ -572,7 +593,7 @@
         <a:srgbClr val="000000"/>
       </a:buClr>
       <a:buFont typeface="Arial"/>
-      <a:defRPr b="0" i="0" sz="1400" u="none" cap="none" strike="noStrike">
+      <a:defRPr sz="1400" b="0" i="0" u="none" strike="noStrike" cap="none">
         <a:solidFill>
           <a:srgbClr val="000000"/>
         </a:solidFill>
@@ -582,7 +603,7 @@
         <a:sym typeface="Arial"/>
       </a:defRPr>
     </a:lvl4pPr>
-    <a:lvl5pPr lvl="4" marR="0" rtl="0" algn="l">
+    <a:lvl5pPr marR="0" lvl="4" algn="l" rtl="0">
       <a:lnSpc>
         <a:spcPct val="100000"/>
       </a:lnSpc>
@@ -596,7 +617,7 @@
         <a:srgbClr val="000000"/>
       </a:buClr>
       <a:buFont typeface="Arial"/>
-      <a:defRPr b="0" i="0" sz="1400" u="none" cap="none" strike="noStrike">
+      <a:defRPr sz="1400" b="0" i="0" u="none" strike="noStrike" cap="none">
         <a:solidFill>
           <a:srgbClr val="000000"/>
         </a:solidFill>
@@ -606,7 +627,7 @@
         <a:sym typeface="Arial"/>
       </a:defRPr>
     </a:lvl5pPr>
-    <a:lvl6pPr lvl="5" marR="0" rtl="0" algn="l">
+    <a:lvl6pPr marR="0" lvl="5" algn="l" rtl="0">
       <a:lnSpc>
         <a:spcPct val="100000"/>
       </a:lnSpc>
@@ -620,7 +641,7 @@
         <a:srgbClr val="000000"/>
       </a:buClr>
       <a:buFont typeface="Arial"/>
-      <a:defRPr b="0" i="0" sz="1400" u="none" cap="none" strike="noStrike">
+      <a:defRPr sz="1400" b="0" i="0" u="none" strike="noStrike" cap="none">
         <a:solidFill>
           <a:srgbClr val="000000"/>
         </a:solidFill>
@@ -630,7 +651,7 @@
         <a:sym typeface="Arial"/>
       </a:defRPr>
     </a:lvl6pPr>
-    <a:lvl7pPr lvl="6" marR="0" rtl="0" algn="l">
+    <a:lvl7pPr marR="0" lvl="6" algn="l" rtl="0">
       <a:lnSpc>
         <a:spcPct val="100000"/>
       </a:lnSpc>
@@ -644,7 +665,7 @@
         <a:srgbClr val="000000"/>
       </a:buClr>
       <a:buFont typeface="Arial"/>
-      <a:defRPr b="0" i="0" sz="1400" u="none" cap="none" strike="noStrike">
+      <a:defRPr sz="1400" b="0" i="0" u="none" strike="noStrike" cap="none">
         <a:solidFill>
           <a:srgbClr val="000000"/>
         </a:solidFill>
@@ -654,7 +675,7 @@
         <a:sym typeface="Arial"/>
       </a:defRPr>
     </a:lvl7pPr>
-    <a:lvl8pPr lvl="7" marR="0" rtl="0" algn="l">
+    <a:lvl8pPr marR="0" lvl="7" algn="l" rtl="0">
       <a:lnSpc>
         <a:spcPct val="100000"/>
       </a:lnSpc>
@@ -668,7 +689,7 @@
         <a:srgbClr val="000000"/>
       </a:buClr>
       <a:buFont typeface="Arial"/>
-      <a:defRPr b="0" i="0" sz="1400" u="none" cap="none" strike="noStrike">
+      <a:defRPr sz="1400" b="0" i="0" u="none" strike="noStrike" cap="none">
         <a:solidFill>
           <a:srgbClr val="000000"/>
         </a:solidFill>
@@ -678,7 +699,7 @@
         <a:sym typeface="Arial"/>
       </a:defRPr>
     </a:lvl8pPr>
-    <a:lvl9pPr lvl="8" marR="0" rtl="0" algn="l">
+    <a:lvl9pPr marR="0" lvl="8" algn="l" rtl="0">
       <a:lnSpc>
         <a:spcPct val="100000"/>
       </a:lnSpc>
@@ -692,7 +713,7 @@
         <a:srgbClr val="000000"/>
       </a:buClr>
       <a:buFont typeface="Arial"/>
-      <a:defRPr b="0" i="0" sz="1400" u="none" cap="none" strike="noStrike">
+      <a:defRPr sz="1400" b="0" i="0" u="none" strike="noStrike" cap="none">
         <a:solidFill>
           <a:srgbClr val="000000"/>
         </a:solidFill>
@@ -707,11 +728,11 @@
 </file>
 
 <file path=ppt/notesSlides/notesSlide1.xml><?xml version="1.0" encoding="utf-8"?>
-<p:notes xmlns:a="http://schemas.openxmlformats.org/drawingml/2006/main" xmlns:r="http://schemas.openxmlformats.org/officeDocument/2006/relationships" xmlns:mc="http://schemas.openxmlformats.org/markup-compatibility/2006" xmlns:mv="urn:schemas-microsoft-com:mac:vml" xmlns:p="http://schemas.openxmlformats.org/presentationml/2006/main" xmlns:c="http://schemas.openxmlformats.org/drawingml/2006/chart" xmlns:dgm="http://schemas.openxmlformats.org/drawingml/2006/diagram" xmlns:o="urn:schemas-microsoft-com:office:office" xmlns:v="urn:schemas-microsoft-com:vml" xmlns:pvml="urn:schemas-microsoft-com:office:powerpoint" xmlns:com="http://schemas.openxmlformats.org/drawingml/2006/compatibility" xmlns:p14="http://schemas.microsoft.com/office/powerpoint/2010/main" xmlns:p15="http://schemas.microsoft.com/office/powerpoint/2012/main" xmlns:ahyp="http://schemas.microsoft.com/office/drawing/2018/hyperlinkcolor" showMasterPhAnim="0" showMasterSp="0">
+<p:notes xmlns:a="http://schemas.openxmlformats.org/drawingml/2006/main" xmlns:r="http://schemas.openxmlformats.org/officeDocument/2006/relationships" xmlns:p="http://schemas.openxmlformats.org/presentationml/2006/main" showMasterSp="0" showMasterPhAnim="0">
   <p:cSld>
     <p:spTree>
       <p:nvGrpSpPr>
-        <p:cNvPr id="82" name="Shape 82"/>
+        <p:cNvPr id="1" name="Shape 82"/>
         <p:cNvGrpSpPr/>
         <p:nvPr/>
       </p:nvGrpSpPr>
@@ -726,20 +747,26 @@
       <p:sp>
         <p:nvSpPr>
           <p:cNvPr id="83" name="Google Shape;83;p:notes"/>
-          <p:cNvSpPr/>
+          <p:cNvSpPr>
+            <a:spLocks noGrp="1" noRot="1" noChangeAspect="1"/>
+          </p:cNvSpPr>
           <p:nvPr>
-            <p:ph idx="2" type="sldImg"/>
+            <p:ph type="sldImg" idx="2"/>
           </p:nvPr>
         </p:nvSpPr>
         <p:spPr>
           <a:xfrm>
-            <a:off x="381300" y="685800"/>
-            <a:ext cx="6096075" cy="3429000"/>
+            <a:off x="381000" y="685800"/>
+            <a:ext cx="6096000" cy="3429000"/>
           </a:xfrm>
           <a:custGeom>
-            <a:rect b="b" l="l" r="r" t="t"/>
+            <a:avLst/>
+            <a:gdLst/>
+            <a:ahLst/>
+            <a:cxnLst/>
+            <a:rect l="l" t="t" r="r" b="b"/>
             <a:pathLst>
-              <a:path extrusionOk="0" h="120000" w="120000">
+              <a:path w="120000" h="120000" extrusionOk="0">
                 <a:moveTo>
                   <a:pt x="0" y="0"/>
                 </a:moveTo>
@@ -761,9 +788,11 @@
       <p:sp>
         <p:nvSpPr>
           <p:cNvPr id="84" name="Google Shape;84;p:notes"/>
-          <p:cNvSpPr txBox="1"/>
+          <p:cNvSpPr txBox="1">
+            <a:spLocks noGrp="1"/>
+          </p:cNvSpPr>
           <p:nvPr>
-            <p:ph idx="1" type="body"/>
+            <p:ph type="body" idx="1"/>
           </p:nvPr>
         </p:nvSpPr>
         <p:spPr>
@@ -776,12 +805,12 @@
           </a:prstGeom>
         </p:spPr>
         <p:txBody>
-          <a:bodyPr anchorCtr="0" anchor="t" bIns="91425" lIns="91425" spcFirstLastPara="1" rIns="91425" wrap="square" tIns="91425">
+          <a:bodyPr spcFirstLastPara="1" wrap="square" lIns="91425" tIns="91425" rIns="91425" bIns="91425" anchor="t" anchorCtr="0">
             <a:noAutofit/>
           </a:bodyPr>
           <a:lstStyle/>
           <a:p>
-            <a:pPr indent="0" lvl="0" marL="0" rtl="0" algn="l">
+            <a:pPr marL="0" lvl="0" indent="0" algn="l" rtl="0">
               <a:spcBef>
                 <a:spcPts val="0"/>
               </a:spcBef>
@@ -790,9 +819,6 @@
               </a:spcAft>
               <a:buNone/>
             </a:pPr>
-            <a:r>
-              <a:t/>
-            </a:r>
             <a:endParaRPr/>
           </a:p>
         </p:txBody>
@@ -806,11 +832,451 @@
 </file>
 
 <file path=ppt/notesSlides/notesSlide2.xml><?xml version="1.0" encoding="utf-8"?>
-<p:notes xmlns:a="http://schemas.openxmlformats.org/drawingml/2006/main" xmlns:r="http://schemas.openxmlformats.org/officeDocument/2006/relationships" xmlns:mc="http://schemas.openxmlformats.org/markup-compatibility/2006" xmlns:mv="urn:schemas-microsoft-com:mac:vml" xmlns:p="http://schemas.openxmlformats.org/presentationml/2006/main" xmlns:c="http://schemas.openxmlformats.org/drawingml/2006/chart" xmlns:dgm="http://schemas.openxmlformats.org/drawingml/2006/diagram" xmlns:o="urn:schemas-microsoft-com:office:office" xmlns:v="urn:schemas-microsoft-com:vml" xmlns:pvml="urn:schemas-microsoft-com:office:powerpoint" xmlns:com="http://schemas.openxmlformats.org/drawingml/2006/compatibility" xmlns:p14="http://schemas.microsoft.com/office/powerpoint/2010/main" xmlns:p15="http://schemas.microsoft.com/office/powerpoint/2012/main" xmlns:ahyp="http://schemas.microsoft.com/office/drawing/2018/hyperlinkcolor" showMasterPhAnim="0" showMasterSp="0">
+<p:notes xmlns:a="http://schemas.openxmlformats.org/drawingml/2006/main" xmlns:r="http://schemas.openxmlformats.org/officeDocument/2006/relationships" xmlns:p="http://schemas.openxmlformats.org/presentationml/2006/main" showMasterSp="0" showMasterPhAnim="0">
   <p:cSld>
     <p:spTree>
       <p:nvGrpSpPr>
-        <p:cNvPr id="88" name="Shape 88"/>
+        <p:cNvPr id="1" name="Shape 100"/>
+        <p:cNvGrpSpPr/>
+        <p:nvPr/>
+      </p:nvGrpSpPr>
+      <p:grpSpPr>
+        <a:xfrm>
+          <a:off x="0" y="0"/>
+          <a:ext cx="0" cy="0"/>
+          <a:chOff x="0" y="0"/>
+          <a:chExt cx="0" cy="0"/>
+        </a:xfrm>
+      </p:grpSpPr>
+      <p:sp>
+        <p:nvSpPr>
+          <p:cNvPr id="101" name="Google Shape;101;g14388f9cfe0_0_5:notes"/>
+          <p:cNvSpPr>
+            <a:spLocks noGrp="1" noRot="1" noChangeAspect="1"/>
+          </p:cNvSpPr>
+          <p:nvPr>
+            <p:ph type="sldImg" idx="2"/>
+          </p:nvPr>
+        </p:nvSpPr>
+        <p:spPr>
+          <a:xfrm>
+            <a:off x="381000" y="685800"/>
+            <a:ext cx="6096000" cy="3429000"/>
+          </a:xfrm>
+          <a:custGeom>
+            <a:avLst/>
+            <a:gdLst/>
+            <a:ahLst/>
+            <a:cxnLst/>
+            <a:rect l="l" t="t" r="r" b="b"/>
+            <a:pathLst>
+              <a:path w="120000" h="120000" extrusionOk="0">
+                <a:moveTo>
+                  <a:pt x="0" y="0"/>
+                </a:moveTo>
+                <a:lnTo>
+                  <a:pt x="120000" y="0"/>
+                </a:lnTo>
+                <a:lnTo>
+                  <a:pt x="120000" y="120000"/>
+                </a:lnTo>
+                <a:lnTo>
+                  <a:pt x="0" y="120000"/>
+                </a:lnTo>
+                <a:close/>
+              </a:path>
+            </a:pathLst>
+          </a:custGeom>
+        </p:spPr>
+      </p:sp>
+      <p:sp>
+        <p:nvSpPr>
+          <p:cNvPr id="102" name="Google Shape;102;g14388f9cfe0_0_5:notes"/>
+          <p:cNvSpPr txBox="1">
+            <a:spLocks noGrp="1"/>
+          </p:cNvSpPr>
+          <p:nvPr>
+            <p:ph type="body" idx="1"/>
+          </p:nvPr>
+        </p:nvSpPr>
+        <p:spPr>
+          <a:xfrm>
+            <a:off x="685800" y="4343400"/>
+            <a:ext cx="5486400" cy="4114800"/>
+          </a:xfrm>
+          <a:prstGeom prst="rect">
+            <a:avLst/>
+          </a:prstGeom>
+        </p:spPr>
+        <p:txBody>
+          <a:bodyPr spcFirstLastPara="1" wrap="square" lIns="91425" tIns="91425" rIns="91425" bIns="91425" anchor="t" anchorCtr="0">
+            <a:noAutofit/>
+          </a:bodyPr>
+          <a:lstStyle/>
+          <a:p>
+            <a:pPr marL="0" lvl="0" indent="0" algn="l" rtl="0">
+              <a:spcBef>
+                <a:spcPts val="0"/>
+              </a:spcBef>
+              <a:spcAft>
+                <a:spcPts val="0"/>
+              </a:spcAft>
+              <a:buNone/>
+            </a:pPr>
+            <a:endParaRPr/>
+          </a:p>
+        </p:txBody>
+      </p:sp>
+    </p:spTree>
+    <p:extLst>
+      <p:ext uri="{BB962C8B-B14F-4D97-AF65-F5344CB8AC3E}">
+        <p14:creationId xmlns:p14="http://schemas.microsoft.com/office/powerpoint/2010/main" val="4074765861"/>
+      </p:ext>
+    </p:extLst>
+  </p:cSld>
+  <p:clrMapOvr>
+    <a:masterClrMapping/>
+  </p:clrMapOvr>
+</p:notes>
+</file>
+
+<file path=ppt/notesSlides/notesSlide3.xml><?xml version="1.0" encoding="utf-8"?>
+<p:notes xmlns:a="http://schemas.openxmlformats.org/drawingml/2006/main" xmlns:r="http://schemas.openxmlformats.org/officeDocument/2006/relationships" xmlns:p="http://schemas.openxmlformats.org/presentationml/2006/main" showMasterSp="0" showMasterPhAnim="0">
+  <p:cSld>
+    <p:spTree>
+      <p:nvGrpSpPr>
+        <p:cNvPr id="1" name="Shape 106"/>
+        <p:cNvGrpSpPr/>
+        <p:nvPr/>
+      </p:nvGrpSpPr>
+      <p:grpSpPr>
+        <a:xfrm>
+          <a:off x="0" y="0"/>
+          <a:ext cx="0" cy="0"/>
+          <a:chOff x="0" y="0"/>
+          <a:chExt cx="0" cy="0"/>
+        </a:xfrm>
+      </p:grpSpPr>
+      <p:sp>
+        <p:nvSpPr>
+          <p:cNvPr id="107" name="Google Shape;107;g143f2518c50_0_0:notes"/>
+          <p:cNvSpPr>
+            <a:spLocks noGrp="1" noRot="1" noChangeAspect="1"/>
+          </p:cNvSpPr>
+          <p:nvPr>
+            <p:ph type="sldImg" idx="2"/>
+          </p:nvPr>
+        </p:nvSpPr>
+        <p:spPr>
+          <a:xfrm>
+            <a:off x="381000" y="685800"/>
+            <a:ext cx="6096000" cy="3429000"/>
+          </a:xfrm>
+          <a:custGeom>
+            <a:avLst/>
+            <a:gdLst/>
+            <a:ahLst/>
+            <a:cxnLst/>
+            <a:rect l="l" t="t" r="r" b="b"/>
+            <a:pathLst>
+              <a:path w="120000" h="120000" extrusionOk="0">
+                <a:moveTo>
+                  <a:pt x="0" y="0"/>
+                </a:moveTo>
+                <a:lnTo>
+                  <a:pt x="120000" y="0"/>
+                </a:lnTo>
+                <a:lnTo>
+                  <a:pt x="120000" y="120000"/>
+                </a:lnTo>
+                <a:lnTo>
+                  <a:pt x="0" y="120000"/>
+                </a:lnTo>
+                <a:close/>
+              </a:path>
+            </a:pathLst>
+          </a:custGeom>
+        </p:spPr>
+      </p:sp>
+      <p:sp>
+        <p:nvSpPr>
+          <p:cNvPr id="108" name="Google Shape;108;g143f2518c50_0_0:notes"/>
+          <p:cNvSpPr txBox="1">
+            <a:spLocks noGrp="1"/>
+          </p:cNvSpPr>
+          <p:nvPr>
+            <p:ph type="body" idx="1"/>
+          </p:nvPr>
+        </p:nvSpPr>
+        <p:spPr>
+          <a:xfrm>
+            <a:off x="685800" y="4343400"/>
+            <a:ext cx="5486400" cy="4114800"/>
+          </a:xfrm>
+          <a:prstGeom prst="rect">
+            <a:avLst/>
+          </a:prstGeom>
+        </p:spPr>
+        <p:txBody>
+          <a:bodyPr spcFirstLastPara="1" wrap="square" lIns="91425" tIns="91425" rIns="91425" bIns="91425" anchor="t" anchorCtr="0">
+            <a:noAutofit/>
+          </a:bodyPr>
+          <a:lstStyle/>
+          <a:p>
+            <a:pPr marL="0" lvl="0" indent="0" algn="l" rtl="0">
+              <a:spcBef>
+                <a:spcPts val="0"/>
+              </a:spcBef>
+              <a:spcAft>
+                <a:spcPts val="0"/>
+              </a:spcAft>
+              <a:buNone/>
+            </a:pPr>
+            <a:r>
+              <a:rPr lang="en"/>
+              <a:t>Should we use this data in our visuals?</a:t>
+            </a:r>
+            <a:endParaRPr/>
+          </a:p>
+        </p:txBody>
+      </p:sp>
+    </p:spTree>
+    <p:extLst>
+      <p:ext uri="{BB962C8B-B14F-4D97-AF65-F5344CB8AC3E}">
+        <p14:creationId xmlns:p14="http://schemas.microsoft.com/office/powerpoint/2010/main" val="2863144287"/>
+      </p:ext>
+    </p:extLst>
+  </p:cSld>
+  <p:clrMapOvr>
+    <a:masterClrMapping/>
+  </p:clrMapOvr>
+</p:notes>
+</file>
+
+<file path=ppt/notesSlides/notesSlide4.xml><?xml version="1.0" encoding="utf-8"?>
+<p:notes xmlns:a="http://schemas.openxmlformats.org/drawingml/2006/main" xmlns:r="http://schemas.openxmlformats.org/officeDocument/2006/relationships" xmlns:p="http://schemas.openxmlformats.org/presentationml/2006/main" showMasterSp="0" showMasterPhAnim="0">
+  <p:cSld>
+    <p:spTree>
+      <p:nvGrpSpPr>
+        <p:cNvPr id="1" name="Shape 100"/>
+        <p:cNvGrpSpPr/>
+        <p:nvPr/>
+      </p:nvGrpSpPr>
+      <p:grpSpPr>
+        <a:xfrm>
+          <a:off x="0" y="0"/>
+          <a:ext cx="0" cy="0"/>
+          <a:chOff x="0" y="0"/>
+          <a:chExt cx="0" cy="0"/>
+        </a:xfrm>
+      </p:grpSpPr>
+      <p:sp>
+        <p:nvSpPr>
+          <p:cNvPr id="101" name="Google Shape;101;g14388f9cfe0_0_5:notes"/>
+          <p:cNvSpPr>
+            <a:spLocks noGrp="1" noRot="1" noChangeAspect="1"/>
+          </p:cNvSpPr>
+          <p:nvPr>
+            <p:ph type="sldImg" idx="2"/>
+          </p:nvPr>
+        </p:nvSpPr>
+        <p:spPr>
+          <a:xfrm>
+            <a:off x="381000" y="685800"/>
+            <a:ext cx="6096000" cy="3429000"/>
+          </a:xfrm>
+          <a:custGeom>
+            <a:avLst/>
+            <a:gdLst/>
+            <a:ahLst/>
+            <a:cxnLst/>
+            <a:rect l="l" t="t" r="r" b="b"/>
+            <a:pathLst>
+              <a:path w="120000" h="120000" extrusionOk="0">
+                <a:moveTo>
+                  <a:pt x="0" y="0"/>
+                </a:moveTo>
+                <a:lnTo>
+                  <a:pt x="120000" y="0"/>
+                </a:lnTo>
+                <a:lnTo>
+                  <a:pt x="120000" y="120000"/>
+                </a:lnTo>
+                <a:lnTo>
+                  <a:pt x="0" y="120000"/>
+                </a:lnTo>
+                <a:close/>
+              </a:path>
+            </a:pathLst>
+          </a:custGeom>
+        </p:spPr>
+      </p:sp>
+      <p:sp>
+        <p:nvSpPr>
+          <p:cNvPr id="102" name="Google Shape;102;g14388f9cfe0_0_5:notes"/>
+          <p:cNvSpPr txBox="1">
+            <a:spLocks noGrp="1"/>
+          </p:cNvSpPr>
+          <p:nvPr>
+            <p:ph type="body" idx="1"/>
+          </p:nvPr>
+        </p:nvSpPr>
+        <p:spPr>
+          <a:xfrm>
+            <a:off x="685800" y="4343400"/>
+            <a:ext cx="5486400" cy="4114800"/>
+          </a:xfrm>
+          <a:prstGeom prst="rect">
+            <a:avLst/>
+          </a:prstGeom>
+        </p:spPr>
+        <p:txBody>
+          <a:bodyPr spcFirstLastPara="1" wrap="square" lIns="91425" tIns="91425" rIns="91425" bIns="91425" anchor="t" anchorCtr="0">
+            <a:noAutofit/>
+          </a:bodyPr>
+          <a:lstStyle/>
+          <a:p>
+            <a:pPr marL="0" lvl="0" indent="0" algn="l" rtl="0">
+              <a:spcBef>
+                <a:spcPts val="0"/>
+              </a:spcBef>
+              <a:spcAft>
+                <a:spcPts val="0"/>
+              </a:spcAft>
+              <a:buNone/>
+            </a:pPr>
+            <a:endParaRPr/>
+          </a:p>
+        </p:txBody>
+      </p:sp>
+    </p:spTree>
+    <p:extLst>
+      <p:ext uri="{BB962C8B-B14F-4D97-AF65-F5344CB8AC3E}">
+        <p14:creationId xmlns:p14="http://schemas.microsoft.com/office/powerpoint/2010/main" val="3416836866"/>
+      </p:ext>
+    </p:extLst>
+  </p:cSld>
+  <p:clrMapOvr>
+    <a:masterClrMapping/>
+  </p:clrMapOvr>
+</p:notes>
+</file>
+
+<file path=ppt/notesSlides/notesSlide5.xml><?xml version="1.0" encoding="utf-8"?>
+<p:notes xmlns:a="http://schemas.openxmlformats.org/drawingml/2006/main" xmlns:r="http://schemas.openxmlformats.org/officeDocument/2006/relationships" xmlns:p="http://schemas.openxmlformats.org/presentationml/2006/main" showMasterSp="0" showMasterPhAnim="0">
+  <p:cSld>
+    <p:spTree>
+      <p:nvGrpSpPr>
+        <p:cNvPr id="1" name="Shape 100"/>
+        <p:cNvGrpSpPr/>
+        <p:nvPr/>
+      </p:nvGrpSpPr>
+      <p:grpSpPr>
+        <a:xfrm>
+          <a:off x="0" y="0"/>
+          <a:ext cx="0" cy="0"/>
+          <a:chOff x="0" y="0"/>
+          <a:chExt cx="0" cy="0"/>
+        </a:xfrm>
+      </p:grpSpPr>
+      <p:sp>
+        <p:nvSpPr>
+          <p:cNvPr id="101" name="Google Shape;101;g14388f9cfe0_0_5:notes"/>
+          <p:cNvSpPr>
+            <a:spLocks noGrp="1" noRot="1" noChangeAspect="1"/>
+          </p:cNvSpPr>
+          <p:nvPr>
+            <p:ph type="sldImg" idx="2"/>
+          </p:nvPr>
+        </p:nvSpPr>
+        <p:spPr>
+          <a:xfrm>
+            <a:off x="381000" y="685800"/>
+            <a:ext cx="6096000" cy="3429000"/>
+          </a:xfrm>
+          <a:custGeom>
+            <a:avLst/>
+            <a:gdLst/>
+            <a:ahLst/>
+            <a:cxnLst/>
+            <a:rect l="l" t="t" r="r" b="b"/>
+            <a:pathLst>
+              <a:path w="120000" h="120000" extrusionOk="0">
+                <a:moveTo>
+                  <a:pt x="0" y="0"/>
+                </a:moveTo>
+                <a:lnTo>
+                  <a:pt x="120000" y="0"/>
+                </a:lnTo>
+                <a:lnTo>
+                  <a:pt x="120000" y="120000"/>
+                </a:lnTo>
+                <a:lnTo>
+                  <a:pt x="0" y="120000"/>
+                </a:lnTo>
+                <a:close/>
+              </a:path>
+            </a:pathLst>
+          </a:custGeom>
+        </p:spPr>
+      </p:sp>
+      <p:sp>
+        <p:nvSpPr>
+          <p:cNvPr id="102" name="Google Shape;102;g14388f9cfe0_0_5:notes"/>
+          <p:cNvSpPr txBox="1">
+            <a:spLocks noGrp="1"/>
+          </p:cNvSpPr>
+          <p:nvPr>
+            <p:ph type="body" idx="1"/>
+          </p:nvPr>
+        </p:nvSpPr>
+        <p:spPr>
+          <a:xfrm>
+            <a:off x="685800" y="4343400"/>
+            <a:ext cx="5486400" cy="4114800"/>
+          </a:xfrm>
+          <a:prstGeom prst="rect">
+            <a:avLst/>
+          </a:prstGeom>
+        </p:spPr>
+        <p:txBody>
+          <a:bodyPr spcFirstLastPara="1" wrap="square" lIns="91425" tIns="91425" rIns="91425" bIns="91425" anchor="t" anchorCtr="0">
+            <a:noAutofit/>
+          </a:bodyPr>
+          <a:lstStyle/>
+          <a:p>
+            <a:pPr marL="0" lvl="0" indent="0" algn="l" rtl="0">
+              <a:spcBef>
+                <a:spcPts val="0"/>
+              </a:spcBef>
+              <a:spcAft>
+                <a:spcPts val="0"/>
+              </a:spcAft>
+              <a:buNone/>
+            </a:pPr>
+            <a:endParaRPr/>
+          </a:p>
+        </p:txBody>
+      </p:sp>
+    </p:spTree>
+    <p:extLst>
+      <p:ext uri="{BB962C8B-B14F-4D97-AF65-F5344CB8AC3E}">
+        <p14:creationId xmlns:p14="http://schemas.microsoft.com/office/powerpoint/2010/main" val="2522262769"/>
+      </p:ext>
+    </p:extLst>
+  </p:cSld>
+  <p:clrMapOvr>
+    <a:masterClrMapping/>
+  </p:clrMapOvr>
+</p:notes>
+</file>
+
+<file path=ppt/notesSlides/notesSlide6.xml><?xml version="1.0" encoding="utf-8"?>
+<p:notes xmlns:a="http://schemas.openxmlformats.org/drawingml/2006/main" xmlns:r="http://schemas.openxmlformats.org/officeDocument/2006/relationships" xmlns:p="http://schemas.openxmlformats.org/presentationml/2006/main" showMasterSp="0" showMasterPhAnim="0">
+  <p:cSld>
+    <p:spTree>
+      <p:nvGrpSpPr>
+        <p:cNvPr id="1" name="Shape 88"/>
         <p:cNvGrpSpPr/>
         <p:nvPr/>
       </p:nvGrpSpPr>
@@ -825,9 +1291,11 @@
       <p:sp>
         <p:nvSpPr>
           <p:cNvPr id="89" name="Google Shape;89;g1424cdda1c1_0_172:notes"/>
-          <p:cNvSpPr/>
+          <p:cNvSpPr>
+            <a:spLocks noGrp="1" noRot="1" noChangeAspect="1"/>
+          </p:cNvSpPr>
           <p:nvPr>
-            <p:ph idx="2" type="sldImg"/>
+            <p:ph type="sldImg" idx="2"/>
           </p:nvPr>
         </p:nvSpPr>
         <p:spPr>
@@ -836,9 +1304,13 @@
             <a:ext cx="6096000" cy="3429000"/>
           </a:xfrm>
           <a:custGeom>
-            <a:rect b="b" l="l" r="r" t="t"/>
+            <a:avLst/>
+            <a:gdLst/>
+            <a:ahLst/>
+            <a:cxnLst/>
+            <a:rect l="l" t="t" r="r" b="b"/>
             <a:pathLst>
-              <a:path extrusionOk="0" h="120000" w="120000">
+              <a:path w="120000" h="120000" extrusionOk="0">
                 <a:moveTo>
                   <a:pt x="0" y="0"/>
                 </a:moveTo>
@@ -860,9 +1332,11 @@
       <p:sp>
         <p:nvSpPr>
           <p:cNvPr id="90" name="Google Shape;90;g1424cdda1c1_0_172:notes"/>
-          <p:cNvSpPr txBox="1"/>
+          <p:cNvSpPr txBox="1">
+            <a:spLocks noGrp="1"/>
+          </p:cNvSpPr>
           <p:nvPr>
-            <p:ph idx="1" type="body"/>
+            <p:ph type="body" idx="1"/>
           </p:nvPr>
         </p:nvSpPr>
         <p:spPr>
@@ -875,12 +1349,12 @@
           </a:prstGeom>
         </p:spPr>
         <p:txBody>
-          <a:bodyPr anchorCtr="0" anchor="t" bIns="91425" lIns="91425" spcFirstLastPara="1" rIns="91425" wrap="square" tIns="91425">
+          <a:bodyPr spcFirstLastPara="1" wrap="square" lIns="91425" tIns="91425" rIns="91425" bIns="91425" anchor="t" anchorCtr="0">
             <a:noAutofit/>
           </a:bodyPr>
           <a:lstStyle/>
           <a:p>
-            <a:pPr indent="0" lvl="0" marL="0" rtl="0" algn="l">
+            <a:pPr marL="0" lvl="0" indent="0" algn="l" rtl="0">
               <a:spcBef>
                 <a:spcPts val="0"/>
               </a:spcBef>
@@ -889,9 +1363,6 @@
               </a:spcAft>
               <a:buNone/>
             </a:pPr>
-            <a:r>
-              <a:t/>
-            </a:r>
             <a:endParaRPr/>
           </a:p>
         </p:txBody>
@@ -904,12 +1375,12 @@
 </p:notes>
 </file>
 
-<file path=ppt/notesSlides/notesSlide3.xml><?xml version="1.0" encoding="utf-8"?>
-<p:notes xmlns:a="http://schemas.openxmlformats.org/drawingml/2006/main" xmlns:r="http://schemas.openxmlformats.org/officeDocument/2006/relationships" xmlns:mc="http://schemas.openxmlformats.org/markup-compatibility/2006" xmlns:mv="urn:schemas-microsoft-com:mac:vml" xmlns:p="http://schemas.openxmlformats.org/presentationml/2006/main" xmlns:c="http://schemas.openxmlformats.org/drawingml/2006/chart" xmlns:dgm="http://schemas.openxmlformats.org/drawingml/2006/diagram" xmlns:o="urn:schemas-microsoft-com:office:office" xmlns:v="urn:schemas-microsoft-com:vml" xmlns:pvml="urn:schemas-microsoft-com:office:powerpoint" xmlns:com="http://schemas.openxmlformats.org/drawingml/2006/compatibility" xmlns:p14="http://schemas.microsoft.com/office/powerpoint/2010/main" xmlns:p15="http://schemas.microsoft.com/office/powerpoint/2012/main" xmlns:ahyp="http://schemas.microsoft.com/office/drawing/2018/hyperlinkcolor" showMasterPhAnim="0" showMasterSp="0">
+<file path=ppt/notesSlides/notesSlide7.xml><?xml version="1.0" encoding="utf-8"?>
+<p:notes xmlns:a="http://schemas.openxmlformats.org/drawingml/2006/main" xmlns:r="http://schemas.openxmlformats.org/officeDocument/2006/relationships" xmlns:p="http://schemas.openxmlformats.org/presentationml/2006/main" showMasterSp="0" showMasterPhAnim="0">
   <p:cSld>
     <p:spTree>
       <p:nvGrpSpPr>
-        <p:cNvPr id="94" name="Shape 94"/>
+        <p:cNvPr id="1" name="Shape 94"/>
         <p:cNvGrpSpPr/>
         <p:nvPr/>
       </p:nvGrpSpPr>
@@ -924,20 +1395,26 @@
       <p:sp>
         <p:nvSpPr>
           <p:cNvPr id="95" name="Google Shape;95;g14388f9cfe0_0_0:notes"/>
-          <p:cNvSpPr/>
+          <p:cNvSpPr>
+            <a:spLocks noGrp="1" noRot="1" noChangeAspect="1"/>
+          </p:cNvSpPr>
           <p:nvPr>
-            <p:ph idx="2" type="sldImg"/>
+            <p:ph type="sldImg" idx="2"/>
           </p:nvPr>
         </p:nvSpPr>
         <p:spPr>
           <a:xfrm>
-            <a:off x="381300" y="685800"/>
+            <a:off x="381000" y="685800"/>
             <a:ext cx="6096000" cy="3429000"/>
           </a:xfrm>
           <a:custGeom>
-            <a:rect b="b" l="l" r="r" t="t"/>
+            <a:avLst/>
+            <a:gdLst/>
+            <a:ahLst/>
+            <a:cxnLst/>
+            <a:rect l="l" t="t" r="r" b="b"/>
             <a:pathLst>
-              <a:path extrusionOk="0" h="120000" w="120000">
+              <a:path w="120000" h="120000" extrusionOk="0">
                 <a:moveTo>
                   <a:pt x="0" y="0"/>
                 </a:moveTo>
@@ -959,9 +1436,11 @@
       <p:sp>
         <p:nvSpPr>
           <p:cNvPr id="96" name="Google Shape;96;g14388f9cfe0_0_0:notes"/>
-          <p:cNvSpPr txBox="1"/>
+          <p:cNvSpPr txBox="1">
+            <a:spLocks noGrp="1"/>
+          </p:cNvSpPr>
           <p:nvPr>
-            <p:ph idx="1" type="body"/>
+            <p:ph type="body" idx="1"/>
           </p:nvPr>
         </p:nvSpPr>
         <p:spPr>
@@ -974,12 +1453,12 @@
           </a:prstGeom>
         </p:spPr>
         <p:txBody>
-          <a:bodyPr anchorCtr="0" anchor="t" bIns="91425" lIns="91425" spcFirstLastPara="1" rIns="91425" wrap="square" tIns="91425">
+          <a:bodyPr spcFirstLastPara="1" wrap="square" lIns="91425" tIns="91425" rIns="91425" bIns="91425" anchor="t" anchorCtr="0">
             <a:noAutofit/>
           </a:bodyPr>
           <a:lstStyle/>
           <a:p>
-            <a:pPr indent="0" lvl="0" marL="0" rtl="0" algn="l">
+            <a:pPr marL="0" lvl="0" indent="0" algn="l" rtl="0">
               <a:spcBef>
                 <a:spcPts val="0"/>
               </a:spcBef>
@@ -988,9 +1467,6 @@
               </a:spcAft>
               <a:buNone/>
             </a:pPr>
-            <a:r>
-              <a:t/>
-            </a:r>
             <a:endParaRPr/>
           </a:p>
         </p:txBody>
@@ -1003,12 +1479,12 @@
 </p:notes>
 </file>
 
-<file path=ppt/notesSlides/notesSlide4.xml><?xml version="1.0" encoding="utf-8"?>
-<p:notes xmlns:a="http://schemas.openxmlformats.org/drawingml/2006/main" xmlns:r="http://schemas.openxmlformats.org/officeDocument/2006/relationships" xmlns:mc="http://schemas.openxmlformats.org/markup-compatibility/2006" xmlns:mv="urn:schemas-microsoft-com:mac:vml" xmlns:p="http://schemas.openxmlformats.org/presentationml/2006/main" xmlns:c="http://schemas.openxmlformats.org/drawingml/2006/chart" xmlns:dgm="http://schemas.openxmlformats.org/drawingml/2006/diagram" xmlns:o="urn:schemas-microsoft-com:office:office" xmlns:v="urn:schemas-microsoft-com:vml" xmlns:pvml="urn:schemas-microsoft-com:office:powerpoint" xmlns:com="http://schemas.openxmlformats.org/drawingml/2006/compatibility" xmlns:p14="http://schemas.microsoft.com/office/powerpoint/2010/main" xmlns:p15="http://schemas.microsoft.com/office/powerpoint/2012/main" xmlns:ahyp="http://schemas.microsoft.com/office/drawing/2018/hyperlinkcolor" showMasterPhAnim="0" showMasterSp="0">
+<file path=ppt/notesSlides/notesSlide8.xml><?xml version="1.0" encoding="utf-8"?>
+<p:notes xmlns:a="http://schemas.openxmlformats.org/drawingml/2006/main" xmlns:r="http://schemas.openxmlformats.org/officeDocument/2006/relationships" xmlns:p="http://schemas.openxmlformats.org/presentationml/2006/main" showMasterSp="0" showMasterPhAnim="0">
   <p:cSld>
     <p:spTree>
       <p:nvGrpSpPr>
-        <p:cNvPr id="100" name="Shape 100"/>
+        <p:cNvPr id="1" name="Shape 100"/>
         <p:cNvGrpSpPr/>
         <p:nvPr/>
       </p:nvGrpSpPr>
@@ -1023,9 +1499,11 @@
       <p:sp>
         <p:nvSpPr>
           <p:cNvPr id="101" name="Google Shape;101;g14388f9cfe0_0_5:notes"/>
-          <p:cNvSpPr/>
+          <p:cNvSpPr>
+            <a:spLocks noGrp="1" noRot="1" noChangeAspect="1"/>
+          </p:cNvSpPr>
           <p:nvPr>
-            <p:ph idx="2" type="sldImg"/>
+            <p:ph type="sldImg" idx="2"/>
           </p:nvPr>
         </p:nvSpPr>
         <p:spPr>
@@ -1034,9 +1512,13 @@
             <a:ext cx="6096000" cy="3429000"/>
           </a:xfrm>
           <a:custGeom>
-            <a:rect b="b" l="l" r="r" t="t"/>
+            <a:avLst/>
+            <a:gdLst/>
+            <a:ahLst/>
+            <a:cxnLst/>
+            <a:rect l="l" t="t" r="r" b="b"/>
             <a:pathLst>
-              <a:path extrusionOk="0" h="120000" w="120000">
+              <a:path w="120000" h="120000" extrusionOk="0">
                 <a:moveTo>
                   <a:pt x="0" y="0"/>
                 </a:moveTo>
@@ -1058,9 +1540,11 @@
       <p:sp>
         <p:nvSpPr>
           <p:cNvPr id="102" name="Google Shape;102;g14388f9cfe0_0_5:notes"/>
-          <p:cNvSpPr txBox="1"/>
+          <p:cNvSpPr txBox="1">
+            <a:spLocks noGrp="1"/>
+          </p:cNvSpPr>
           <p:nvPr>
-            <p:ph idx="1" type="body"/>
+            <p:ph type="body" idx="1"/>
           </p:nvPr>
         </p:nvSpPr>
         <p:spPr>
@@ -1073,12 +1557,12 @@
           </a:prstGeom>
         </p:spPr>
         <p:txBody>
-          <a:bodyPr anchorCtr="0" anchor="t" bIns="91425" lIns="91425" spcFirstLastPara="1" rIns="91425" wrap="square" tIns="91425">
+          <a:bodyPr spcFirstLastPara="1" wrap="square" lIns="91425" tIns="91425" rIns="91425" bIns="91425" anchor="t" anchorCtr="0">
             <a:noAutofit/>
           </a:bodyPr>
           <a:lstStyle/>
           <a:p>
-            <a:pPr indent="0" lvl="0" marL="0" rtl="0" algn="l">
+            <a:pPr marL="0" lvl="0" indent="0" algn="l" rtl="0">
               <a:spcBef>
                 <a:spcPts val="0"/>
               </a:spcBef>
@@ -1087,109 +1571,6 @@
               </a:spcAft>
               <a:buNone/>
             </a:pPr>
-            <a:r>
-              <a:t/>
-            </a:r>
-            <a:endParaRPr/>
-          </a:p>
-        </p:txBody>
-      </p:sp>
-    </p:spTree>
-  </p:cSld>
-  <p:clrMapOvr>
-    <a:masterClrMapping/>
-  </p:clrMapOvr>
-</p:notes>
-</file>
-
-<file path=ppt/notesSlides/notesSlide5.xml><?xml version="1.0" encoding="utf-8"?>
-<p:notes xmlns:a="http://schemas.openxmlformats.org/drawingml/2006/main" xmlns:r="http://schemas.openxmlformats.org/officeDocument/2006/relationships" xmlns:mc="http://schemas.openxmlformats.org/markup-compatibility/2006" xmlns:mv="urn:schemas-microsoft-com:mac:vml" xmlns:p="http://schemas.openxmlformats.org/presentationml/2006/main" xmlns:c="http://schemas.openxmlformats.org/drawingml/2006/chart" xmlns:dgm="http://schemas.openxmlformats.org/drawingml/2006/diagram" xmlns:o="urn:schemas-microsoft-com:office:office" xmlns:v="urn:schemas-microsoft-com:vml" xmlns:pvml="urn:schemas-microsoft-com:office:powerpoint" xmlns:com="http://schemas.openxmlformats.org/drawingml/2006/compatibility" xmlns:p14="http://schemas.microsoft.com/office/powerpoint/2010/main" xmlns:p15="http://schemas.microsoft.com/office/powerpoint/2012/main" xmlns:ahyp="http://schemas.microsoft.com/office/drawing/2018/hyperlinkcolor" showMasterPhAnim="0" showMasterSp="0">
-  <p:cSld>
-    <p:spTree>
-      <p:nvGrpSpPr>
-        <p:cNvPr id="106" name="Shape 106"/>
-        <p:cNvGrpSpPr/>
-        <p:nvPr/>
-      </p:nvGrpSpPr>
-      <p:grpSpPr>
-        <a:xfrm>
-          <a:off x="0" y="0"/>
-          <a:ext cx="0" cy="0"/>
-          <a:chOff x="0" y="0"/>
-          <a:chExt cx="0" cy="0"/>
-        </a:xfrm>
-      </p:grpSpPr>
-      <p:sp>
-        <p:nvSpPr>
-          <p:cNvPr id="107" name="Google Shape;107;g143f2518c50_0_0:notes"/>
-          <p:cNvSpPr/>
-          <p:nvPr>
-            <p:ph idx="2" type="sldImg"/>
-          </p:nvPr>
-        </p:nvSpPr>
-        <p:spPr>
-          <a:xfrm>
-            <a:off x="381300" y="685800"/>
-            <a:ext cx="6096000" cy="3429000"/>
-          </a:xfrm>
-          <a:custGeom>
-            <a:rect b="b" l="l" r="r" t="t"/>
-            <a:pathLst>
-              <a:path extrusionOk="0" h="120000" w="120000">
-                <a:moveTo>
-                  <a:pt x="0" y="0"/>
-                </a:moveTo>
-                <a:lnTo>
-                  <a:pt x="120000" y="0"/>
-                </a:lnTo>
-                <a:lnTo>
-                  <a:pt x="120000" y="120000"/>
-                </a:lnTo>
-                <a:lnTo>
-                  <a:pt x="0" y="120000"/>
-                </a:lnTo>
-                <a:close/>
-              </a:path>
-            </a:pathLst>
-          </a:custGeom>
-        </p:spPr>
-      </p:sp>
-      <p:sp>
-        <p:nvSpPr>
-          <p:cNvPr id="108" name="Google Shape;108;g143f2518c50_0_0:notes"/>
-          <p:cNvSpPr txBox="1"/>
-          <p:nvPr>
-            <p:ph idx="1" type="body"/>
-          </p:nvPr>
-        </p:nvSpPr>
-        <p:spPr>
-          <a:xfrm>
-            <a:off x="685800" y="4343400"/>
-            <a:ext cx="5486400" cy="4114800"/>
-          </a:xfrm>
-          <a:prstGeom prst="rect">
-            <a:avLst/>
-          </a:prstGeom>
-        </p:spPr>
-        <p:txBody>
-          <a:bodyPr anchorCtr="0" anchor="t" bIns="91425" lIns="91425" spcFirstLastPara="1" rIns="91425" wrap="square" tIns="91425">
-            <a:noAutofit/>
-          </a:bodyPr>
-          <a:lstStyle/>
-          <a:p>
-            <a:pPr indent="0" lvl="0" marL="0" rtl="0" algn="l">
-              <a:spcBef>
-                <a:spcPts val="0"/>
-              </a:spcBef>
-              <a:spcAft>
-                <a:spcPts val="0"/>
-              </a:spcAft>
-              <a:buNone/>
-            </a:pPr>
-            <a:r>
-              <a:rPr lang="en"/>
-              <a:t>Should we use this data in our visuals?</a:t>
-            </a:r>
             <a:endParaRPr/>
           </a:p>
         </p:txBody>
@@ -1203,18 +1584,19 @@
 </file>
 
 <file path=ppt/slideLayouts/slideLayout1.xml><?xml version="1.0" encoding="utf-8"?>
-<p:sldLayout xmlns:a="http://schemas.openxmlformats.org/drawingml/2006/main" xmlns:r="http://schemas.openxmlformats.org/officeDocument/2006/relationships" xmlns:mc="http://schemas.openxmlformats.org/markup-compatibility/2006" xmlns:mv="urn:schemas-microsoft-com:mac:vml" xmlns:p="http://schemas.openxmlformats.org/presentationml/2006/main" xmlns:c="http://schemas.openxmlformats.org/drawingml/2006/chart" xmlns:dgm="http://schemas.openxmlformats.org/drawingml/2006/diagram" xmlns:o="urn:schemas-microsoft-com:office:office" xmlns:v="urn:schemas-microsoft-com:vml" xmlns:pvml="urn:schemas-microsoft-com:office:powerpoint" xmlns:com="http://schemas.openxmlformats.org/drawingml/2006/compatibility" xmlns:p14="http://schemas.microsoft.com/office/powerpoint/2010/main" xmlns:p15="http://schemas.microsoft.com/office/powerpoint/2012/main" xmlns:ahyp="http://schemas.microsoft.com/office/drawing/2018/hyperlinkcolor" matchingName="Title slide" type="title">
+<p:sldLayout xmlns:a="http://schemas.openxmlformats.org/drawingml/2006/main" xmlns:r="http://schemas.openxmlformats.org/officeDocument/2006/relationships" xmlns:p="http://schemas.openxmlformats.org/presentationml/2006/main" matchingName="Title slide" type="title">
   <p:cSld name="TITLE">
     <p:bg>
       <p:bgPr>
         <a:solidFill>
           <a:schemeClr val="lt2"/>
         </a:solidFill>
+        <a:effectLst/>
       </p:bgPr>
     </p:bg>
     <p:spTree>
       <p:nvGrpSpPr>
-        <p:cNvPr id="9" name="Shape 9"/>
+        <p:cNvPr id="1" name="Shape 9"/>
         <p:cNvGrpSpPr/>
         <p:nvPr/>
       </p:nvGrpSpPr>
@@ -1248,12 +1630,12 @@
           </a:ln>
         </p:spPr>
         <p:txBody>
-          <a:bodyPr anchorCtr="0" anchor="ctr" bIns="91425" lIns="91425" spcFirstLastPara="1" rIns="91425" wrap="square" tIns="91425">
+          <a:bodyPr spcFirstLastPara="1" wrap="square" lIns="91425" tIns="91425" rIns="91425" bIns="91425" anchor="ctr" anchorCtr="0">
             <a:noAutofit/>
           </a:bodyPr>
           <a:lstStyle/>
           <a:p>
-            <a:pPr indent="0" lvl="0" marL="0" rtl="0" algn="l">
+            <a:pPr marL="0" lvl="0" indent="0" algn="l" rtl="0">
               <a:spcBef>
                 <a:spcPts val="0"/>
               </a:spcBef>
@@ -1262,9 +1644,6 @@
               </a:spcAft>
               <a:buNone/>
             </a:pPr>
-            <a:r>
-              <a:t/>
-            </a:r>
             <a:endParaRPr/>
           </a:p>
         </p:txBody>
@@ -1305,12 +1684,12 @@
             </a:ln>
           </p:spPr>
           <p:txBody>
-            <a:bodyPr anchorCtr="0" anchor="ctr" bIns="91425" lIns="91425" spcFirstLastPara="1" rIns="91425" wrap="square" tIns="91425">
+            <a:bodyPr spcFirstLastPara="1" wrap="square" lIns="91425" tIns="91425" rIns="91425" bIns="91425" anchor="ctr" anchorCtr="0">
               <a:noAutofit/>
             </a:bodyPr>
             <a:lstStyle/>
             <a:p>
-              <a:pPr indent="0" lvl="0" marL="0" rtl="0" algn="l">
+              <a:pPr marL="0" lvl="0" indent="0" algn="l" rtl="0">
                 <a:spcBef>
                   <a:spcPts val="0"/>
                 </a:spcBef>
@@ -1319,9 +1698,6 @@
                 </a:spcAft>
                 <a:buNone/>
               </a:pPr>
-              <a:r>
-                <a:t/>
-              </a:r>
               <a:endParaRPr/>
             </a:p>
           </p:txBody>
@@ -1348,12 +1724,12 @@
             </a:ln>
           </p:spPr>
           <p:txBody>
-            <a:bodyPr anchorCtr="0" anchor="ctr" bIns="91425" lIns="91425" spcFirstLastPara="1" rIns="91425" wrap="square" tIns="91425">
+            <a:bodyPr spcFirstLastPara="1" wrap="square" lIns="91425" tIns="91425" rIns="91425" bIns="91425" anchor="ctr" anchorCtr="0">
               <a:noAutofit/>
             </a:bodyPr>
             <a:lstStyle/>
             <a:p>
-              <a:pPr indent="0" lvl="0" marL="0" rtl="0" algn="l">
+              <a:pPr marL="0" lvl="0" indent="0" algn="l" rtl="0">
                 <a:spcBef>
                   <a:spcPts val="0"/>
                 </a:spcBef>
@@ -1362,9 +1738,6 @@
                 </a:spcAft>
                 <a:buNone/>
               </a:pPr>
-              <a:r>
-                <a:t/>
-              </a:r>
               <a:endParaRPr/>
             </a:p>
           </p:txBody>
@@ -1373,7 +1746,9 @@
       <p:sp>
         <p:nvSpPr>
           <p:cNvPr id="14" name="Google Shape;14;p2"/>
-          <p:cNvSpPr txBox="1"/>
+          <p:cNvSpPr txBox="1">
+            <a:spLocks noGrp="1"/>
+          </p:cNvSpPr>
           <p:nvPr>
             <p:ph type="ctrTitle"/>
           </p:nvPr>
@@ -1388,7 +1763,7 @@
           </a:prstGeom>
         </p:spPr>
         <p:txBody>
-          <a:bodyPr anchorCtr="0" anchor="t" bIns="91425" lIns="91425" spcFirstLastPara="1" rIns="91425" wrap="square" tIns="91425">
+          <a:bodyPr spcFirstLastPara="1" wrap="square" lIns="91425" tIns="91425" rIns="91425" bIns="91425" anchor="t" anchorCtr="0">
             <a:normAutofit/>
           </a:bodyPr>
           <a:lstStyle>
@@ -1492,15 +1867,19 @@
               <a:defRPr sz="4200"/>
             </a:lvl9pPr>
           </a:lstStyle>
-          <a:p/>
+          <a:p>
+            <a:endParaRPr/>
+          </a:p>
         </p:txBody>
       </p:sp>
       <p:sp>
         <p:nvSpPr>
           <p:cNvPr id="15" name="Google Shape;15;p2"/>
-          <p:cNvSpPr txBox="1"/>
+          <p:cNvSpPr txBox="1">
+            <a:spLocks noGrp="1"/>
+          </p:cNvSpPr>
           <p:nvPr>
-            <p:ph idx="1" type="subTitle"/>
+            <p:ph type="subTitle" idx="1"/>
           </p:nvPr>
         </p:nvSpPr>
         <p:spPr>
@@ -1513,7 +1892,7 @@
           </a:prstGeom>
         </p:spPr>
         <p:txBody>
-          <a:bodyPr anchorCtr="0" anchor="t" bIns="91425" lIns="91425" spcFirstLastPara="1" rIns="91425" wrap="square" tIns="91425">
+          <a:bodyPr spcFirstLastPara="1" wrap="square" lIns="91425" tIns="91425" rIns="91425" bIns="91425" anchor="t" anchorCtr="0">
             <a:normAutofit/>
           </a:bodyPr>
           <a:lstStyle>
@@ -1644,15 +2023,19 @@
               <a:defRPr sz="1600"/>
             </a:lvl9pPr>
           </a:lstStyle>
-          <a:p/>
+          <a:p>
+            <a:endParaRPr/>
+          </a:p>
         </p:txBody>
       </p:sp>
       <p:sp>
         <p:nvSpPr>
           <p:cNvPr id="16" name="Google Shape;16;p2"/>
-          <p:cNvSpPr txBox="1"/>
+          <p:cNvSpPr txBox="1">
+            <a:spLocks noGrp="1"/>
+          </p:cNvSpPr>
           <p:nvPr>
-            <p:ph idx="12" type="sldNum"/>
+            <p:ph type="sldNum" idx="12"/>
           </p:nvPr>
         </p:nvSpPr>
         <p:spPr>
@@ -1665,7 +2048,7 @@
           </a:prstGeom>
         </p:spPr>
         <p:txBody>
-          <a:bodyPr anchorCtr="0" anchor="ctr" bIns="91425" lIns="91425" spcFirstLastPara="1" rIns="91425" wrap="square" tIns="91425">
+          <a:bodyPr spcFirstLastPara="1" wrap="square" lIns="91425" tIns="91425" rIns="91425" bIns="91425" anchor="ctr" anchorCtr="0">
             <a:normAutofit/>
           </a:bodyPr>
           <a:lstStyle>
@@ -1707,7 +2090,7 @@
             </a:lvl9pPr>
           </a:lstStyle>
           <a:p>
-            <a:pPr indent="0" lvl="0" marL="0" rtl="0" algn="r">
+            <a:pPr marL="0" lvl="0" indent="0" algn="r" rtl="0">
               <a:spcBef>
                 <a:spcPts val="0"/>
               </a:spcBef>
@@ -1733,18 +2116,19 @@
 </file>
 
 <file path=ppt/slideLayouts/slideLayout10.xml><?xml version="1.0" encoding="utf-8"?>
-<p:sldLayout xmlns:a="http://schemas.openxmlformats.org/drawingml/2006/main" xmlns:r="http://schemas.openxmlformats.org/officeDocument/2006/relationships" xmlns:mc="http://schemas.openxmlformats.org/markup-compatibility/2006" xmlns:mv="urn:schemas-microsoft-com:mac:vml" xmlns:p="http://schemas.openxmlformats.org/presentationml/2006/main" xmlns:c="http://schemas.openxmlformats.org/drawingml/2006/chart" xmlns:dgm="http://schemas.openxmlformats.org/drawingml/2006/diagram" xmlns:o="urn:schemas-microsoft-com:office:office" xmlns:v="urn:schemas-microsoft-com:vml" xmlns:pvml="urn:schemas-microsoft-com:office:powerpoint" xmlns:com="http://schemas.openxmlformats.org/drawingml/2006/compatibility" xmlns:p14="http://schemas.microsoft.com/office/powerpoint/2010/main" xmlns:p15="http://schemas.microsoft.com/office/powerpoint/2012/main" xmlns:ahyp="http://schemas.microsoft.com/office/drawing/2018/hyperlinkcolor" matchingName="Big number">
+<p:sldLayout xmlns:a="http://schemas.openxmlformats.org/drawingml/2006/main" xmlns:r="http://schemas.openxmlformats.org/officeDocument/2006/relationships" xmlns:p="http://schemas.openxmlformats.org/presentationml/2006/main" matchingName="Big number">
   <p:cSld name="BIG_NUMBER">
     <p:bg>
       <p:bgPr>
         <a:solidFill>
           <a:schemeClr val="dk1"/>
         </a:solidFill>
+        <a:effectLst/>
       </p:bgPr>
     </p:bg>
     <p:spTree>
       <p:nvGrpSpPr>
-        <p:cNvPr id="73" name="Shape 73"/>
+        <p:cNvPr id="1" name="Shape 73"/>
         <p:cNvGrpSpPr/>
         <p:nvPr/>
       </p:nvGrpSpPr>
@@ -1792,12 +2176,12 @@
             </a:ln>
           </p:spPr>
           <p:txBody>
-            <a:bodyPr anchorCtr="0" anchor="ctr" bIns="91425" lIns="91425" spcFirstLastPara="1" rIns="91425" wrap="square" tIns="91425">
+            <a:bodyPr spcFirstLastPara="1" wrap="square" lIns="91425" tIns="91425" rIns="91425" bIns="91425" anchor="ctr" anchorCtr="0">
               <a:noAutofit/>
             </a:bodyPr>
             <a:lstStyle/>
             <a:p>
-              <a:pPr indent="0" lvl="0" marL="0" rtl="0" algn="l">
+              <a:pPr marL="0" lvl="0" indent="0" algn="l" rtl="0">
                 <a:spcBef>
                   <a:spcPts val="0"/>
                 </a:spcBef>
@@ -1806,9 +2190,6 @@
                 </a:spcAft>
                 <a:buNone/>
               </a:pPr>
-              <a:r>
-                <a:t/>
-              </a:r>
               <a:endParaRPr/>
             </a:p>
           </p:txBody>
@@ -1835,12 +2216,12 @@
             </a:ln>
           </p:spPr>
           <p:txBody>
-            <a:bodyPr anchorCtr="0" anchor="ctr" bIns="91425" lIns="91425" spcFirstLastPara="1" rIns="91425" wrap="square" tIns="91425">
+            <a:bodyPr spcFirstLastPara="1" wrap="square" lIns="91425" tIns="91425" rIns="91425" bIns="91425" anchor="ctr" anchorCtr="0">
               <a:noAutofit/>
             </a:bodyPr>
             <a:lstStyle/>
             <a:p>
-              <a:pPr indent="0" lvl="0" marL="0" rtl="0" algn="l">
+              <a:pPr marL="0" lvl="0" indent="0" algn="l" rtl="0">
                 <a:spcBef>
                   <a:spcPts val="0"/>
                 </a:spcBef>
@@ -1849,9 +2230,6 @@
                 </a:spcAft>
                 <a:buNone/>
               </a:pPr>
-              <a:r>
-                <a:t/>
-              </a:r>
               <a:endParaRPr/>
             </a:p>
           </p:txBody>
@@ -1860,9 +2238,11 @@
       <p:sp>
         <p:nvSpPr>
           <p:cNvPr id="77" name="Google Shape;77;p11"/>
-          <p:cNvSpPr txBox="1"/>
+          <p:cNvSpPr txBox="1">
+            <a:spLocks noGrp="1"/>
+          </p:cNvSpPr>
           <p:nvPr>
-            <p:ph hasCustomPrompt="1" type="title"/>
+            <p:ph type="title" hasCustomPrompt="1"/>
           </p:nvPr>
         </p:nvSpPr>
         <p:spPr>
@@ -1875,7 +2255,7 @@
           </a:prstGeom>
         </p:spPr>
         <p:txBody>
-          <a:bodyPr anchorCtr="0" anchor="t" bIns="91425" lIns="91425" spcFirstLastPara="1" rIns="91425" wrap="square" tIns="91425">
+          <a:bodyPr spcFirstLastPara="1" wrap="square" lIns="91425" tIns="91425" rIns="91425" bIns="91425" anchor="t" anchorCtr="0">
             <a:normAutofit/>
           </a:bodyPr>
           <a:lstStyle>
@@ -2052,9 +2432,11 @@
       <p:sp>
         <p:nvSpPr>
           <p:cNvPr id="78" name="Google Shape;78;p11"/>
-          <p:cNvSpPr txBox="1"/>
+          <p:cNvSpPr txBox="1">
+            <a:spLocks noGrp="1"/>
+          </p:cNvSpPr>
           <p:nvPr>
-            <p:ph idx="1" type="body"/>
+            <p:ph type="body" idx="1"/>
           </p:nvPr>
         </p:nvSpPr>
         <p:spPr>
@@ -2067,11 +2449,11 @@
           </a:prstGeom>
         </p:spPr>
         <p:txBody>
-          <a:bodyPr anchorCtr="0" anchor="t" bIns="91425" lIns="91425" spcFirstLastPara="1" rIns="91425" wrap="square" tIns="91425">
+          <a:bodyPr spcFirstLastPara="1" wrap="square" lIns="91425" tIns="91425" rIns="91425" bIns="91425" anchor="t" anchorCtr="0">
             <a:normAutofit/>
           </a:bodyPr>
           <a:lstStyle>
-            <a:lvl1pPr indent="-311150" lvl="0" marL="457200">
+            <a:lvl1pPr marL="457200" lvl="0" indent="-311150">
               <a:spcBef>
                 <a:spcPts val="0"/>
               </a:spcBef>
@@ -2089,7 +2471,7 @@
                 </a:solidFill>
               </a:defRPr>
             </a:lvl1pPr>
-            <a:lvl2pPr indent="-298450" lvl="1" marL="914400">
+            <a:lvl2pPr marL="914400" lvl="1" indent="-298450">
               <a:spcBef>
                 <a:spcPts val="0"/>
               </a:spcBef>
@@ -2107,7 +2489,7 @@
                 </a:solidFill>
               </a:defRPr>
             </a:lvl2pPr>
-            <a:lvl3pPr indent="-298450" lvl="2" marL="1371600">
+            <a:lvl3pPr marL="1371600" lvl="2" indent="-298450">
               <a:spcBef>
                 <a:spcPts val="0"/>
               </a:spcBef>
@@ -2125,7 +2507,7 @@
                 </a:solidFill>
               </a:defRPr>
             </a:lvl3pPr>
-            <a:lvl4pPr indent="-298450" lvl="3" marL="1828800">
+            <a:lvl4pPr marL="1828800" lvl="3" indent="-298450">
               <a:spcBef>
                 <a:spcPts val="0"/>
               </a:spcBef>
@@ -2143,7 +2525,7 @@
                 </a:solidFill>
               </a:defRPr>
             </a:lvl4pPr>
-            <a:lvl5pPr indent="-298450" lvl="4" marL="2286000">
+            <a:lvl5pPr marL="2286000" lvl="4" indent="-298450">
               <a:spcBef>
                 <a:spcPts val="0"/>
               </a:spcBef>
@@ -2161,7 +2543,7 @@
                 </a:solidFill>
               </a:defRPr>
             </a:lvl5pPr>
-            <a:lvl6pPr indent="-298450" lvl="5" marL="2743200">
+            <a:lvl6pPr marL="2743200" lvl="5" indent="-298450">
               <a:spcBef>
                 <a:spcPts val="0"/>
               </a:spcBef>
@@ -2179,7 +2561,7 @@
                 </a:solidFill>
               </a:defRPr>
             </a:lvl6pPr>
-            <a:lvl7pPr indent="-298450" lvl="6" marL="3200400">
+            <a:lvl7pPr marL="3200400" lvl="6" indent="-298450">
               <a:spcBef>
                 <a:spcPts val="0"/>
               </a:spcBef>
@@ -2197,7 +2579,7 @@
                 </a:solidFill>
               </a:defRPr>
             </a:lvl7pPr>
-            <a:lvl8pPr indent="-298450" lvl="7" marL="3657600">
+            <a:lvl8pPr marL="3657600" lvl="7" indent="-298450">
               <a:spcBef>
                 <a:spcPts val="0"/>
               </a:spcBef>
@@ -2215,7 +2597,7 @@
                 </a:solidFill>
               </a:defRPr>
             </a:lvl8pPr>
-            <a:lvl9pPr indent="-298450" lvl="8" marL="4114800">
+            <a:lvl9pPr marL="4114800" lvl="8" indent="-298450">
               <a:spcBef>
                 <a:spcPts val="0"/>
               </a:spcBef>
@@ -2234,15 +2616,19 @@
               </a:defRPr>
             </a:lvl9pPr>
           </a:lstStyle>
-          <a:p/>
+          <a:p>
+            <a:endParaRPr/>
+          </a:p>
         </p:txBody>
       </p:sp>
       <p:sp>
         <p:nvSpPr>
           <p:cNvPr id="79" name="Google Shape;79;p11"/>
-          <p:cNvSpPr txBox="1"/>
+          <p:cNvSpPr txBox="1">
+            <a:spLocks noGrp="1"/>
+          </p:cNvSpPr>
           <p:nvPr>
-            <p:ph idx="12" type="sldNum"/>
+            <p:ph type="sldNum" idx="12"/>
           </p:nvPr>
         </p:nvSpPr>
         <p:spPr>
@@ -2255,7 +2641,7 @@
           </a:prstGeom>
         </p:spPr>
         <p:txBody>
-          <a:bodyPr anchorCtr="0" anchor="ctr" bIns="91425" lIns="91425" spcFirstLastPara="1" rIns="91425" wrap="square" tIns="91425">
+          <a:bodyPr spcFirstLastPara="1" wrap="square" lIns="91425" tIns="91425" rIns="91425" bIns="91425" anchor="ctr" anchorCtr="0">
             <a:normAutofit/>
           </a:bodyPr>
           <a:lstStyle>
@@ -2333,7 +2719,7 @@
             </a:lvl9pPr>
           </a:lstStyle>
           <a:p>
-            <a:pPr indent="0" lvl="0" marL="0" rtl="0" algn="r">
+            <a:pPr marL="0" lvl="0" indent="0" algn="r" rtl="0">
               <a:spcBef>
                 <a:spcPts val="0"/>
               </a:spcBef>
@@ -2359,11 +2745,11 @@
 </file>
 
 <file path=ppt/slideLayouts/slideLayout11.xml><?xml version="1.0" encoding="utf-8"?>
-<p:sldLayout xmlns:a="http://schemas.openxmlformats.org/drawingml/2006/main" xmlns:r="http://schemas.openxmlformats.org/officeDocument/2006/relationships" xmlns:mc="http://schemas.openxmlformats.org/markup-compatibility/2006" xmlns:mv="urn:schemas-microsoft-com:mac:vml" xmlns:p="http://schemas.openxmlformats.org/presentationml/2006/main" xmlns:c="http://schemas.openxmlformats.org/drawingml/2006/chart" xmlns:dgm="http://schemas.openxmlformats.org/drawingml/2006/diagram" xmlns:o="urn:schemas-microsoft-com:office:office" xmlns:v="urn:schemas-microsoft-com:vml" xmlns:pvml="urn:schemas-microsoft-com:office:powerpoint" xmlns:com="http://schemas.openxmlformats.org/drawingml/2006/compatibility" xmlns:p14="http://schemas.microsoft.com/office/powerpoint/2010/main" xmlns:p15="http://schemas.microsoft.com/office/powerpoint/2012/main" xmlns:ahyp="http://schemas.microsoft.com/office/drawing/2018/hyperlinkcolor" matchingName="Blank" type="blank">
+<p:sldLayout xmlns:a="http://schemas.openxmlformats.org/drawingml/2006/main" xmlns:r="http://schemas.openxmlformats.org/officeDocument/2006/relationships" xmlns:p="http://schemas.openxmlformats.org/presentationml/2006/main" matchingName="Blank" type="blank">
   <p:cSld name="BLANK">
     <p:spTree>
       <p:nvGrpSpPr>
-        <p:cNvPr id="80" name="Shape 80"/>
+        <p:cNvPr id="1" name="Shape 80"/>
         <p:cNvGrpSpPr/>
         <p:nvPr/>
       </p:nvGrpSpPr>
@@ -2378,9 +2764,11 @@
       <p:sp>
         <p:nvSpPr>
           <p:cNvPr id="81" name="Google Shape;81;p12"/>
-          <p:cNvSpPr txBox="1"/>
+          <p:cNvSpPr txBox="1">
+            <a:spLocks noGrp="1"/>
+          </p:cNvSpPr>
           <p:nvPr>
-            <p:ph idx="12" type="sldNum"/>
+            <p:ph type="sldNum" idx="12"/>
           </p:nvPr>
         </p:nvSpPr>
         <p:spPr>
@@ -2393,7 +2781,7 @@
           </a:prstGeom>
         </p:spPr>
         <p:txBody>
-          <a:bodyPr anchorCtr="0" anchor="ctr" bIns="91425" lIns="91425" spcFirstLastPara="1" rIns="91425" wrap="square" tIns="91425">
+          <a:bodyPr spcFirstLastPara="1" wrap="square" lIns="91425" tIns="91425" rIns="91425" bIns="91425" anchor="ctr" anchorCtr="0">
             <a:normAutofit/>
           </a:bodyPr>
           <a:lstStyle>
@@ -2435,7 +2823,7 @@
             </a:lvl9pPr>
           </a:lstStyle>
           <a:p>
-            <a:pPr indent="0" lvl="0" marL="0" rtl="0" algn="r">
+            <a:pPr marL="0" lvl="0" indent="0" algn="r" rtl="0">
               <a:spcBef>
                 <a:spcPts val="0"/>
               </a:spcBef>
@@ -2461,18 +2849,19 @@
 </file>
 
 <file path=ppt/slideLayouts/slideLayout2.xml><?xml version="1.0" encoding="utf-8"?>
-<p:sldLayout xmlns:a="http://schemas.openxmlformats.org/drawingml/2006/main" xmlns:r="http://schemas.openxmlformats.org/officeDocument/2006/relationships" xmlns:mc="http://schemas.openxmlformats.org/markup-compatibility/2006" xmlns:mv="urn:schemas-microsoft-com:mac:vml" xmlns:p="http://schemas.openxmlformats.org/presentationml/2006/main" xmlns:c="http://schemas.openxmlformats.org/drawingml/2006/chart" xmlns:dgm="http://schemas.openxmlformats.org/drawingml/2006/diagram" xmlns:o="urn:schemas-microsoft-com:office:office" xmlns:v="urn:schemas-microsoft-com:vml" xmlns:pvml="urn:schemas-microsoft-com:office:powerpoint" xmlns:com="http://schemas.openxmlformats.org/drawingml/2006/compatibility" xmlns:p14="http://schemas.microsoft.com/office/powerpoint/2010/main" xmlns:p15="http://schemas.microsoft.com/office/powerpoint/2012/main" xmlns:ahyp="http://schemas.microsoft.com/office/drawing/2018/hyperlinkcolor" matchingName="Section header" type="secHead">
+<p:sldLayout xmlns:a="http://schemas.openxmlformats.org/drawingml/2006/main" xmlns:r="http://schemas.openxmlformats.org/officeDocument/2006/relationships" xmlns:p="http://schemas.openxmlformats.org/presentationml/2006/main" matchingName="Section header" type="secHead">
   <p:cSld name="SECTION_HEADER">
     <p:bg>
       <p:bgPr>
         <a:solidFill>
           <a:schemeClr val="dk1"/>
         </a:solidFill>
+        <a:effectLst/>
       </p:bgPr>
     </p:bg>
     <p:spTree>
       <p:nvGrpSpPr>
-        <p:cNvPr id="17" name="Shape 17"/>
+        <p:cNvPr id="1" name="Shape 17"/>
         <p:cNvGrpSpPr/>
         <p:nvPr/>
       </p:nvGrpSpPr>
@@ -2520,12 +2909,12 @@
             </a:ln>
           </p:spPr>
           <p:txBody>
-            <a:bodyPr anchorCtr="0" anchor="ctr" bIns="91425" lIns="91425" spcFirstLastPara="1" rIns="91425" wrap="square" tIns="91425">
+            <a:bodyPr spcFirstLastPara="1" wrap="square" lIns="91425" tIns="91425" rIns="91425" bIns="91425" anchor="ctr" anchorCtr="0">
               <a:noAutofit/>
             </a:bodyPr>
             <a:lstStyle/>
             <a:p>
-              <a:pPr indent="0" lvl="0" marL="0" rtl="0" algn="l">
+              <a:pPr marL="0" lvl="0" indent="0" algn="l" rtl="0">
                 <a:spcBef>
                   <a:spcPts val="0"/>
                 </a:spcBef>
@@ -2534,9 +2923,6 @@
                 </a:spcAft>
                 <a:buNone/>
               </a:pPr>
-              <a:r>
-                <a:t/>
-              </a:r>
               <a:endParaRPr/>
             </a:p>
           </p:txBody>
@@ -2563,12 +2949,12 @@
             </a:ln>
           </p:spPr>
           <p:txBody>
-            <a:bodyPr anchorCtr="0" anchor="ctr" bIns="91425" lIns="91425" spcFirstLastPara="1" rIns="91425" wrap="square" tIns="91425">
+            <a:bodyPr spcFirstLastPara="1" wrap="square" lIns="91425" tIns="91425" rIns="91425" bIns="91425" anchor="ctr" anchorCtr="0">
               <a:noAutofit/>
             </a:bodyPr>
             <a:lstStyle/>
             <a:p>
-              <a:pPr indent="0" lvl="0" marL="0" rtl="0" algn="l">
+              <a:pPr marL="0" lvl="0" indent="0" algn="l" rtl="0">
                 <a:spcBef>
                   <a:spcPts val="0"/>
                 </a:spcBef>
@@ -2577,9 +2963,6 @@
                 </a:spcAft>
                 <a:buNone/>
               </a:pPr>
-              <a:r>
-                <a:t/>
-              </a:r>
               <a:endParaRPr/>
             </a:p>
           </p:txBody>
@@ -2588,7 +2971,9 @@
       <p:sp>
         <p:nvSpPr>
           <p:cNvPr id="21" name="Google Shape;21;p3"/>
-          <p:cNvSpPr txBox="1"/>
+          <p:cNvSpPr txBox="1">
+            <a:spLocks noGrp="1"/>
+          </p:cNvSpPr>
           <p:nvPr>
             <p:ph type="title"/>
           </p:nvPr>
@@ -2603,7 +2988,7 @@
           </a:prstGeom>
         </p:spPr>
         <p:txBody>
-          <a:bodyPr anchorCtr="0" anchor="t" bIns="91425" lIns="91425" spcFirstLastPara="1" rIns="91425" wrap="square" tIns="91425">
+          <a:bodyPr spcFirstLastPara="1" wrap="square" lIns="91425" tIns="91425" rIns="91425" bIns="91425" anchor="t" anchorCtr="0">
             <a:normAutofit/>
           </a:bodyPr>
           <a:lstStyle>
@@ -2770,15 +3155,19 @@
               </a:defRPr>
             </a:lvl9pPr>
           </a:lstStyle>
-          <a:p/>
+          <a:p>
+            <a:endParaRPr/>
+          </a:p>
         </p:txBody>
       </p:sp>
       <p:sp>
         <p:nvSpPr>
           <p:cNvPr id="22" name="Google Shape;22;p3"/>
-          <p:cNvSpPr txBox="1"/>
+          <p:cNvSpPr txBox="1">
+            <a:spLocks noGrp="1"/>
+          </p:cNvSpPr>
           <p:nvPr>
-            <p:ph idx="12" type="sldNum"/>
+            <p:ph type="sldNum" idx="12"/>
           </p:nvPr>
         </p:nvSpPr>
         <p:spPr>
@@ -2791,7 +3180,7 @@
           </a:prstGeom>
         </p:spPr>
         <p:txBody>
-          <a:bodyPr anchorCtr="0" anchor="ctr" bIns="91425" lIns="91425" spcFirstLastPara="1" rIns="91425" wrap="square" tIns="91425">
+          <a:bodyPr spcFirstLastPara="1" wrap="square" lIns="91425" tIns="91425" rIns="91425" bIns="91425" anchor="ctr" anchorCtr="0">
             <a:normAutofit/>
           </a:bodyPr>
           <a:lstStyle>
@@ -2869,7 +3258,7 @@
             </a:lvl9pPr>
           </a:lstStyle>
           <a:p>
-            <a:pPr indent="0" lvl="0" marL="0" rtl="0" algn="r">
+            <a:pPr marL="0" lvl="0" indent="0" algn="r" rtl="0">
               <a:spcBef>
                 <a:spcPts val="0"/>
               </a:spcBef>
@@ -2895,11 +3284,11 @@
 </file>
 
 <file path=ppt/slideLayouts/slideLayout3.xml><?xml version="1.0" encoding="utf-8"?>
-<p:sldLayout xmlns:a="http://schemas.openxmlformats.org/drawingml/2006/main" xmlns:r="http://schemas.openxmlformats.org/officeDocument/2006/relationships" xmlns:mc="http://schemas.openxmlformats.org/markup-compatibility/2006" xmlns:mv="urn:schemas-microsoft-com:mac:vml" xmlns:p="http://schemas.openxmlformats.org/presentationml/2006/main" xmlns:c="http://schemas.openxmlformats.org/drawingml/2006/chart" xmlns:dgm="http://schemas.openxmlformats.org/drawingml/2006/diagram" xmlns:o="urn:schemas-microsoft-com:office:office" xmlns:v="urn:schemas-microsoft-com:vml" xmlns:pvml="urn:schemas-microsoft-com:office:powerpoint" xmlns:com="http://schemas.openxmlformats.org/drawingml/2006/compatibility" xmlns:p14="http://schemas.microsoft.com/office/powerpoint/2010/main" xmlns:p15="http://schemas.microsoft.com/office/powerpoint/2012/main" xmlns:ahyp="http://schemas.microsoft.com/office/drawing/2018/hyperlinkcolor" matchingName="Title and body" type="tx">
+<p:sldLayout xmlns:a="http://schemas.openxmlformats.org/drawingml/2006/main" xmlns:r="http://schemas.openxmlformats.org/officeDocument/2006/relationships" xmlns:p="http://schemas.openxmlformats.org/presentationml/2006/main" matchingName="Title and body" type="tx">
   <p:cSld name="TITLE_AND_BODY">
     <p:spTree>
       <p:nvGrpSpPr>
-        <p:cNvPr id="23" name="Shape 23"/>
+        <p:cNvPr id="1" name="Shape 23"/>
         <p:cNvGrpSpPr/>
         <p:nvPr/>
       </p:nvGrpSpPr>
@@ -2933,12 +3322,12 @@
           </a:ln>
         </p:spPr>
         <p:txBody>
-          <a:bodyPr anchorCtr="0" anchor="ctr" bIns="91425" lIns="91425" spcFirstLastPara="1" rIns="91425" wrap="square" tIns="91425">
+          <a:bodyPr spcFirstLastPara="1" wrap="square" lIns="91425" tIns="91425" rIns="91425" bIns="91425" anchor="ctr" anchorCtr="0">
             <a:noAutofit/>
           </a:bodyPr>
           <a:lstStyle/>
           <a:p>
-            <a:pPr indent="0" lvl="0" marL="0" rtl="0" algn="l">
+            <a:pPr marL="0" lvl="0" indent="0" algn="l" rtl="0">
               <a:spcBef>
                 <a:spcPts val="0"/>
               </a:spcBef>
@@ -2947,9 +3336,6 @@
               </a:spcAft>
               <a:buNone/>
             </a:pPr>
-            <a:r>
-              <a:t/>
-            </a:r>
             <a:endParaRPr/>
           </a:p>
         </p:txBody>
@@ -2990,12 +3376,12 @@
             </a:ln>
           </p:spPr>
           <p:txBody>
-            <a:bodyPr anchorCtr="0" anchor="ctr" bIns="91425" lIns="91425" spcFirstLastPara="1" rIns="91425" wrap="square" tIns="91425">
+            <a:bodyPr spcFirstLastPara="1" wrap="square" lIns="91425" tIns="91425" rIns="91425" bIns="91425" anchor="ctr" anchorCtr="0">
               <a:noAutofit/>
             </a:bodyPr>
             <a:lstStyle/>
             <a:p>
-              <a:pPr indent="0" lvl="0" marL="0" rtl="0" algn="l">
+              <a:pPr marL="0" lvl="0" indent="0" algn="l" rtl="0">
                 <a:spcBef>
                   <a:spcPts val="0"/>
                 </a:spcBef>
@@ -3004,9 +3390,6 @@
                 </a:spcAft>
                 <a:buNone/>
               </a:pPr>
-              <a:r>
-                <a:t/>
-              </a:r>
               <a:endParaRPr/>
             </a:p>
           </p:txBody>
@@ -3033,12 +3416,12 @@
             </a:ln>
           </p:spPr>
           <p:txBody>
-            <a:bodyPr anchorCtr="0" anchor="ctr" bIns="91425" lIns="91425" spcFirstLastPara="1" rIns="91425" wrap="square" tIns="91425">
+            <a:bodyPr spcFirstLastPara="1" wrap="square" lIns="91425" tIns="91425" rIns="91425" bIns="91425" anchor="ctr" anchorCtr="0">
               <a:noAutofit/>
             </a:bodyPr>
             <a:lstStyle/>
             <a:p>
-              <a:pPr indent="0" lvl="0" marL="0" rtl="0" algn="l">
+              <a:pPr marL="0" lvl="0" indent="0" algn="l" rtl="0">
                 <a:spcBef>
                   <a:spcPts val="0"/>
                 </a:spcBef>
@@ -3047,9 +3430,6 @@
                 </a:spcAft>
                 <a:buNone/>
               </a:pPr>
-              <a:r>
-                <a:t/>
-              </a:r>
               <a:endParaRPr/>
             </a:p>
           </p:txBody>
@@ -3058,7 +3438,9 @@
       <p:sp>
         <p:nvSpPr>
           <p:cNvPr id="28" name="Google Shape;28;p4"/>
-          <p:cNvSpPr txBox="1"/>
+          <p:cNvSpPr txBox="1">
+            <a:spLocks noGrp="1"/>
+          </p:cNvSpPr>
           <p:nvPr>
             <p:ph type="title"/>
           </p:nvPr>
@@ -3073,7 +3455,7 @@
           </a:prstGeom>
         </p:spPr>
         <p:txBody>
-          <a:bodyPr anchorCtr="0" anchor="t" bIns="91425" lIns="91425" spcFirstLastPara="1" rIns="91425" wrap="square" tIns="91425">
+          <a:bodyPr spcFirstLastPara="1" wrap="square" lIns="91425" tIns="91425" rIns="91425" bIns="91425" anchor="t" anchorCtr="0">
             <a:normAutofit/>
           </a:bodyPr>
           <a:lstStyle>
@@ -3177,15 +3559,19 @@
               <a:defRPr sz="2600"/>
             </a:lvl9pPr>
           </a:lstStyle>
-          <a:p/>
+          <a:p>
+            <a:endParaRPr/>
+          </a:p>
         </p:txBody>
       </p:sp>
       <p:sp>
         <p:nvSpPr>
           <p:cNvPr id="29" name="Google Shape;29;p4"/>
-          <p:cNvSpPr txBox="1"/>
+          <p:cNvSpPr txBox="1">
+            <a:spLocks noGrp="1"/>
+          </p:cNvSpPr>
           <p:nvPr>
-            <p:ph idx="1" type="body"/>
+            <p:ph type="body" idx="1"/>
           </p:nvPr>
         </p:nvSpPr>
         <p:spPr>
@@ -3198,11 +3584,11 @@
           </a:prstGeom>
         </p:spPr>
         <p:txBody>
-          <a:bodyPr anchorCtr="0" anchor="t" bIns="91425" lIns="91425" spcFirstLastPara="1" rIns="91425" wrap="square" tIns="91425">
+          <a:bodyPr spcFirstLastPara="1" wrap="square" lIns="91425" tIns="91425" rIns="91425" bIns="91425" anchor="t" anchorCtr="0">
             <a:normAutofit/>
           </a:bodyPr>
           <a:lstStyle>
-            <a:lvl1pPr indent="-311150" lvl="0" marL="457200">
+            <a:lvl1pPr marL="457200" lvl="0" indent="-311150">
               <a:spcBef>
                 <a:spcPts val="0"/>
               </a:spcBef>
@@ -3213,7 +3599,7 @@
               <a:buChar char="●"/>
               <a:defRPr/>
             </a:lvl1pPr>
-            <a:lvl2pPr indent="-298450" lvl="1" marL="914400">
+            <a:lvl2pPr marL="914400" lvl="1" indent="-298450">
               <a:spcBef>
                 <a:spcPts val="0"/>
               </a:spcBef>
@@ -3224,7 +3610,7 @@
               <a:buChar char="○"/>
               <a:defRPr/>
             </a:lvl2pPr>
-            <a:lvl3pPr indent="-298450" lvl="2" marL="1371600">
+            <a:lvl3pPr marL="1371600" lvl="2" indent="-298450">
               <a:spcBef>
                 <a:spcPts val="0"/>
               </a:spcBef>
@@ -3235,7 +3621,7 @@
               <a:buChar char="■"/>
               <a:defRPr/>
             </a:lvl3pPr>
-            <a:lvl4pPr indent="-298450" lvl="3" marL="1828800">
+            <a:lvl4pPr marL="1828800" lvl="3" indent="-298450">
               <a:spcBef>
                 <a:spcPts val="0"/>
               </a:spcBef>
@@ -3246,7 +3632,7 @@
               <a:buChar char="●"/>
               <a:defRPr/>
             </a:lvl4pPr>
-            <a:lvl5pPr indent="-298450" lvl="4" marL="2286000">
+            <a:lvl5pPr marL="2286000" lvl="4" indent="-298450">
               <a:spcBef>
                 <a:spcPts val="0"/>
               </a:spcBef>
@@ -3257,7 +3643,7 @@
               <a:buChar char="○"/>
               <a:defRPr/>
             </a:lvl5pPr>
-            <a:lvl6pPr indent="-298450" lvl="5" marL="2743200">
+            <a:lvl6pPr marL="2743200" lvl="5" indent="-298450">
               <a:spcBef>
                 <a:spcPts val="0"/>
               </a:spcBef>
@@ -3268,7 +3654,7 @@
               <a:buChar char="■"/>
               <a:defRPr/>
             </a:lvl6pPr>
-            <a:lvl7pPr indent="-298450" lvl="6" marL="3200400">
+            <a:lvl7pPr marL="3200400" lvl="6" indent="-298450">
               <a:spcBef>
                 <a:spcPts val="0"/>
               </a:spcBef>
@@ -3279,7 +3665,7 @@
               <a:buChar char="●"/>
               <a:defRPr/>
             </a:lvl7pPr>
-            <a:lvl8pPr indent="-298450" lvl="7" marL="3657600">
+            <a:lvl8pPr marL="3657600" lvl="7" indent="-298450">
               <a:spcBef>
                 <a:spcPts val="0"/>
               </a:spcBef>
@@ -3290,7 +3676,7 @@
               <a:buChar char="○"/>
               <a:defRPr/>
             </a:lvl8pPr>
-            <a:lvl9pPr indent="-298450" lvl="8" marL="4114800">
+            <a:lvl9pPr marL="4114800" lvl="8" indent="-298450">
               <a:spcBef>
                 <a:spcPts val="0"/>
               </a:spcBef>
@@ -3302,15 +3688,19 @@
               <a:defRPr/>
             </a:lvl9pPr>
           </a:lstStyle>
-          <a:p/>
+          <a:p>
+            <a:endParaRPr/>
+          </a:p>
         </p:txBody>
       </p:sp>
       <p:sp>
         <p:nvSpPr>
           <p:cNvPr id="30" name="Google Shape;30;p4"/>
-          <p:cNvSpPr txBox="1"/>
+          <p:cNvSpPr txBox="1">
+            <a:spLocks noGrp="1"/>
+          </p:cNvSpPr>
           <p:nvPr>
-            <p:ph idx="12" type="sldNum"/>
+            <p:ph type="sldNum" idx="12"/>
           </p:nvPr>
         </p:nvSpPr>
         <p:spPr>
@@ -3323,7 +3713,7 @@
           </a:prstGeom>
         </p:spPr>
         <p:txBody>
-          <a:bodyPr anchorCtr="0" anchor="ctr" bIns="91425" lIns="91425" spcFirstLastPara="1" rIns="91425" wrap="square" tIns="91425">
+          <a:bodyPr spcFirstLastPara="1" wrap="square" lIns="91425" tIns="91425" rIns="91425" bIns="91425" anchor="ctr" anchorCtr="0">
             <a:normAutofit/>
           </a:bodyPr>
           <a:lstStyle>
@@ -3365,7 +3755,7 @@
             </a:lvl9pPr>
           </a:lstStyle>
           <a:p>
-            <a:pPr indent="0" lvl="0" marL="0" rtl="0" algn="r">
+            <a:pPr marL="0" lvl="0" indent="0" algn="r" rtl="0">
               <a:spcBef>
                 <a:spcPts val="0"/>
               </a:spcBef>
@@ -3391,11 +3781,11 @@
 </file>
 
 <file path=ppt/slideLayouts/slideLayout4.xml><?xml version="1.0" encoding="utf-8"?>
-<p:sldLayout xmlns:a="http://schemas.openxmlformats.org/drawingml/2006/main" xmlns:r="http://schemas.openxmlformats.org/officeDocument/2006/relationships" xmlns:mc="http://schemas.openxmlformats.org/markup-compatibility/2006" xmlns:mv="urn:schemas-microsoft-com:mac:vml" xmlns:p="http://schemas.openxmlformats.org/presentationml/2006/main" xmlns:c="http://schemas.openxmlformats.org/drawingml/2006/chart" xmlns:dgm="http://schemas.openxmlformats.org/drawingml/2006/diagram" xmlns:o="urn:schemas-microsoft-com:office:office" xmlns:v="urn:schemas-microsoft-com:vml" xmlns:pvml="urn:schemas-microsoft-com:office:powerpoint" xmlns:com="http://schemas.openxmlformats.org/drawingml/2006/compatibility" xmlns:p14="http://schemas.microsoft.com/office/powerpoint/2010/main" xmlns:p15="http://schemas.microsoft.com/office/powerpoint/2012/main" xmlns:ahyp="http://schemas.microsoft.com/office/drawing/2018/hyperlinkcolor" matchingName="Title and two columns" type="twoColTx">
+<p:sldLayout xmlns:a="http://schemas.openxmlformats.org/drawingml/2006/main" xmlns:r="http://schemas.openxmlformats.org/officeDocument/2006/relationships" xmlns:p="http://schemas.openxmlformats.org/presentationml/2006/main" matchingName="Title and two columns" type="twoColTx">
   <p:cSld name="TITLE_AND_TWO_COLUMNS">
     <p:spTree>
       <p:nvGrpSpPr>
-        <p:cNvPr id="31" name="Shape 31"/>
+        <p:cNvPr id="1" name="Shape 31"/>
         <p:cNvGrpSpPr/>
         <p:nvPr/>
       </p:nvGrpSpPr>
@@ -3429,12 +3819,12 @@
           </a:ln>
         </p:spPr>
         <p:txBody>
-          <a:bodyPr anchorCtr="0" anchor="ctr" bIns="91425" lIns="91425" spcFirstLastPara="1" rIns="91425" wrap="square" tIns="91425">
+          <a:bodyPr spcFirstLastPara="1" wrap="square" lIns="91425" tIns="91425" rIns="91425" bIns="91425" anchor="ctr" anchorCtr="0">
             <a:noAutofit/>
           </a:bodyPr>
           <a:lstStyle/>
           <a:p>
-            <a:pPr indent="0" lvl="0" marL="0" rtl="0" algn="l">
+            <a:pPr marL="0" lvl="0" indent="0" algn="l" rtl="0">
               <a:spcBef>
                 <a:spcPts val="0"/>
               </a:spcBef>
@@ -3443,9 +3833,6 @@
               </a:spcAft>
               <a:buNone/>
             </a:pPr>
-            <a:r>
-              <a:t/>
-            </a:r>
             <a:endParaRPr/>
           </a:p>
         </p:txBody>
@@ -3486,12 +3873,12 @@
             </a:ln>
           </p:spPr>
           <p:txBody>
-            <a:bodyPr anchorCtr="0" anchor="ctr" bIns="91425" lIns="91425" spcFirstLastPara="1" rIns="91425" wrap="square" tIns="91425">
+            <a:bodyPr spcFirstLastPara="1" wrap="square" lIns="91425" tIns="91425" rIns="91425" bIns="91425" anchor="ctr" anchorCtr="0">
               <a:noAutofit/>
             </a:bodyPr>
             <a:lstStyle/>
             <a:p>
-              <a:pPr indent="0" lvl="0" marL="0" rtl="0" algn="l">
+              <a:pPr marL="0" lvl="0" indent="0" algn="l" rtl="0">
                 <a:spcBef>
                   <a:spcPts val="0"/>
                 </a:spcBef>
@@ -3500,9 +3887,6 @@
                 </a:spcAft>
                 <a:buNone/>
               </a:pPr>
-              <a:r>
-                <a:t/>
-              </a:r>
               <a:endParaRPr/>
             </a:p>
           </p:txBody>
@@ -3529,12 +3913,12 @@
             </a:ln>
           </p:spPr>
           <p:txBody>
-            <a:bodyPr anchorCtr="0" anchor="ctr" bIns="91425" lIns="91425" spcFirstLastPara="1" rIns="91425" wrap="square" tIns="91425">
+            <a:bodyPr spcFirstLastPara="1" wrap="square" lIns="91425" tIns="91425" rIns="91425" bIns="91425" anchor="ctr" anchorCtr="0">
               <a:noAutofit/>
             </a:bodyPr>
             <a:lstStyle/>
             <a:p>
-              <a:pPr indent="0" lvl="0" marL="0" rtl="0" algn="l">
+              <a:pPr marL="0" lvl="0" indent="0" algn="l" rtl="0">
                 <a:spcBef>
                   <a:spcPts val="0"/>
                 </a:spcBef>
@@ -3543,9 +3927,6 @@
                 </a:spcAft>
                 <a:buNone/>
               </a:pPr>
-              <a:r>
-                <a:t/>
-              </a:r>
               <a:endParaRPr/>
             </a:p>
           </p:txBody>
@@ -3554,7 +3935,9 @@
       <p:sp>
         <p:nvSpPr>
           <p:cNvPr id="36" name="Google Shape;36;p5"/>
-          <p:cNvSpPr txBox="1"/>
+          <p:cNvSpPr txBox="1">
+            <a:spLocks noGrp="1"/>
+          </p:cNvSpPr>
           <p:nvPr>
             <p:ph type="title"/>
           </p:nvPr>
@@ -3569,7 +3952,7 @@
           </a:prstGeom>
         </p:spPr>
         <p:txBody>
-          <a:bodyPr anchorCtr="0" anchor="t" bIns="91425" lIns="91425" spcFirstLastPara="1" rIns="91425" wrap="square" tIns="91425">
+          <a:bodyPr spcFirstLastPara="1" wrap="square" lIns="91425" tIns="91425" rIns="91425" bIns="91425" anchor="t" anchorCtr="0">
             <a:normAutofit/>
           </a:bodyPr>
           <a:lstStyle>
@@ -3673,15 +4056,19 @@
               <a:defRPr sz="2600"/>
             </a:lvl9pPr>
           </a:lstStyle>
-          <a:p/>
+          <a:p>
+            <a:endParaRPr/>
+          </a:p>
         </p:txBody>
       </p:sp>
       <p:sp>
         <p:nvSpPr>
           <p:cNvPr id="37" name="Google Shape;37;p5"/>
-          <p:cNvSpPr txBox="1"/>
+          <p:cNvSpPr txBox="1">
+            <a:spLocks noGrp="1"/>
+          </p:cNvSpPr>
           <p:nvPr>
-            <p:ph idx="1" type="body"/>
+            <p:ph type="body" idx="1"/>
           </p:nvPr>
         </p:nvSpPr>
         <p:spPr>
@@ -3694,11 +4081,11 @@
           </a:prstGeom>
         </p:spPr>
         <p:txBody>
-          <a:bodyPr anchorCtr="0" anchor="t" bIns="91425" lIns="91425" spcFirstLastPara="1" rIns="91425" wrap="square" tIns="91425">
+          <a:bodyPr spcFirstLastPara="1" wrap="square" lIns="91425" tIns="91425" rIns="91425" bIns="91425" anchor="t" anchorCtr="0">
             <a:normAutofit/>
           </a:bodyPr>
           <a:lstStyle>
-            <a:lvl1pPr indent="-311150" lvl="0" marL="457200">
+            <a:lvl1pPr marL="457200" lvl="0" indent="-311150">
               <a:spcBef>
                 <a:spcPts val="0"/>
               </a:spcBef>
@@ -3709,7 +4096,7 @@
               <a:buChar char="●"/>
               <a:defRPr/>
             </a:lvl1pPr>
-            <a:lvl2pPr indent="-298450" lvl="1" marL="914400">
+            <a:lvl2pPr marL="914400" lvl="1" indent="-298450">
               <a:spcBef>
                 <a:spcPts val="0"/>
               </a:spcBef>
@@ -3720,7 +4107,7 @@
               <a:buChar char="○"/>
               <a:defRPr/>
             </a:lvl2pPr>
-            <a:lvl3pPr indent="-298450" lvl="2" marL="1371600">
+            <a:lvl3pPr marL="1371600" lvl="2" indent="-298450">
               <a:spcBef>
                 <a:spcPts val="0"/>
               </a:spcBef>
@@ -3731,7 +4118,7 @@
               <a:buChar char="■"/>
               <a:defRPr/>
             </a:lvl3pPr>
-            <a:lvl4pPr indent="-298450" lvl="3" marL="1828800">
+            <a:lvl4pPr marL="1828800" lvl="3" indent="-298450">
               <a:spcBef>
                 <a:spcPts val="0"/>
               </a:spcBef>
@@ -3742,7 +4129,7 @@
               <a:buChar char="●"/>
               <a:defRPr/>
             </a:lvl4pPr>
-            <a:lvl5pPr indent="-298450" lvl="4" marL="2286000">
+            <a:lvl5pPr marL="2286000" lvl="4" indent="-298450">
               <a:spcBef>
                 <a:spcPts val="0"/>
               </a:spcBef>
@@ -3753,7 +4140,7 @@
               <a:buChar char="○"/>
               <a:defRPr/>
             </a:lvl5pPr>
-            <a:lvl6pPr indent="-298450" lvl="5" marL="2743200">
+            <a:lvl6pPr marL="2743200" lvl="5" indent="-298450">
               <a:spcBef>
                 <a:spcPts val="0"/>
               </a:spcBef>
@@ -3764,7 +4151,7 @@
               <a:buChar char="■"/>
               <a:defRPr/>
             </a:lvl6pPr>
-            <a:lvl7pPr indent="-298450" lvl="6" marL="3200400">
+            <a:lvl7pPr marL="3200400" lvl="6" indent="-298450">
               <a:spcBef>
                 <a:spcPts val="0"/>
               </a:spcBef>
@@ -3775,7 +4162,7 @@
               <a:buChar char="●"/>
               <a:defRPr/>
             </a:lvl7pPr>
-            <a:lvl8pPr indent="-298450" lvl="7" marL="3657600">
+            <a:lvl8pPr marL="3657600" lvl="7" indent="-298450">
               <a:spcBef>
                 <a:spcPts val="0"/>
               </a:spcBef>
@@ -3786,7 +4173,7 @@
               <a:buChar char="○"/>
               <a:defRPr/>
             </a:lvl8pPr>
-            <a:lvl9pPr indent="-298450" lvl="8" marL="4114800">
+            <a:lvl9pPr marL="4114800" lvl="8" indent="-298450">
               <a:spcBef>
                 <a:spcPts val="0"/>
               </a:spcBef>
@@ -3798,15 +4185,19 @@
               <a:defRPr/>
             </a:lvl9pPr>
           </a:lstStyle>
-          <a:p/>
+          <a:p>
+            <a:endParaRPr/>
+          </a:p>
         </p:txBody>
       </p:sp>
       <p:sp>
         <p:nvSpPr>
           <p:cNvPr id="38" name="Google Shape;38;p5"/>
-          <p:cNvSpPr txBox="1"/>
+          <p:cNvSpPr txBox="1">
+            <a:spLocks noGrp="1"/>
+          </p:cNvSpPr>
           <p:nvPr>
-            <p:ph idx="2" type="body"/>
+            <p:ph type="body" idx="2"/>
           </p:nvPr>
         </p:nvSpPr>
         <p:spPr>
@@ -3819,11 +4210,11 @@
           </a:prstGeom>
         </p:spPr>
         <p:txBody>
-          <a:bodyPr anchorCtr="0" anchor="t" bIns="91425" lIns="91425" spcFirstLastPara="1" rIns="91425" wrap="square" tIns="91425">
+          <a:bodyPr spcFirstLastPara="1" wrap="square" lIns="91425" tIns="91425" rIns="91425" bIns="91425" anchor="t" anchorCtr="0">
             <a:normAutofit/>
           </a:bodyPr>
           <a:lstStyle>
-            <a:lvl1pPr indent="-311150" lvl="0" marL="457200">
+            <a:lvl1pPr marL="457200" lvl="0" indent="-311150">
               <a:spcBef>
                 <a:spcPts val="0"/>
               </a:spcBef>
@@ -3834,7 +4225,7 @@
               <a:buChar char="●"/>
               <a:defRPr/>
             </a:lvl1pPr>
-            <a:lvl2pPr indent="-298450" lvl="1" marL="914400">
+            <a:lvl2pPr marL="914400" lvl="1" indent="-298450">
               <a:spcBef>
                 <a:spcPts val="0"/>
               </a:spcBef>
@@ -3845,7 +4236,7 @@
               <a:buChar char="○"/>
               <a:defRPr/>
             </a:lvl2pPr>
-            <a:lvl3pPr indent="-298450" lvl="2" marL="1371600">
+            <a:lvl3pPr marL="1371600" lvl="2" indent="-298450">
               <a:spcBef>
                 <a:spcPts val="0"/>
               </a:spcBef>
@@ -3856,7 +4247,7 @@
               <a:buChar char="■"/>
               <a:defRPr/>
             </a:lvl3pPr>
-            <a:lvl4pPr indent="-298450" lvl="3" marL="1828800">
+            <a:lvl4pPr marL="1828800" lvl="3" indent="-298450">
               <a:spcBef>
                 <a:spcPts val="0"/>
               </a:spcBef>
@@ -3867,7 +4258,7 @@
               <a:buChar char="●"/>
               <a:defRPr/>
             </a:lvl4pPr>
-            <a:lvl5pPr indent="-298450" lvl="4" marL="2286000">
+            <a:lvl5pPr marL="2286000" lvl="4" indent="-298450">
               <a:spcBef>
                 <a:spcPts val="0"/>
               </a:spcBef>
@@ -3878,7 +4269,7 @@
               <a:buChar char="○"/>
               <a:defRPr/>
             </a:lvl5pPr>
-            <a:lvl6pPr indent="-298450" lvl="5" marL="2743200">
+            <a:lvl6pPr marL="2743200" lvl="5" indent="-298450">
               <a:spcBef>
                 <a:spcPts val="0"/>
               </a:spcBef>
@@ -3889,7 +4280,7 @@
               <a:buChar char="■"/>
               <a:defRPr/>
             </a:lvl6pPr>
-            <a:lvl7pPr indent="-298450" lvl="6" marL="3200400">
+            <a:lvl7pPr marL="3200400" lvl="6" indent="-298450">
               <a:spcBef>
                 <a:spcPts val="0"/>
               </a:spcBef>
@@ -3900,7 +4291,7 @@
               <a:buChar char="●"/>
               <a:defRPr/>
             </a:lvl7pPr>
-            <a:lvl8pPr indent="-298450" lvl="7" marL="3657600">
+            <a:lvl8pPr marL="3657600" lvl="7" indent="-298450">
               <a:spcBef>
                 <a:spcPts val="0"/>
               </a:spcBef>
@@ -3911,7 +4302,7 @@
               <a:buChar char="○"/>
               <a:defRPr/>
             </a:lvl8pPr>
-            <a:lvl9pPr indent="-298450" lvl="8" marL="4114800">
+            <a:lvl9pPr marL="4114800" lvl="8" indent="-298450">
               <a:spcBef>
                 <a:spcPts val="0"/>
               </a:spcBef>
@@ -3923,15 +4314,19 @@
               <a:defRPr/>
             </a:lvl9pPr>
           </a:lstStyle>
-          <a:p/>
+          <a:p>
+            <a:endParaRPr/>
+          </a:p>
         </p:txBody>
       </p:sp>
       <p:sp>
         <p:nvSpPr>
           <p:cNvPr id="39" name="Google Shape;39;p5"/>
-          <p:cNvSpPr txBox="1"/>
+          <p:cNvSpPr txBox="1">
+            <a:spLocks noGrp="1"/>
+          </p:cNvSpPr>
           <p:nvPr>
-            <p:ph idx="12" type="sldNum"/>
+            <p:ph type="sldNum" idx="12"/>
           </p:nvPr>
         </p:nvSpPr>
         <p:spPr>
@@ -3944,7 +4339,7 @@
           </a:prstGeom>
         </p:spPr>
         <p:txBody>
-          <a:bodyPr anchorCtr="0" anchor="ctr" bIns="91425" lIns="91425" spcFirstLastPara="1" rIns="91425" wrap="square" tIns="91425">
+          <a:bodyPr spcFirstLastPara="1" wrap="square" lIns="91425" tIns="91425" rIns="91425" bIns="91425" anchor="ctr" anchorCtr="0">
             <a:normAutofit/>
           </a:bodyPr>
           <a:lstStyle>
@@ -3986,7 +4381,7 @@
             </a:lvl9pPr>
           </a:lstStyle>
           <a:p>
-            <a:pPr indent="0" lvl="0" marL="0" rtl="0" algn="r">
+            <a:pPr marL="0" lvl="0" indent="0" algn="r" rtl="0">
               <a:spcBef>
                 <a:spcPts val="0"/>
               </a:spcBef>
@@ -4012,11 +4407,11 @@
 </file>
 
 <file path=ppt/slideLayouts/slideLayout5.xml><?xml version="1.0" encoding="utf-8"?>
-<p:sldLayout xmlns:a="http://schemas.openxmlformats.org/drawingml/2006/main" xmlns:r="http://schemas.openxmlformats.org/officeDocument/2006/relationships" xmlns:mc="http://schemas.openxmlformats.org/markup-compatibility/2006" xmlns:mv="urn:schemas-microsoft-com:mac:vml" xmlns:p="http://schemas.openxmlformats.org/presentationml/2006/main" xmlns:c="http://schemas.openxmlformats.org/drawingml/2006/chart" xmlns:dgm="http://schemas.openxmlformats.org/drawingml/2006/diagram" xmlns:o="urn:schemas-microsoft-com:office:office" xmlns:v="urn:schemas-microsoft-com:vml" xmlns:pvml="urn:schemas-microsoft-com:office:powerpoint" xmlns:com="http://schemas.openxmlformats.org/drawingml/2006/compatibility" xmlns:p14="http://schemas.microsoft.com/office/powerpoint/2010/main" xmlns:p15="http://schemas.microsoft.com/office/powerpoint/2012/main" xmlns:ahyp="http://schemas.microsoft.com/office/drawing/2018/hyperlinkcolor" matchingName="Title only" type="titleOnly">
+<p:sldLayout xmlns:a="http://schemas.openxmlformats.org/drawingml/2006/main" xmlns:r="http://schemas.openxmlformats.org/officeDocument/2006/relationships" xmlns:p="http://schemas.openxmlformats.org/presentationml/2006/main" matchingName="Title only" type="titleOnly">
   <p:cSld name="TITLE_ONLY">
     <p:spTree>
       <p:nvGrpSpPr>
-        <p:cNvPr id="40" name="Shape 40"/>
+        <p:cNvPr id="1" name="Shape 40"/>
         <p:cNvGrpSpPr/>
         <p:nvPr/>
       </p:nvGrpSpPr>
@@ -4050,12 +4445,12 @@
           </a:ln>
         </p:spPr>
         <p:txBody>
-          <a:bodyPr anchorCtr="0" anchor="ctr" bIns="91425" lIns="91425" spcFirstLastPara="1" rIns="91425" wrap="square" tIns="91425">
+          <a:bodyPr spcFirstLastPara="1" wrap="square" lIns="91425" tIns="91425" rIns="91425" bIns="91425" anchor="ctr" anchorCtr="0">
             <a:noAutofit/>
           </a:bodyPr>
           <a:lstStyle/>
           <a:p>
-            <a:pPr indent="0" lvl="0" marL="0" rtl="0" algn="l">
+            <a:pPr marL="0" lvl="0" indent="0" algn="l" rtl="0">
               <a:spcBef>
                 <a:spcPts val="0"/>
               </a:spcBef>
@@ -4064,9 +4459,6 @@
               </a:spcAft>
               <a:buNone/>
             </a:pPr>
-            <a:r>
-              <a:t/>
-            </a:r>
             <a:endParaRPr/>
           </a:p>
         </p:txBody>
@@ -4107,12 +4499,12 @@
             </a:ln>
           </p:spPr>
           <p:txBody>
-            <a:bodyPr anchorCtr="0" anchor="ctr" bIns="91425" lIns="91425" spcFirstLastPara="1" rIns="91425" wrap="square" tIns="91425">
+            <a:bodyPr spcFirstLastPara="1" wrap="square" lIns="91425" tIns="91425" rIns="91425" bIns="91425" anchor="ctr" anchorCtr="0">
               <a:noAutofit/>
             </a:bodyPr>
             <a:lstStyle/>
             <a:p>
-              <a:pPr indent="0" lvl="0" marL="0" rtl="0" algn="l">
+              <a:pPr marL="0" lvl="0" indent="0" algn="l" rtl="0">
                 <a:spcBef>
                   <a:spcPts val="0"/>
                 </a:spcBef>
@@ -4121,9 +4513,6 @@
                 </a:spcAft>
                 <a:buNone/>
               </a:pPr>
-              <a:r>
-                <a:t/>
-              </a:r>
               <a:endParaRPr/>
             </a:p>
           </p:txBody>
@@ -4150,12 +4539,12 @@
             </a:ln>
           </p:spPr>
           <p:txBody>
-            <a:bodyPr anchorCtr="0" anchor="ctr" bIns="91425" lIns="91425" spcFirstLastPara="1" rIns="91425" wrap="square" tIns="91425">
+            <a:bodyPr spcFirstLastPara="1" wrap="square" lIns="91425" tIns="91425" rIns="91425" bIns="91425" anchor="ctr" anchorCtr="0">
               <a:noAutofit/>
             </a:bodyPr>
             <a:lstStyle/>
             <a:p>
-              <a:pPr indent="0" lvl="0" marL="0" rtl="0" algn="l">
+              <a:pPr marL="0" lvl="0" indent="0" algn="l" rtl="0">
                 <a:spcBef>
                   <a:spcPts val="0"/>
                 </a:spcBef>
@@ -4164,9 +4553,6 @@
                 </a:spcAft>
                 <a:buNone/>
               </a:pPr>
-              <a:r>
-                <a:t/>
-              </a:r>
               <a:endParaRPr/>
             </a:p>
           </p:txBody>
@@ -4175,7 +4561,9 @@
       <p:sp>
         <p:nvSpPr>
           <p:cNvPr id="45" name="Google Shape;45;p6"/>
-          <p:cNvSpPr txBox="1"/>
+          <p:cNvSpPr txBox="1">
+            <a:spLocks noGrp="1"/>
+          </p:cNvSpPr>
           <p:nvPr>
             <p:ph type="title"/>
           </p:nvPr>
@@ -4190,7 +4578,7 @@
           </a:prstGeom>
         </p:spPr>
         <p:txBody>
-          <a:bodyPr anchorCtr="0" anchor="t" bIns="91425" lIns="91425" spcFirstLastPara="1" rIns="91425" wrap="square" tIns="91425">
+          <a:bodyPr spcFirstLastPara="1" wrap="square" lIns="91425" tIns="91425" rIns="91425" bIns="91425" anchor="t" anchorCtr="0">
             <a:normAutofit/>
           </a:bodyPr>
           <a:lstStyle>
@@ -4294,15 +4682,19 @@
               <a:defRPr sz="2600"/>
             </a:lvl9pPr>
           </a:lstStyle>
-          <a:p/>
+          <a:p>
+            <a:endParaRPr/>
+          </a:p>
         </p:txBody>
       </p:sp>
       <p:sp>
         <p:nvSpPr>
           <p:cNvPr id="46" name="Google Shape;46;p6"/>
-          <p:cNvSpPr txBox="1"/>
+          <p:cNvSpPr txBox="1">
+            <a:spLocks noGrp="1"/>
+          </p:cNvSpPr>
           <p:nvPr>
-            <p:ph idx="12" type="sldNum"/>
+            <p:ph type="sldNum" idx="12"/>
           </p:nvPr>
         </p:nvSpPr>
         <p:spPr>
@@ -4315,7 +4707,7 @@
           </a:prstGeom>
         </p:spPr>
         <p:txBody>
-          <a:bodyPr anchorCtr="0" anchor="ctr" bIns="91425" lIns="91425" spcFirstLastPara="1" rIns="91425" wrap="square" tIns="91425">
+          <a:bodyPr spcFirstLastPara="1" wrap="square" lIns="91425" tIns="91425" rIns="91425" bIns="91425" anchor="ctr" anchorCtr="0">
             <a:normAutofit/>
           </a:bodyPr>
           <a:lstStyle>
@@ -4357,7 +4749,7 @@
             </a:lvl9pPr>
           </a:lstStyle>
           <a:p>
-            <a:pPr indent="0" lvl="0" marL="0" rtl="0" algn="r">
+            <a:pPr marL="0" lvl="0" indent="0" algn="r" rtl="0">
               <a:spcBef>
                 <a:spcPts val="0"/>
               </a:spcBef>
@@ -4383,11 +4775,11 @@
 </file>
 
 <file path=ppt/slideLayouts/slideLayout6.xml><?xml version="1.0" encoding="utf-8"?>
-<p:sldLayout xmlns:a="http://schemas.openxmlformats.org/drawingml/2006/main" xmlns:r="http://schemas.openxmlformats.org/officeDocument/2006/relationships" xmlns:mc="http://schemas.openxmlformats.org/markup-compatibility/2006" xmlns:mv="urn:schemas-microsoft-com:mac:vml" xmlns:p="http://schemas.openxmlformats.org/presentationml/2006/main" xmlns:c="http://schemas.openxmlformats.org/drawingml/2006/chart" xmlns:dgm="http://schemas.openxmlformats.org/drawingml/2006/diagram" xmlns:o="urn:schemas-microsoft-com:office:office" xmlns:v="urn:schemas-microsoft-com:vml" xmlns:pvml="urn:schemas-microsoft-com:office:powerpoint" xmlns:com="http://schemas.openxmlformats.org/drawingml/2006/compatibility" xmlns:p14="http://schemas.microsoft.com/office/powerpoint/2010/main" xmlns:p15="http://schemas.microsoft.com/office/powerpoint/2012/main" xmlns:ahyp="http://schemas.microsoft.com/office/drawing/2018/hyperlinkcolor" matchingName="One column text">
+<p:sldLayout xmlns:a="http://schemas.openxmlformats.org/drawingml/2006/main" xmlns:r="http://schemas.openxmlformats.org/officeDocument/2006/relationships" xmlns:p="http://schemas.openxmlformats.org/presentationml/2006/main" matchingName="One column text">
   <p:cSld name="ONE_COLUMN_TEXT">
     <p:spTree>
       <p:nvGrpSpPr>
-        <p:cNvPr id="47" name="Shape 47"/>
+        <p:cNvPr id="1" name="Shape 47"/>
         <p:cNvGrpSpPr/>
         <p:nvPr/>
       </p:nvGrpSpPr>
@@ -4421,12 +4813,12 @@
           </a:ln>
         </p:spPr>
         <p:txBody>
-          <a:bodyPr anchorCtr="0" anchor="ctr" bIns="91425" lIns="91425" spcFirstLastPara="1" rIns="91425" wrap="square" tIns="91425">
+          <a:bodyPr spcFirstLastPara="1" wrap="square" lIns="91425" tIns="91425" rIns="91425" bIns="91425" anchor="ctr" anchorCtr="0">
             <a:noAutofit/>
           </a:bodyPr>
           <a:lstStyle/>
           <a:p>
-            <a:pPr indent="0" lvl="0" marL="0" rtl="0" algn="l">
+            <a:pPr marL="0" lvl="0" indent="0" algn="l" rtl="0">
               <a:spcBef>
                 <a:spcPts val="0"/>
               </a:spcBef>
@@ -4435,9 +4827,6 @@
               </a:spcAft>
               <a:buNone/>
             </a:pPr>
-            <a:r>
-              <a:t/>
-            </a:r>
             <a:endParaRPr/>
           </a:p>
         </p:txBody>
@@ -4478,12 +4867,12 @@
             </a:ln>
           </p:spPr>
           <p:txBody>
-            <a:bodyPr anchorCtr="0" anchor="ctr" bIns="91425" lIns="91425" spcFirstLastPara="1" rIns="91425" wrap="square" tIns="91425">
+            <a:bodyPr spcFirstLastPara="1" wrap="square" lIns="91425" tIns="91425" rIns="91425" bIns="91425" anchor="ctr" anchorCtr="0">
               <a:noAutofit/>
             </a:bodyPr>
             <a:lstStyle/>
             <a:p>
-              <a:pPr indent="0" lvl="0" marL="0" rtl="0" algn="l">
+              <a:pPr marL="0" lvl="0" indent="0" algn="l" rtl="0">
                 <a:spcBef>
                   <a:spcPts val="0"/>
                 </a:spcBef>
@@ -4492,9 +4881,6 @@
                 </a:spcAft>
                 <a:buNone/>
               </a:pPr>
-              <a:r>
-                <a:t/>
-              </a:r>
               <a:endParaRPr/>
             </a:p>
           </p:txBody>
@@ -4521,12 +4907,12 @@
             </a:ln>
           </p:spPr>
           <p:txBody>
-            <a:bodyPr anchorCtr="0" anchor="ctr" bIns="91425" lIns="91425" spcFirstLastPara="1" rIns="91425" wrap="square" tIns="91425">
+            <a:bodyPr spcFirstLastPara="1" wrap="square" lIns="91425" tIns="91425" rIns="91425" bIns="91425" anchor="ctr" anchorCtr="0">
               <a:noAutofit/>
             </a:bodyPr>
             <a:lstStyle/>
             <a:p>
-              <a:pPr indent="0" lvl="0" marL="0" rtl="0" algn="l">
+              <a:pPr marL="0" lvl="0" indent="0" algn="l" rtl="0">
                 <a:spcBef>
                   <a:spcPts val="0"/>
                 </a:spcBef>
@@ -4535,9 +4921,6 @@
                 </a:spcAft>
                 <a:buNone/>
               </a:pPr>
-              <a:r>
-                <a:t/>
-              </a:r>
               <a:endParaRPr/>
             </a:p>
           </p:txBody>
@@ -4546,7 +4929,9 @@
       <p:sp>
         <p:nvSpPr>
           <p:cNvPr id="52" name="Google Shape;52;p7"/>
-          <p:cNvSpPr txBox="1"/>
+          <p:cNvSpPr txBox="1">
+            <a:spLocks noGrp="1"/>
+          </p:cNvSpPr>
           <p:nvPr>
             <p:ph type="title"/>
           </p:nvPr>
@@ -4561,7 +4946,7 @@
           </a:prstGeom>
         </p:spPr>
         <p:txBody>
-          <a:bodyPr anchorCtr="0" anchor="t" bIns="91425" lIns="91425" spcFirstLastPara="1" rIns="91425" wrap="square" tIns="91425">
+          <a:bodyPr spcFirstLastPara="1" wrap="square" lIns="91425" tIns="91425" rIns="91425" bIns="91425" anchor="t" anchorCtr="0">
             <a:normAutofit/>
           </a:bodyPr>
           <a:lstStyle>
@@ -4665,15 +5050,19 @@
               <a:defRPr sz="2600"/>
             </a:lvl9pPr>
           </a:lstStyle>
-          <a:p/>
+          <a:p>
+            <a:endParaRPr/>
+          </a:p>
         </p:txBody>
       </p:sp>
       <p:sp>
         <p:nvSpPr>
           <p:cNvPr id="53" name="Google Shape;53;p7"/>
-          <p:cNvSpPr txBox="1"/>
+          <p:cNvSpPr txBox="1">
+            <a:spLocks noGrp="1"/>
+          </p:cNvSpPr>
           <p:nvPr>
-            <p:ph idx="1" type="body"/>
+            <p:ph type="body" idx="1"/>
           </p:nvPr>
         </p:nvSpPr>
         <p:spPr>
@@ -4686,11 +5075,11 @@
           </a:prstGeom>
         </p:spPr>
         <p:txBody>
-          <a:bodyPr anchorCtr="0" anchor="t" bIns="91425" lIns="91425" spcFirstLastPara="1" rIns="91425" wrap="square" tIns="91425">
+          <a:bodyPr spcFirstLastPara="1" wrap="square" lIns="91425" tIns="91425" rIns="91425" bIns="91425" anchor="t" anchorCtr="0">
             <a:normAutofit/>
           </a:bodyPr>
           <a:lstStyle>
-            <a:lvl1pPr indent="-311150" lvl="0" marL="457200">
+            <a:lvl1pPr marL="457200" lvl="0" indent="-311150">
               <a:spcBef>
                 <a:spcPts val="0"/>
               </a:spcBef>
@@ -4701,7 +5090,7 @@
               <a:buChar char="●"/>
               <a:defRPr/>
             </a:lvl1pPr>
-            <a:lvl2pPr indent="-298450" lvl="1" marL="914400">
+            <a:lvl2pPr marL="914400" lvl="1" indent="-298450">
               <a:spcBef>
                 <a:spcPts val="0"/>
               </a:spcBef>
@@ -4712,7 +5101,7 @@
               <a:buChar char="○"/>
               <a:defRPr/>
             </a:lvl2pPr>
-            <a:lvl3pPr indent="-298450" lvl="2" marL="1371600">
+            <a:lvl3pPr marL="1371600" lvl="2" indent="-298450">
               <a:spcBef>
                 <a:spcPts val="0"/>
               </a:spcBef>
@@ -4723,7 +5112,7 @@
               <a:buChar char="■"/>
               <a:defRPr/>
             </a:lvl3pPr>
-            <a:lvl4pPr indent="-298450" lvl="3" marL="1828800">
+            <a:lvl4pPr marL="1828800" lvl="3" indent="-298450">
               <a:spcBef>
                 <a:spcPts val="0"/>
               </a:spcBef>
@@ -4734,7 +5123,7 @@
               <a:buChar char="●"/>
               <a:defRPr/>
             </a:lvl4pPr>
-            <a:lvl5pPr indent="-298450" lvl="4" marL="2286000">
+            <a:lvl5pPr marL="2286000" lvl="4" indent="-298450">
               <a:spcBef>
                 <a:spcPts val="0"/>
               </a:spcBef>
@@ -4745,7 +5134,7 @@
               <a:buChar char="○"/>
               <a:defRPr/>
             </a:lvl5pPr>
-            <a:lvl6pPr indent="-298450" lvl="5" marL="2743200">
+            <a:lvl6pPr marL="2743200" lvl="5" indent="-298450">
               <a:spcBef>
                 <a:spcPts val="0"/>
               </a:spcBef>
@@ -4756,7 +5145,7 @@
               <a:buChar char="■"/>
               <a:defRPr/>
             </a:lvl6pPr>
-            <a:lvl7pPr indent="-298450" lvl="6" marL="3200400">
+            <a:lvl7pPr marL="3200400" lvl="6" indent="-298450">
               <a:spcBef>
                 <a:spcPts val="0"/>
               </a:spcBef>
@@ -4767,7 +5156,7 @@
               <a:buChar char="●"/>
               <a:defRPr/>
             </a:lvl7pPr>
-            <a:lvl8pPr indent="-298450" lvl="7" marL="3657600">
+            <a:lvl8pPr marL="3657600" lvl="7" indent="-298450">
               <a:spcBef>
                 <a:spcPts val="0"/>
               </a:spcBef>
@@ -4778,7 +5167,7 @@
               <a:buChar char="○"/>
               <a:defRPr/>
             </a:lvl8pPr>
-            <a:lvl9pPr indent="-298450" lvl="8" marL="4114800">
+            <a:lvl9pPr marL="4114800" lvl="8" indent="-298450">
               <a:spcBef>
                 <a:spcPts val="0"/>
               </a:spcBef>
@@ -4790,15 +5179,19 @@
               <a:defRPr/>
             </a:lvl9pPr>
           </a:lstStyle>
-          <a:p/>
+          <a:p>
+            <a:endParaRPr/>
+          </a:p>
         </p:txBody>
       </p:sp>
       <p:sp>
         <p:nvSpPr>
           <p:cNvPr id="54" name="Google Shape;54;p7"/>
-          <p:cNvSpPr txBox="1"/>
+          <p:cNvSpPr txBox="1">
+            <a:spLocks noGrp="1"/>
+          </p:cNvSpPr>
           <p:nvPr>
-            <p:ph idx="12" type="sldNum"/>
+            <p:ph type="sldNum" idx="12"/>
           </p:nvPr>
         </p:nvSpPr>
         <p:spPr>
@@ -4811,7 +5204,7 @@
           </a:prstGeom>
         </p:spPr>
         <p:txBody>
-          <a:bodyPr anchorCtr="0" anchor="ctr" bIns="91425" lIns="91425" spcFirstLastPara="1" rIns="91425" wrap="square" tIns="91425">
+          <a:bodyPr spcFirstLastPara="1" wrap="square" lIns="91425" tIns="91425" rIns="91425" bIns="91425" anchor="ctr" anchorCtr="0">
             <a:normAutofit/>
           </a:bodyPr>
           <a:lstStyle>
@@ -4853,7 +5246,7 @@
             </a:lvl9pPr>
           </a:lstStyle>
           <a:p>
-            <a:pPr indent="0" lvl="0" marL="0" rtl="0" algn="r">
+            <a:pPr marL="0" lvl="0" indent="0" algn="r" rtl="0">
               <a:spcBef>
                 <a:spcPts val="0"/>
               </a:spcBef>
@@ -4879,18 +5272,19 @@
 </file>
 
 <file path=ppt/slideLayouts/slideLayout7.xml><?xml version="1.0" encoding="utf-8"?>
-<p:sldLayout xmlns:a="http://schemas.openxmlformats.org/drawingml/2006/main" xmlns:r="http://schemas.openxmlformats.org/officeDocument/2006/relationships" xmlns:mc="http://schemas.openxmlformats.org/markup-compatibility/2006" xmlns:mv="urn:schemas-microsoft-com:mac:vml" xmlns:p="http://schemas.openxmlformats.org/presentationml/2006/main" xmlns:c="http://schemas.openxmlformats.org/drawingml/2006/chart" xmlns:dgm="http://schemas.openxmlformats.org/drawingml/2006/diagram" xmlns:o="urn:schemas-microsoft-com:office:office" xmlns:v="urn:schemas-microsoft-com:vml" xmlns:pvml="urn:schemas-microsoft-com:office:powerpoint" xmlns:com="http://schemas.openxmlformats.org/drawingml/2006/compatibility" xmlns:p14="http://schemas.microsoft.com/office/powerpoint/2010/main" xmlns:p15="http://schemas.microsoft.com/office/powerpoint/2012/main" xmlns:ahyp="http://schemas.microsoft.com/office/drawing/2018/hyperlinkcolor" matchingName="Main point">
+<p:sldLayout xmlns:a="http://schemas.openxmlformats.org/drawingml/2006/main" xmlns:r="http://schemas.openxmlformats.org/officeDocument/2006/relationships" xmlns:p="http://schemas.openxmlformats.org/presentationml/2006/main" matchingName="Main point">
   <p:cSld name="MAIN_POINT">
     <p:bg>
       <p:bgPr>
         <a:solidFill>
           <a:schemeClr val="accent3"/>
         </a:solidFill>
+        <a:effectLst/>
       </p:bgPr>
     </p:bg>
     <p:spTree>
       <p:nvGrpSpPr>
-        <p:cNvPr id="55" name="Shape 55"/>
+        <p:cNvPr id="1" name="Shape 55"/>
         <p:cNvGrpSpPr/>
         <p:nvPr/>
       </p:nvGrpSpPr>
@@ -4938,12 +5332,12 @@
             </a:ln>
           </p:spPr>
           <p:txBody>
-            <a:bodyPr anchorCtr="0" anchor="ctr" bIns="91425" lIns="91425" spcFirstLastPara="1" rIns="91425" wrap="square" tIns="91425">
+            <a:bodyPr spcFirstLastPara="1" wrap="square" lIns="91425" tIns="91425" rIns="91425" bIns="91425" anchor="ctr" anchorCtr="0">
               <a:noAutofit/>
             </a:bodyPr>
             <a:lstStyle/>
             <a:p>
-              <a:pPr indent="0" lvl="0" marL="0" rtl="0" algn="l">
+              <a:pPr marL="0" lvl="0" indent="0" algn="l" rtl="0">
                 <a:spcBef>
                   <a:spcPts val="0"/>
                 </a:spcBef>
@@ -4952,9 +5346,6 @@
                 </a:spcAft>
                 <a:buNone/>
               </a:pPr>
-              <a:r>
-                <a:t/>
-              </a:r>
               <a:endParaRPr/>
             </a:p>
           </p:txBody>
@@ -4981,12 +5372,12 @@
             </a:ln>
           </p:spPr>
           <p:txBody>
-            <a:bodyPr anchorCtr="0" anchor="ctr" bIns="91425" lIns="91425" spcFirstLastPara="1" rIns="91425" wrap="square" tIns="91425">
+            <a:bodyPr spcFirstLastPara="1" wrap="square" lIns="91425" tIns="91425" rIns="91425" bIns="91425" anchor="ctr" anchorCtr="0">
               <a:noAutofit/>
             </a:bodyPr>
             <a:lstStyle/>
             <a:p>
-              <a:pPr indent="0" lvl="0" marL="0" rtl="0" algn="l">
+              <a:pPr marL="0" lvl="0" indent="0" algn="l" rtl="0">
                 <a:spcBef>
                   <a:spcPts val="0"/>
                 </a:spcBef>
@@ -4995,9 +5386,6 @@
                 </a:spcAft>
                 <a:buNone/>
               </a:pPr>
-              <a:r>
-                <a:t/>
-              </a:r>
               <a:endParaRPr/>
             </a:p>
           </p:txBody>
@@ -5006,7 +5394,9 @@
       <p:sp>
         <p:nvSpPr>
           <p:cNvPr id="59" name="Google Shape;59;p8"/>
-          <p:cNvSpPr txBox="1"/>
+          <p:cNvSpPr txBox="1">
+            <a:spLocks noGrp="1"/>
+          </p:cNvSpPr>
           <p:nvPr>
             <p:ph type="title"/>
           </p:nvPr>
@@ -5021,7 +5411,7 @@
           </a:prstGeom>
         </p:spPr>
         <p:txBody>
-          <a:bodyPr anchorCtr="0" anchor="ctr" bIns="91425" lIns="91425" spcFirstLastPara="1" rIns="91425" wrap="square" tIns="91425">
+          <a:bodyPr spcFirstLastPara="1" wrap="square" lIns="91425" tIns="91425" rIns="91425" bIns="91425" anchor="ctr" anchorCtr="0">
             <a:normAutofit/>
           </a:bodyPr>
           <a:lstStyle>
@@ -5188,15 +5578,19 @@
               </a:defRPr>
             </a:lvl9pPr>
           </a:lstStyle>
-          <a:p/>
+          <a:p>
+            <a:endParaRPr/>
+          </a:p>
         </p:txBody>
       </p:sp>
       <p:sp>
         <p:nvSpPr>
           <p:cNvPr id="60" name="Google Shape;60;p8"/>
-          <p:cNvSpPr txBox="1"/>
+          <p:cNvSpPr txBox="1">
+            <a:spLocks noGrp="1"/>
+          </p:cNvSpPr>
           <p:nvPr>
-            <p:ph idx="12" type="sldNum"/>
+            <p:ph type="sldNum" idx="12"/>
           </p:nvPr>
         </p:nvSpPr>
         <p:spPr>
@@ -5209,7 +5603,7 @@
           </a:prstGeom>
         </p:spPr>
         <p:txBody>
-          <a:bodyPr anchorCtr="0" anchor="ctr" bIns="91425" lIns="91425" spcFirstLastPara="1" rIns="91425" wrap="square" tIns="91425">
+          <a:bodyPr spcFirstLastPara="1" wrap="square" lIns="91425" tIns="91425" rIns="91425" bIns="91425" anchor="ctr" anchorCtr="0">
             <a:normAutofit/>
           </a:bodyPr>
           <a:lstStyle>
@@ -5287,7 +5681,7 @@
             </a:lvl9pPr>
           </a:lstStyle>
           <a:p>
-            <a:pPr indent="0" lvl="0" marL="0" rtl="0" algn="r">
+            <a:pPr marL="0" lvl="0" indent="0" algn="r" rtl="0">
               <a:spcBef>
                 <a:spcPts val="0"/>
               </a:spcBef>
@@ -5313,11 +5707,11 @@
 </file>
 
 <file path=ppt/slideLayouts/slideLayout8.xml><?xml version="1.0" encoding="utf-8"?>
-<p:sldLayout xmlns:a="http://schemas.openxmlformats.org/drawingml/2006/main" xmlns:r="http://schemas.openxmlformats.org/officeDocument/2006/relationships" xmlns:mc="http://schemas.openxmlformats.org/markup-compatibility/2006" xmlns:mv="urn:schemas-microsoft-com:mac:vml" xmlns:p="http://schemas.openxmlformats.org/presentationml/2006/main" xmlns:c="http://schemas.openxmlformats.org/drawingml/2006/chart" xmlns:dgm="http://schemas.openxmlformats.org/drawingml/2006/diagram" xmlns:o="urn:schemas-microsoft-com:office:office" xmlns:v="urn:schemas-microsoft-com:vml" xmlns:pvml="urn:schemas-microsoft-com:office:powerpoint" xmlns:com="http://schemas.openxmlformats.org/drawingml/2006/compatibility" xmlns:p14="http://schemas.microsoft.com/office/powerpoint/2010/main" xmlns:p15="http://schemas.microsoft.com/office/powerpoint/2012/main" xmlns:ahyp="http://schemas.microsoft.com/office/drawing/2018/hyperlinkcolor" matchingName="Section title and description">
+<p:sldLayout xmlns:a="http://schemas.openxmlformats.org/drawingml/2006/main" xmlns:r="http://schemas.openxmlformats.org/officeDocument/2006/relationships" xmlns:p="http://schemas.openxmlformats.org/presentationml/2006/main" matchingName="Section title and description">
   <p:cSld name="SECTION_TITLE_AND_DESCRIPTION">
     <p:spTree>
       <p:nvGrpSpPr>
-        <p:cNvPr id="61" name="Shape 61"/>
+        <p:cNvPr id="1" name="Shape 61"/>
         <p:cNvGrpSpPr/>
         <p:nvPr/>
       </p:nvGrpSpPr>
@@ -5351,12 +5745,12 @@
           </a:ln>
         </p:spPr>
         <p:txBody>
-          <a:bodyPr anchorCtr="0" anchor="ctr" bIns="91425" lIns="91425" spcFirstLastPara="1" rIns="91425" wrap="square" tIns="91425">
+          <a:bodyPr spcFirstLastPara="1" wrap="square" lIns="91425" tIns="91425" rIns="91425" bIns="91425" anchor="ctr" anchorCtr="0">
             <a:noAutofit/>
           </a:bodyPr>
           <a:lstStyle/>
           <a:p>
-            <a:pPr indent="0" lvl="0" marL="0" rtl="0" algn="l">
+            <a:pPr marL="0" lvl="0" indent="0" algn="l" rtl="0">
               <a:spcBef>
                 <a:spcPts val="0"/>
               </a:spcBef>
@@ -5365,9 +5759,6 @@
               </a:spcAft>
               <a:buNone/>
             </a:pPr>
-            <a:r>
-              <a:t/>
-            </a:r>
             <a:endParaRPr/>
           </a:p>
         </p:txBody>
@@ -5408,12 +5799,12 @@
             </a:ln>
           </p:spPr>
           <p:txBody>
-            <a:bodyPr anchorCtr="0" anchor="ctr" bIns="91425" lIns="91425" spcFirstLastPara="1" rIns="91425" wrap="square" tIns="91425">
+            <a:bodyPr spcFirstLastPara="1" wrap="square" lIns="91425" tIns="91425" rIns="91425" bIns="91425" anchor="ctr" anchorCtr="0">
               <a:noAutofit/>
             </a:bodyPr>
             <a:lstStyle/>
             <a:p>
-              <a:pPr indent="0" lvl="0" marL="0" rtl="0" algn="l">
+              <a:pPr marL="0" lvl="0" indent="0" algn="l" rtl="0">
                 <a:spcBef>
                   <a:spcPts val="0"/>
                 </a:spcBef>
@@ -5422,9 +5813,6 @@
                 </a:spcAft>
                 <a:buNone/>
               </a:pPr>
-              <a:r>
-                <a:t/>
-              </a:r>
               <a:endParaRPr/>
             </a:p>
           </p:txBody>
@@ -5451,12 +5839,12 @@
             </a:ln>
           </p:spPr>
           <p:txBody>
-            <a:bodyPr anchorCtr="0" anchor="ctr" bIns="91425" lIns="91425" spcFirstLastPara="1" rIns="91425" wrap="square" tIns="91425">
+            <a:bodyPr spcFirstLastPara="1" wrap="square" lIns="91425" tIns="91425" rIns="91425" bIns="91425" anchor="ctr" anchorCtr="0">
               <a:noAutofit/>
             </a:bodyPr>
             <a:lstStyle/>
             <a:p>
-              <a:pPr indent="0" lvl="0" marL="0" rtl="0" algn="l">
+              <a:pPr marL="0" lvl="0" indent="0" algn="l" rtl="0">
                 <a:spcBef>
                   <a:spcPts val="0"/>
                 </a:spcBef>
@@ -5465,9 +5853,6 @@
                 </a:spcAft>
                 <a:buNone/>
               </a:pPr>
-              <a:r>
-                <a:t/>
-              </a:r>
               <a:endParaRPr/>
             </a:p>
           </p:txBody>
@@ -5476,7 +5861,9 @@
       <p:sp>
         <p:nvSpPr>
           <p:cNvPr id="66" name="Google Shape;66;p9"/>
-          <p:cNvSpPr txBox="1"/>
+          <p:cNvSpPr txBox="1">
+            <a:spLocks noGrp="1"/>
+          </p:cNvSpPr>
           <p:nvPr>
             <p:ph type="title"/>
           </p:nvPr>
@@ -5491,7 +5878,7 @@
           </a:prstGeom>
         </p:spPr>
         <p:txBody>
-          <a:bodyPr anchorCtr="0" anchor="t" bIns="91425" lIns="91425" spcFirstLastPara="1" rIns="91425" wrap="square" tIns="91425">
+          <a:bodyPr spcFirstLastPara="1" wrap="square" lIns="91425" tIns="91425" rIns="91425" bIns="91425" anchor="t" anchorCtr="0">
             <a:normAutofit/>
           </a:bodyPr>
           <a:lstStyle>
@@ -5595,15 +5982,19 @@
               <a:defRPr sz="2600"/>
             </a:lvl9pPr>
           </a:lstStyle>
-          <a:p/>
+          <a:p>
+            <a:endParaRPr/>
+          </a:p>
         </p:txBody>
       </p:sp>
       <p:sp>
         <p:nvSpPr>
           <p:cNvPr id="67" name="Google Shape;67;p9"/>
-          <p:cNvSpPr txBox="1"/>
+          <p:cNvSpPr txBox="1">
+            <a:spLocks noGrp="1"/>
+          </p:cNvSpPr>
           <p:nvPr>
-            <p:ph idx="1" type="subTitle"/>
+            <p:ph type="subTitle" idx="1"/>
           </p:nvPr>
         </p:nvSpPr>
         <p:spPr>
@@ -5616,7 +6007,7 @@
           </a:prstGeom>
         </p:spPr>
         <p:txBody>
-          <a:bodyPr anchorCtr="0" anchor="t" bIns="91425" lIns="91425" spcFirstLastPara="1" rIns="91425" wrap="square" tIns="91425">
+          <a:bodyPr spcFirstLastPara="1" wrap="square" lIns="91425" tIns="91425" rIns="91425" bIns="91425" anchor="t" anchorCtr="0">
             <a:normAutofit/>
           </a:bodyPr>
           <a:lstStyle>
@@ -5747,15 +6138,19 @@
               <a:defRPr sz="1600"/>
             </a:lvl9pPr>
           </a:lstStyle>
-          <a:p/>
+          <a:p>
+            <a:endParaRPr/>
+          </a:p>
         </p:txBody>
       </p:sp>
       <p:sp>
         <p:nvSpPr>
           <p:cNvPr id="68" name="Google Shape;68;p9"/>
-          <p:cNvSpPr txBox="1"/>
+          <p:cNvSpPr txBox="1">
+            <a:spLocks noGrp="1"/>
+          </p:cNvSpPr>
           <p:nvPr>
-            <p:ph idx="2" type="body"/>
+            <p:ph type="body" idx="2"/>
           </p:nvPr>
         </p:nvSpPr>
         <p:spPr>
@@ -5768,11 +6163,11 @@
           </a:prstGeom>
         </p:spPr>
         <p:txBody>
-          <a:bodyPr anchorCtr="0" anchor="t" bIns="91425" lIns="91425" spcFirstLastPara="1" rIns="91425" wrap="square" tIns="91425">
+          <a:bodyPr spcFirstLastPara="1" wrap="square" lIns="91425" tIns="91425" rIns="91425" bIns="91425" anchor="t" anchorCtr="0">
             <a:normAutofit/>
           </a:bodyPr>
           <a:lstStyle>
-            <a:lvl1pPr indent="-311150" lvl="0" marL="457200">
+            <a:lvl1pPr marL="457200" lvl="0" indent="-311150">
               <a:spcBef>
                 <a:spcPts val="0"/>
               </a:spcBef>
@@ -5783,7 +6178,7 @@
               <a:buChar char="●"/>
               <a:defRPr/>
             </a:lvl1pPr>
-            <a:lvl2pPr indent="-298450" lvl="1" marL="914400">
+            <a:lvl2pPr marL="914400" lvl="1" indent="-298450">
               <a:spcBef>
                 <a:spcPts val="0"/>
               </a:spcBef>
@@ -5794,7 +6189,7 @@
               <a:buChar char="○"/>
               <a:defRPr/>
             </a:lvl2pPr>
-            <a:lvl3pPr indent="-298450" lvl="2" marL="1371600">
+            <a:lvl3pPr marL="1371600" lvl="2" indent="-298450">
               <a:spcBef>
                 <a:spcPts val="0"/>
               </a:spcBef>
@@ -5805,7 +6200,7 @@
               <a:buChar char="■"/>
               <a:defRPr/>
             </a:lvl3pPr>
-            <a:lvl4pPr indent="-298450" lvl="3" marL="1828800">
+            <a:lvl4pPr marL="1828800" lvl="3" indent="-298450">
               <a:spcBef>
                 <a:spcPts val="0"/>
               </a:spcBef>
@@ -5816,7 +6211,7 @@
               <a:buChar char="●"/>
               <a:defRPr/>
             </a:lvl4pPr>
-            <a:lvl5pPr indent="-298450" lvl="4" marL="2286000">
+            <a:lvl5pPr marL="2286000" lvl="4" indent="-298450">
               <a:spcBef>
                 <a:spcPts val="0"/>
               </a:spcBef>
@@ -5827,7 +6222,7 @@
               <a:buChar char="○"/>
               <a:defRPr/>
             </a:lvl5pPr>
-            <a:lvl6pPr indent="-298450" lvl="5" marL="2743200">
+            <a:lvl6pPr marL="2743200" lvl="5" indent="-298450">
               <a:spcBef>
                 <a:spcPts val="0"/>
               </a:spcBef>
@@ -5838,7 +6233,7 @@
               <a:buChar char="■"/>
               <a:defRPr/>
             </a:lvl6pPr>
-            <a:lvl7pPr indent="-298450" lvl="6" marL="3200400">
+            <a:lvl7pPr marL="3200400" lvl="6" indent="-298450">
               <a:spcBef>
                 <a:spcPts val="0"/>
               </a:spcBef>
@@ -5849,7 +6244,7 @@
               <a:buChar char="●"/>
               <a:defRPr/>
             </a:lvl7pPr>
-            <a:lvl8pPr indent="-298450" lvl="7" marL="3657600">
+            <a:lvl8pPr marL="3657600" lvl="7" indent="-298450">
               <a:spcBef>
                 <a:spcPts val="0"/>
               </a:spcBef>
@@ -5860,7 +6255,7 @@
               <a:buChar char="○"/>
               <a:defRPr/>
             </a:lvl8pPr>
-            <a:lvl9pPr indent="-298450" lvl="8" marL="4114800">
+            <a:lvl9pPr marL="4114800" lvl="8" indent="-298450">
               <a:spcBef>
                 <a:spcPts val="0"/>
               </a:spcBef>
@@ -5872,15 +6267,19 @@
               <a:defRPr/>
             </a:lvl9pPr>
           </a:lstStyle>
-          <a:p/>
+          <a:p>
+            <a:endParaRPr/>
+          </a:p>
         </p:txBody>
       </p:sp>
       <p:sp>
         <p:nvSpPr>
           <p:cNvPr id="69" name="Google Shape;69;p9"/>
-          <p:cNvSpPr txBox="1"/>
+          <p:cNvSpPr txBox="1">
+            <a:spLocks noGrp="1"/>
+          </p:cNvSpPr>
           <p:nvPr>
-            <p:ph idx="12" type="sldNum"/>
+            <p:ph type="sldNum" idx="12"/>
           </p:nvPr>
         </p:nvSpPr>
         <p:spPr>
@@ -5893,7 +6292,7 @@
           </a:prstGeom>
         </p:spPr>
         <p:txBody>
-          <a:bodyPr anchorCtr="0" anchor="ctr" bIns="91425" lIns="91425" spcFirstLastPara="1" rIns="91425" wrap="square" tIns="91425">
+          <a:bodyPr spcFirstLastPara="1" wrap="square" lIns="91425" tIns="91425" rIns="91425" bIns="91425" anchor="ctr" anchorCtr="0">
             <a:normAutofit/>
           </a:bodyPr>
           <a:lstStyle>
@@ -5935,7 +6334,7 @@
             </a:lvl9pPr>
           </a:lstStyle>
           <a:p>
-            <a:pPr indent="0" lvl="0" marL="0" rtl="0" algn="r">
+            <a:pPr marL="0" lvl="0" indent="0" algn="r" rtl="0">
               <a:spcBef>
                 <a:spcPts val="0"/>
               </a:spcBef>
@@ -5961,11 +6360,11 @@
 </file>
 
 <file path=ppt/slideLayouts/slideLayout9.xml><?xml version="1.0" encoding="utf-8"?>
-<p:sldLayout xmlns:a="http://schemas.openxmlformats.org/drawingml/2006/main" xmlns:r="http://schemas.openxmlformats.org/officeDocument/2006/relationships" xmlns:mc="http://schemas.openxmlformats.org/markup-compatibility/2006" xmlns:mv="urn:schemas-microsoft-com:mac:vml" xmlns:p="http://schemas.openxmlformats.org/presentationml/2006/main" xmlns:c="http://schemas.openxmlformats.org/drawingml/2006/chart" xmlns:dgm="http://schemas.openxmlformats.org/drawingml/2006/diagram" xmlns:o="urn:schemas-microsoft-com:office:office" xmlns:v="urn:schemas-microsoft-com:vml" xmlns:pvml="urn:schemas-microsoft-com:office:powerpoint" xmlns:com="http://schemas.openxmlformats.org/drawingml/2006/compatibility" xmlns:p14="http://schemas.microsoft.com/office/powerpoint/2010/main" xmlns:p15="http://schemas.microsoft.com/office/powerpoint/2012/main" xmlns:ahyp="http://schemas.microsoft.com/office/drawing/2018/hyperlinkcolor" matchingName="Caption">
+<p:sldLayout xmlns:a="http://schemas.openxmlformats.org/drawingml/2006/main" xmlns:r="http://schemas.openxmlformats.org/officeDocument/2006/relationships" xmlns:p="http://schemas.openxmlformats.org/presentationml/2006/main" matchingName="Caption">
   <p:cSld name="CAPTION_ONLY">
     <p:spTree>
       <p:nvGrpSpPr>
-        <p:cNvPr id="70" name="Shape 70"/>
+        <p:cNvPr id="1" name="Shape 70"/>
         <p:cNvGrpSpPr/>
         <p:nvPr/>
       </p:nvGrpSpPr>
@@ -5980,9 +6379,11 @@
       <p:sp>
         <p:nvSpPr>
           <p:cNvPr id="71" name="Google Shape;71;p10"/>
-          <p:cNvSpPr txBox="1"/>
+          <p:cNvSpPr txBox="1">
+            <a:spLocks noGrp="1"/>
+          </p:cNvSpPr>
           <p:nvPr>
-            <p:ph idx="1" type="body"/>
+            <p:ph type="body" idx="1"/>
           </p:nvPr>
         </p:nvSpPr>
         <p:spPr>
@@ -5995,11 +6396,11 @@
           </a:prstGeom>
         </p:spPr>
         <p:txBody>
-          <a:bodyPr anchorCtr="0" anchor="ctr" bIns="91425" lIns="91425" spcFirstLastPara="1" rIns="91425" wrap="square" tIns="91425">
+          <a:bodyPr spcFirstLastPara="1" wrap="square" lIns="91425" tIns="91425" rIns="91425" bIns="91425" anchor="ctr" anchorCtr="0">
             <a:normAutofit/>
           </a:bodyPr>
           <a:lstStyle>
-            <a:lvl1pPr indent="-228600" lvl="0" marL="457200">
+            <a:lvl1pPr marL="457200" lvl="0" indent="-228600">
               <a:lnSpc>
                 <a:spcPct val="100000"/>
               </a:lnSpc>
@@ -6014,15 +6415,19 @@
               <a:defRPr/>
             </a:lvl1pPr>
           </a:lstStyle>
-          <a:p/>
+          <a:p>
+            <a:endParaRPr/>
+          </a:p>
         </p:txBody>
       </p:sp>
       <p:sp>
         <p:nvSpPr>
           <p:cNvPr id="72" name="Google Shape;72;p10"/>
-          <p:cNvSpPr txBox="1"/>
+          <p:cNvSpPr txBox="1">
+            <a:spLocks noGrp="1"/>
+          </p:cNvSpPr>
           <p:nvPr>
-            <p:ph idx="12" type="sldNum"/>
+            <p:ph type="sldNum" idx="12"/>
           </p:nvPr>
         </p:nvSpPr>
         <p:spPr>
@@ -6035,7 +6440,7 @@
           </a:prstGeom>
         </p:spPr>
         <p:txBody>
-          <a:bodyPr anchorCtr="0" anchor="ctr" bIns="91425" lIns="91425" spcFirstLastPara="1" rIns="91425" wrap="square" tIns="91425">
+          <a:bodyPr spcFirstLastPara="1" wrap="square" lIns="91425" tIns="91425" rIns="91425" bIns="91425" anchor="ctr" anchorCtr="0">
             <a:normAutofit/>
           </a:bodyPr>
           <a:lstStyle>
@@ -6077,7 +6482,7 @@
             </a:lvl9pPr>
           </a:lstStyle>
           <a:p>
-            <a:pPr indent="0" lvl="0" marL="0" rtl="0" algn="r">
+            <a:pPr marL="0" lvl="0" indent="0" algn="r" rtl="0">
               <a:spcBef>
                 <a:spcPts val="0"/>
               </a:spcBef>
@@ -6103,18 +6508,19 @@
 </file>
 
 <file path=ppt/slideMasters/slideMaster1.xml><?xml version="1.0" encoding="utf-8"?>
-<p:sldMaster xmlns:a="http://schemas.openxmlformats.org/drawingml/2006/main" xmlns:r="http://schemas.openxmlformats.org/officeDocument/2006/relationships" xmlns:mc="http://schemas.openxmlformats.org/markup-compatibility/2006" xmlns:mv="urn:schemas-microsoft-com:mac:vml" xmlns:p="http://schemas.openxmlformats.org/presentationml/2006/main" xmlns:c="http://schemas.openxmlformats.org/drawingml/2006/chart" xmlns:dgm="http://schemas.openxmlformats.org/drawingml/2006/diagram" xmlns:o="urn:schemas-microsoft-com:office:office" xmlns:v="urn:schemas-microsoft-com:vml" xmlns:pvml="urn:schemas-microsoft-com:office:powerpoint" xmlns:com="http://schemas.openxmlformats.org/drawingml/2006/compatibility" xmlns:p14="http://schemas.microsoft.com/office/powerpoint/2010/main" xmlns:p15="http://schemas.microsoft.com/office/powerpoint/2012/main" xmlns:ahyp="http://schemas.microsoft.com/office/drawing/2018/hyperlinkcolor">
+<p:sldMaster xmlns:a="http://schemas.openxmlformats.org/drawingml/2006/main" xmlns:r="http://schemas.openxmlformats.org/officeDocument/2006/relationships" xmlns:p="http://schemas.openxmlformats.org/presentationml/2006/main">
   <p:cSld name="streamline">
     <p:bg>
       <p:bgPr>
         <a:solidFill>
           <a:schemeClr val="lt1"/>
         </a:solidFill>
+        <a:effectLst/>
       </p:bgPr>
     </p:bg>
     <p:spTree>
       <p:nvGrpSpPr>
-        <p:cNvPr id="5" name="Shape 5"/>
+        <p:cNvPr id="1" name="Shape 5"/>
         <p:cNvGrpSpPr/>
         <p:nvPr/>
       </p:nvGrpSpPr>
@@ -6129,7 +6535,9 @@
       <p:sp>
         <p:nvSpPr>
           <p:cNvPr id="6" name="Google Shape;6;p1"/>
-          <p:cNvSpPr txBox="1"/>
+          <p:cNvSpPr txBox="1">
+            <a:spLocks noGrp="1"/>
+          </p:cNvSpPr>
           <p:nvPr>
             <p:ph type="title"/>
           </p:nvPr>
@@ -6148,7 +6556,7 @@
           </a:ln>
         </p:spPr>
         <p:txBody>
-          <a:bodyPr anchorCtr="0" anchor="t" bIns="91425" lIns="91425" spcFirstLastPara="1" rIns="91425" wrap="square" tIns="91425">
+          <a:bodyPr spcFirstLastPara="1" wrap="square" lIns="91425" tIns="91425" rIns="91425" bIns="91425" anchor="t" anchorCtr="0">
             <a:normAutofit/>
           </a:bodyPr>
           <a:lstStyle>
@@ -6165,7 +6573,7 @@
               <a:buSzPts val="2800"/>
               <a:buFont typeface="Raleway"/>
               <a:buNone/>
-              <a:defRPr b="1" sz="2800">
+              <a:defRPr sz="2800" b="1">
                 <a:solidFill>
                   <a:schemeClr val="dk2"/>
                 </a:solidFill>
@@ -6188,7 +6596,7 @@
               <a:buSzPts val="2800"/>
               <a:buFont typeface="Raleway"/>
               <a:buNone/>
-              <a:defRPr b="1" sz="2800">
+              <a:defRPr sz="2800" b="1">
                 <a:solidFill>
                   <a:schemeClr val="dk2"/>
                 </a:solidFill>
@@ -6211,7 +6619,7 @@
               <a:buSzPts val="2800"/>
               <a:buFont typeface="Raleway"/>
               <a:buNone/>
-              <a:defRPr b="1" sz="2800">
+              <a:defRPr sz="2800" b="1">
                 <a:solidFill>
                   <a:schemeClr val="dk2"/>
                 </a:solidFill>
@@ -6234,7 +6642,7 @@
               <a:buSzPts val="2800"/>
               <a:buFont typeface="Raleway"/>
               <a:buNone/>
-              <a:defRPr b="1" sz="2800">
+              <a:defRPr sz="2800" b="1">
                 <a:solidFill>
                   <a:schemeClr val="dk2"/>
                 </a:solidFill>
@@ -6257,7 +6665,7 @@
               <a:buSzPts val="2800"/>
               <a:buFont typeface="Raleway"/>
               <a:buNone/>
-              <a:defRPr b="1" sz="2800">
+              <a:defRPr sz="2800" b="1">
                 <a:solidFill>
                   <a:schemeClr val="dk2"/>
                 </a:solidFill>
@@ -6280,7 +6688,7 @@
               <a:buSzPts val="2800"/>
               <a:buFont typeface="Raleway"/>
               <a:buNone/>
-              <a:defRPr b="1" sz="2800">
+              <a:defRPr sz="2800" b="1">
                 <a:solidFill>
                   <a:schemeClr val="dk2"/>
                 </a:solidFill>
@@ -6303,7 +6711,7 @@
               <a:buSzPts val="2800"/>
               <a:buFont typeface="Raleway"/>
               <a:buNone/>
-              <a:defRPr b="1" sz="2800">
+              <a:defRPr sz="2800" b="1">
                 <a:solidFill>
                   <a:schemeClr val="dk2"/>
                 </a:solidFill>
@@ -6326,7 +6734,7 @@
               <a:buSzPts val="2800"/>
               <a:buFont typeface="Raleway"/>
               <a:buNone/>
-              <a:defRPr b="1" sz="2800">
+              <a:defRPr sz="2800" b="1">
                 <a:solidFill>
                   <a:schemeClr val="dk2"/>
                 </a:solidFill>
@@ -6349,7 +6757,7 @@
               <a:buSzPts val="2800"/>
               <a:buFont typeface="Raleway"/>
               <a:buNone/>
-              <a:defRPr b="1" sz="2800">
+              <a:defRPr sz="2800" b="1">
                 <a:solidFill>
                   <a:schemeClr val="dk2"/>
                 </a:solidFill>
@@ -6360,15 +6768,19 @@
               </a:defRPr>
             </a:lvl9pPr>
           </a:lstStyle>
-          <a:p/>
+          <a:p>
+            <a:endParaRPr/>
+          </a:p>
         </p:txBody>
       </p:sp>
       <p:sp>
         <p:nvSpPr>
           <p:cNvPr id="7" name="Google Shape;7;p1"/>
-          <p:cNvSpPr txBox="1"/>
+          <p:cNvSpPr txBox="1">
+            <a:spLocks noGrp="1"/>
+          </p:cNvSpPr>
           <p:nvPr>
-            <p:ph idx="1" type="body"/>
+            <p:ph type="body" idx="1"/>
           </p:nvPr>
         </p:nvSpPr>
         <p:spPr>
@@ -6385,11 +6797,11 @@
           </a:ln>
         </p:spPr>
         <p:txBody>
-          <a:bodyPr anchorCtr="0" anchor="t" bIns="91425" lIns="91425" spcFirstLastPara="1" rIns="91425" wrap="square" tIns="91425">
+          <a:bodyPr spcFirstLastPara="1" wrap="square" lIns="91425" tIns="91425" rIns="91425" bIns="91425" anchor="t" anchorCtr="0">
             <a:normAutofit/>
           </a:bodyPr>
           <a:lstStyle>
-            <a:lvl1pPr indent="-311150" lvl="0" marL="457200">
+            <a:lvl1pPr marL="457200" lvl="0" indent="-311150">
               <a:lnSpc>
                 <a:spcPct val="115000"/>
               </a:lnSpc>
@@ -6415,7 +6827,7 @@
                 <a:sym typeface="Lato"/>
               </a:defRPr>
             </a:lvl1pPr>
-            <a:lvl2pPr indent="-298450" lvl="1" marL="914400">
+            <a:lvl2pPr marL="914400" lvl="1" indent="-298450">
               <a:lnSpc>
                 <a:spcPct val="115000"/>
               </a:lnSpc>
@@ -6441,7 +6853,7 @@
                 <a:sym typeface="Lato"/>
               </a:defRPr>
             </a:lvl2pPr>
-            <a:lvl3pPr indent="-298450" lvl="2" marL="1371600">
+            <a:lvl3pPr marL="1371600" lvl="2" indent="-298450">
               <a:lnSpc>
                 <a:spcPct val="115000"/>
               </a:lnSpc>
@@ -6467,7 +6879,7 @@
                 <a:sym typeface="Lato"/>
               </a:defRPr>
             </a:lvl3pPr>
-            <a:lvl4pPr indent="-298450" lvl="3" marL="1828800">
+            <a:lvl4pPr marL="1828800" lvl="3" indent="-298450">
               <a:lnSpc>
                 <a:spcPct val="115000"/>
               </a:lnSpc>
@@ -6493,7 +6905,7 @@
                 <a:sym typeface="Lato"/>
               </a:defRPr>
             </a:lvl4pPr>
-            <a:lvl5pPr indent="-298450" lvl="4" marL="2286000">
+            <a:lvl5pPr marL="2286000" lvl="4" indent="-298450">
               <a:lnSpc>
                 <a:spcPct val="115000"/>
               </a:lnSpc>
@@ -6519,7 +6931,7 @@
                 <a:sym typeface="Lato"/>
               </a:defRPr>
             </a:lvl5pPr>
-            <a:lvl6pPr indent="-298450" lvl="5" marL="2743200">
+            <a:lvl6pPr marL="2743200" lvl="5" indent="-298450">
               <a:lnSpc>
                 <a:spcPct val="115000"/>
               </a:lnSpc>
@@ -6545,7 +6957,7 @@
                 <a:sym typeface="Lato"/>
               </a:defRPr>
             </a:lvl6pPr>
-            <a:lvl7pPr indent="-298450" lvl="6" marL="3200400">
+            <a:lvl7pPr marL="3200400" lvl="6" indent="-298450">
               <a:lnSpc>
                 <a:spcPct val="115000"/>
               </a:lnSpc>
@@ -6571,7 +6983,7 @@
                 <a:sym typeface="Lato"/>
               </a:defRPr>
             </a:lvl7pPr>
-            <a:lvl8pPr indent="-298450" lvl="7" marL="3657600">
+            <a:lvl8pPr marL="3657600" lvl="7" indent="-298450">
               <a:lnSpc>
                 <a:spcPct val="115000"/>
               </a:lnSpc>
@@ -6597,7 +7009,7 @@
                 <a:sym typeface="Lato"/>
               </a:defRPr>
             </a:lvl8pPr>
-            <a:lvl9pPr indent="-298450" lvl="8" marL="4114800">
+            <a:lvl9pPr marL="4114800" lvl="8" indent="-298450">
               <a:lnSpc>
                 <a:spcPct val="115000"/>
               </a:lnSpc>
@@ -6624,15 +7036,19 @@
               </a:defRPr>
             </a:lvl9pPr>
           </a:lstStyle>
-          <a:p/>
+          <a:p>
+            <a:endParaRPr/>
+          </a:p>
         </p:txBody>
       </p:sp>
       <p:sp>
         <p:nvSpPr>
           <p:cNvPr id="8" name="Google Shape;8;p1"/>
-          <p:cNvSpPr txBox="1"/>
+          <p:cNvSpPr txBox="1">
+            <a:spLocks noGrp="1"/>
+          </p:cNvSpPr>
           <p:nvPr>
-            <p:ph idx="12" type="sldNum"/>
+            <p:ph type="sldNum" idx="12"/>
           </p:nvPr>
         </p:nvSpPr>
         <p:spPr>
@@ -6649,7 +7065,7 @@
           </a:ln>
         </p:spPr>
         <p:txBody>
-          <a:bodyPr anchorCtr="0" anchor="ctr" bIns="91425" lIns="91425" spcFirstLastPara="1" rIns="91425" wrap="square" tIns="91425">
+          <a:bodyPr spcFirstLastPara="1" wrap="square" lIns="91425" tIns="91425" rIns="91425" bIns="91425" anchor="ctr" anchorCtr="0">
             <a:normAutofit/>
           </a:bodyPr>
           <a:lstStyle>
@@ -6763,7 +7179,7 @@
             </a:lvl9pPr>
           </a:lstStyle>
           <a:p>
-            <a:pPr indent="0" lvl="0" marL="0" rtl="0" algn="r">
+            <a:pPr marL="0" lvl="0" indent="0" algn="r" rtl="0">
               <a:spcBef>
                 <a:spcPts val="0"/>
               </a:spcBef>
@@ -6782,7 +7198,7 @@
       </p:sp>
     </p:spTree>
   </p:cSld>
-  <p:clrMap accent1="accent1" accent2="accent2" accent3="accent3" accent4="accent4" accent5="accent5" accent6="accent6" bg1="lt1" bg2="dk2" tx1="dk1" tx2="lt2" folHlink="folHlink" hlink="hlink"/>
+  <p:clrMap bg1="lt1" tx1="dk1" bg2="dk2" tx2="lt2" accent1="accent1" accent2="accent2" accent3="accent3" accent4="accent4" accent5="accent5" accent6="accent6" hlink="hlink" folHlink="folHlink"/>
   <p:sldLayoutIdLst>
     <p:sldLayoutId id="2147483648" r:id="rId1"/>
     <p:sldLayoutId id="2147483649" r:id="rId2"/>
@@ -6796,10 +7212,10 @@
     <p:sldLayoutId id="2147483657" r:id="rId10"/>
     <p:sldLayoutId id="2147483658" r:id="rId11"/>
   </p:sldLayoutIdLst>
-  <p:hf dt="0" ftr="0" hdr="0" sldNum="0"/>
+  <p:hf sldNum="0" hdr="0" ftr="0" dt="0"/>
   <p:txStyles>
     <p:titleStyle>
-      <a:defPPr lvl="0" marR="0" rtl="0" algn="l">
+      <a:defPPr marR="0" lvl="0" algn="l" rtl="0">
         <a:lnSpc>
           <a:spcPct val="100000"/>
         </a:lnSpc>
@@ -6810,7 +7226,7 @@
           <a:spcPts val="0"/>
         </a:spcAft>
       </a:defPPr>
-      <a:lvl1pPr lvl="0" marR="0" rtl="0" algn="l">
+      <a:lvl1pPr marR="0" lvl="0" algn="l" rtl="0">
         <a:lnSpc>
           <a:spcPct val="100000"/>
         </a:lnSpc>
@@ -6824,7 +7240,7 @@
           <a:srgbClr val="000000"/>
         </a:buClr>
         <a:buFont typeface="Arial"/>
-        <a:defRPr b="0" i="0" sz="1400" u="none" cap="none" strike="noStrike">
+        <a:defRPr sz="1400" b="0" i="0" u="none" strike="noStrike" cap="none">
           <a:solidFill>
             <a:srgbClr val="000000"/>
           </a:solidFill>
@@ -6834,7 +7250,7 @@
           <a:sym typeface="Arial"/>
         </a:defRPr>
       </a:lvl1pPr>
-      <a:lvl2pPr lvl="1" marR="0" rtl="0" algn="l">
+      <a:lvl2pPr marR="0" lvl="1" algn="l" rtl="0">
         <a:lnSpc>
           <a:spcPct val="100000"/>
         </a:lnSpc>
@@ -6848,7 +7264,7 @@
           <a:srgbClr val="000000"/>
         </a:buClr>
         <a:buFont typeface="Arial"/>
-        <a:defRPr b="0" i="0" sz="1400" u="none" cap="none" strike="noStrike">
+        <a:defRPr sz="1400" b="0" i="0" u="none" strike="noStrike" cap="none">
           <a:solidFill>
             <a:srgbClr val="000000"/>
           </a:solidFill>
@@ -6858,7 +7274,7 @@
           <a:sym typeface="Arial"/>
         </a:defRPr>
       </a:lvl2pPr>
-      <a:lvl3pPr lvl="2" marR="0" rtl="0" algn="l">
+      <a:lvl3pPr marR="0" lvl="2" algn="l" rtl="0">
         <a:lnSpc>
           <a:spcPct val="100000"/>
         </a:lnSpc>
@@ -6872,7 +7288,7 @@
           <a:srgbClr val="000000"/>
         </a:buClr>
         <a:buFont typeface="Arial"/>
-        <a:defRPr b="0" i="0" sz="1400" u="none" cap="none" strike="noStrike">
+        <a:defRPr sz="1400" b="0" i="0" u="none" strike="noStrike" cap="none">
           <a:solidFill>
             <a:srgbClr val="000000"/>
           </a:solidFill>
@@ -6882,7 +7298,7 @@
           <a:sym typeface="Arial"/>
         </a:defRPr>
       </a:lvl3pPr>
-      <a:lvl4pPr lvl="3" marR="0" rtl="0" algn="l">
+      <a:lvl4pPr marR="0" lvl="3" algn="l" rtl="0">
         <a:lnSpc>
           <a:spcPct val="100000"/>
         </a:lnSpc>
@@ -6896,7 +7312,7 @@
           <a:srgbClr val="000000"/>
         </a:buClr>
         <a:buFont typeface="Arial"/>
-        <a:defRPr b="0" i="0" sz="1400" u="none" cap="none" strike="noStrike">
+        <a:defRPr sz="1400" b="0" i="0" u="none" strike="noStrike" cap="none">
           <a:solidFill>
             <a:srgbClr val="000000"/>
           </a:solidFill>
@@ -6906,7 +7322,7 @@
           <a:sym typeface="Arial"/>
         </a:defRPr>
       </a:lvl4pPr>
-      <a:lvl5pPr lvl="4" marR="0" rtl="0" algn="l">
+      <a:lvl5pPr marR="0" lvl="4" algn="l" rtl="0">
         <a:lnSpc>
           <a:spcPct val="100000"/>
         </a:lnSpc>
@@ -6920,7 +7336,7 @@
           <a:srgbClr val="000000"/>
         </a:buClr>
         <a:buFont typeface="Arial"/>
-        <a:defRPr b="0" i="0" sz="1400" u="none" cap="none" strike="noStrike">
+        <a:defRPr sz="1400" b="0" i="0" u="none" strike="noStrike" cap="none">
           <a:solidFill>
             <a:srgbClr val="000000"/>
           </a:solidFill>
@@ -6930,7 +7346,7 @@
           <a:sym typeface="Arial"/>
         </a:defRPr>
       </a:lvl5pPr>
-      <a:lvl6pPr lvl="5" marR="0" rtl="0" algn="l">
+      <a:lvl6pPr marR="0" lvl="5" algn="l" rtl="0">
         <a:lnSpc>
           <a:spcPct val="100000"/>
         </a:lnSpc>
@@ -6944,7 +7360,7 @@
           <a:srgbClr val="000000"/>
         </a:buClr>
         <a:buFont typeface="Arial"/>
-        <a:defRPr b="0" i="0" sz="1400" u="none" cap="none" strike="noStrike">
+        <a:defRPr sz="1400" b="0" i="0" u="none" strike="noStrike" cap="none">
           <a:solidFill>
             <a:srgbClr val="000000"/>
           </a:solidFill>
@@ -6954,7 +7370,7 @@
           <a:sym typeface="Arial"/>
         </a:defRPr>
       </a:lvl6pPr>
-      <a:lvl7pPr lvl="6" marR="0" rtl="0" algn="l">
+      <a:lvl7pPr marR="0" lvl="6" algn="l" rtl="0">
         <a:lnSpc>
           <a:spcPct val="100000"/>
         </a:lnSpc>
@@ -6968,7 +7384,7 @@
           <a:srgbClr val="000000"/>
         </a:buClr>
         <a:buFont typeface="Arial"/>
-        <a:defRPr b="0" i="0" sz="1400" u="none" cap="none" strike="noStrike">
+        <a:defRPr sz="1400" b="0" i="0" u="none" strike="noStrike" cap="none">
           <a:solidFill>
             <a:srgbClr val="000000"/>
           </a:solidFill>
@@ -6978,7 +7394,7 @@
           <a:sym typeface="Arial"/>
         </a:defRPr>
       </a:lvl7pPr>
-      <a:lvl8pPr lvl="7" marR="0" rtl="0" algn="l">
+      <a:lvl8pPr marR="0" lvl="7" algn="l" rtl="0">
         <a:lnSpc>
           <a:spcPct val="100000"/>
         </a:lnSpc>
@@ -6992,7 +7408,7 @@
           <a:srgbClr val="000000"/>
         </a:buClr>
         <a:buFont typeface="Arial"/>
-        <a:defRPr b="0" i="0" sz="1400" u="none" cap="none" strike="noStrike">
+        <a:defRPr sz="1400" b="0" i="0" u="none" strike="noStrike" cap="none">
           <a:solidFill>
             <a:srgbClr val="000000"/>
           </a:solidFill>
@@ -7002,7 +7418,7 @@
           <a:sym typeface="Arial"/>
         </a:defRPr>
       </a:lvl8pPr>
-      <a:lvl9pPr lvl="8" marR="0" rtl="0" algn="l">
+      <a:lvl9pPr marR="0" lvl="8" algn="l" rtl="0">
         <a:lnSpc>
           <a:spcPct val="100000"/>
         </a:lnSpc>
@@ -7016,7 +7432,7 @@
           <a:srgbClr val="000000"/>
         </a:buClr>
         <a:buFont typeface="Arial"/>
-        <a:defRPr b="0" i="0" sz="1400" u="none" cap="none" strike="noStrike">
+        <a:defRPr sz="1400" b="0" i="0" u="none" strike="noStrike" cap="none">
           <a:solidFill>
             <a:srgbClr val="000000"/>
           </a:solidFill>
@@ -7028,7 +7444,7 @@
       </a:lvl9pPr>
     </p:titleStyle>
     <p:bodyStyle>
-      <a:defPPr lvl="0" marR="0" rtl="0" algn="l">
+      <a:defPPr marR="0" lvl="0" algn="l" rtl="0">
         <a:lnSpc>
           <a:spcPct val="100000"/>
         </a:lnSpc>
@@ -7039,7 +7455,7 @@
           <a:spcPts val="0"/>
         </a:spcAft>
       </a:defPPr>
-      <a:lvl1pPr lvl="0" marR="0" rtl="0" algn="l">
+      <a:lvl1pPr marR="0" lvl="0" algn="l" rtl="0">
         <a:lnSpc>
           <a:spcPct val="100000"/>
         </a:lnSpc>
@@ -7053,7 +7469,7 @@
           <a:srgbClr val="000000"/>
         </a:buClr>
         <a:buFont typeface="Arial"/>
-        <a:defRPr b="0" i="0" sz="1400" u="none" cap="none" strike="noStrike">
+        <a:defRPr sz="1400" b="0" i="0" u="none" strike="noStrike" cap="none">
           <a:solidFill>
             <a:srgbClr val="000000"/>
           </a:solidFill>
@@ -7063,7 +7479,7 @@
           <a:sym typeface="Arial"/>
         </a:defRPr>
       </a:lvl1pPr>
-      <a:lvl2pPr lvl="1" marR="0" rtl="0" algn="l">
+      <a:lvl2pPr marR="0" lvl="1" algn="l" rtl="0">
         <a:lnSpc>
           <a:spcPct val="100000"/>
         </a:lnSpc>
@@ -7077,7 +7493,7 @@
           <a:srgbClr val="000000"/>
         </a:buClr>
         <a:buFont typeface="Arial"/>
-        <a:defRPr b="0" i="0" sz="1400" u="none" cap="none" strike="noStrike">
+        <a:defRPr sz="1400" b="0" i="0" u="none" strike="noStrike" cap="none">
           <a:solidFill>
             <a:srgbClr val="000000"/>
           </a:solidFill>
@@ -7087,7 +7503,7 @@
           <a:sym typeface="Arial"/>
         </a:defRPr>
       </a:lvl2pPr>
-      <a:lvl3pPr lvl="2" marR="0" rtl="0" algn="l">
+      <a:lvl3pPr marR="0" lvl="2" algn="l" rtl="0">
         <a:lnSpc>
           <a:spcPct val="100000"/>
         </a:lnSpc>
@@ -7101,7 +7517,7 @@
           <a:srgbClr val="000000"/>
         </a:buClr>
         <a:buFont typeface="Arial"/>
-        <a:defRPr b="0" i="0" sz="1400" u="none" cap="none" strike="noStrike">
+        <a:defRPr sz="1400" b="0" i="0" u="none" strike="noStrike" cap="none">
           <a:solidFill>
             <a:srgbClr val="000000"/>
           </a:solidFill>
@@ -7111,7 +7527,7 @@
           <a:sym typeface="Arial"/>
         </a:defRPr>
       </a:lvl3pPr>
-      <a:lvl4pPr lvl="3" marR="0" rtl="0" algn="l">
+      <a:lvl4pPr marR="0" lvl="3" algn="l" rtl="0">
         <a:lnSpc>
           <a:spcPct val="100000"/>
         </a:lnSpc>
@@ -7125,7 +7541,7 @@
           <a:srgbClr val="000000"/>
         </a:buClr>
         <a:buFont typeface="Arial"/>
-        <a:defRPr b="0" i="0" sz="1400" u="none" cap="none" strike="noStrike">
+        <a:defRPr sz="1400" b="0" i="0" u="none" strike="noStrike" cap="none">
           <a:solidFill>
             <a:srgbClr val="000000"/>
           </a:solidFill>
@@ -7135,7 +7551,7 @@
           <a:sym typeface="Arial"/>
         </a:defRPr>
       </a:lvl4pPr>
-      <a:lvl5pPr lvl="4" marR="0" rtl="0" algn="l">
+      <a:lvl5pPr marR="0" lvl="4" algn="l" rtl="0">
         <a:lnSpc>
           <a:spcPct val="100000"/>
         </a:lnSpc>
@@ -7149,7 +7565,7 @@
           <a:srgbClr val="000000"/>
         </a:buClr>
         <a:buFont typeface="Arial"/>
-        <a:defRPr b="0" i="0" sz="1400" u="none" cap="none" strike="noStrike">
+        <a:defRPr sz="1400" b="0" i="0" u="none" strike="noStrike" cap="none">
           <a:solidFill>
             <a:srgbClr val="000000"/>
           </a:solidFill>
@@ -7159,7 +7575,7 @@
           <a:sym typeface="Arial"/>
         </a:defRPr>
       </a:lvl5pPr>
-      <a:lvl6pPr lvl="5" marR="0" rtl="0" algn="l">
+      <a:lvl6pPr marR="0" lvl="5" algn="l" rtl="0">
         <a:lnSpc>
           <a:spcPct val="100000"/>
         </a:lnSpc>
@@ -7173,7 +7589,7 @@
           <a:srgbClr val="000000"/>
         </a:buClr>
         <a:buFont typeface="Arial"/>
-        <a:defRPr b="0" i="0" sz="1400" u="none" cap="none" strike="noStrike">
+        <a:defRPr sz="1400" b="0" i="0" u="none" strike="noStrike" cap="none">
           <a:solidFill>
             <a:srgbClr val="000000"/>
           </a:solidFill>
@@ -7183,7 +7599,7 @@
           <a:sym typeface="Arial"/>
         </a:defRPr>
       </a:lvl6pPr>
-      <a:lvl7pPr lvl="6" marR="0" rtl="0" algn="l">
+      <a:lvl7pPr marR="0" lvl="6" algn="l" rtl="0">
         <a:lnSpc>
           <a:spcPct val="100000"/>
         </a:lnSpc>
@@ -7197,7 +7613,7 @@
           <a:srgbClr val="000000"/>
         </a:buClr>
         <a:buFont typeface="Arial"/>
-        <a:defRPr b="0" i="0" sz="1400" u="none" cap="none" strike="noStrike">
+        <a:defRPr sz="1400" b="0" i="0" u="none" strike="noStrike" cap="none">
           <a:solidFill>
             <a:srgbClr val="000000"/>
           </a:solidFill>
@@ -7207,7 +7623,7 @@
           <a:sym typeface="Arial"/>
         </a:defRPr>
       </a:lvl7pPr>
-      <a:lvl8pPr lvl="7" marR="0" rtl="0" algn="l">
+      <a:lvl8pPr marR="0" lvl="7" algn="l" rtl="0">
         <a:lnSpc>
           <a:spcPct val="100000"/>
         </a:lnSpc>
@@ -7221,7 +7637,7 @@
           <a:srgbClr val="000000"/>
         </a:buClr>
         <a:buFont typeface="Arial"/>
-        <a:defRPr b="0" i="0" sz="1400" u="none" cap="none" strike="noStrike">
+        <a:defRPr sz="1400" b="0" i="0" u="none" strike="noStrike" cap="none">
           <a:solidFill>
             <a:srgbClr val="000000"/>
           </a:solidFill>
@@ -7231,7 +7647,7 @@
           <a:sym typeface="Arial"/>
         </a:defRPr>
       </a:lvl8pPr>
-      <a:lvl9pPr lvl="8" marR="0" rtl="0" algn="l">
+      <a:lvl9pPr marR="0" lvl="8" algn="l" rtl="0">
         <a:lnSpc>
           <a:spcPct val="100000"/>
         </a:lnSpc>
@@ -7245,7 +7661,7 @@
           <a:srgbClr val="000000"/>
         </a:buClr>
         <a:buFont typeface="Arial"/>
-        <a:defRPr b="0" i="0" sz="1400" u="none" cap="none" strike="noStrike">
+        <a:defRPr sz="1400" b="0" i="0" u="none" strike="noStrike" cap="none">
           <a:solidFill>
             <a:srgbClr val="000000"/>
           </a:solidFill>
@@ -7257,7 +7673,7 @@
       </a:lvl9pPr>
     </p:bodyStyle>
     <p:otherStyle>
-      <a:defPPr lvl="0" marR="0" rtl="0" algn="l">
+      <a:defPPr marR="0" lvl="0" algn="l" rtl="0">
         <a:lnSpc>
           <a:spcPct val="100000"/>
         </a:lnSpc>
@@ -7268,7 +7684,7 @@
           <a:spcPts val="0"/>
         </a:spcAft>
       </a:defPPr>
-      <a:lvl1pPr lvl="0" marR="0" rtl="0" algn="l">
+      <a:lvl1pPr marR="0" lvl="0" algn="l" rtl="0">
         <a:lnSpc>
           <a:spcPct val="100000"/>
         </a:lnSpc>
@@ -7282,7 +7698,7 @@
           <a:srgbClr val="000000"/>
         </a:buClr>
         <a:buFont typeface="Arial"/>
-        <a:defRPr b="0" i="0" sz="1400" u="none" cap="none" strike="noStrike">
+        <a:defRPr sz="1400" b="0" i="0" u="none" strike="noStrike" cap="none">
           <a:solidFill>
             <a:srgbClr val="000000"/>
           </a:solidFill>
@@ -7292,7 +7708,7 @@
           <a:sym typeface="Arial"/>
         </a:defRPr>
       </a:lvl1pPr>
-      <a:lvl2pPr lvl="1" marR="0" rtl="0" algn="l">
+      <a:lvl2pPr marR="0" lvl="1" algn="l" rtl="0">
         <a:lnSpc>
           <a:spcPct val="100000"/>
         </a:lnSpc>
@@ -7306,7 +7722,7 @@
           <a:srgbClr val="000000"/>
         </a:buClr>
         <a:buFont typeface="Arial"/>
-        <a:defRPr b="0" i="0" sz="1400" u="none" cap="none" strike="noStrike">
+        <a:defRPr sz="1400" b="0" i="0" u="none" strike="noStrike" cap="none">
           <a:solidFill>
             <a:srgbClr val="000000"/>
           </a:solidFill>
@@ -7316,7 +7732,7 @@
           <a:sym typeface="Arial"/>
         </a:defRPr>
       </a:lvl2pPr>
-      <a:lvl3pPr lvl="2" marR="0" rtl="0" algn="l">
+      <a:lvl3pPr marR="0" lvl="2" algn="l" rtl="0">
         <a:lnSpc>
           <a:spcPct val="100000"/>
         </a:lnSpc>
@@ -7330,7 +7746,7 @@
           <a:srgbClr val="000000"/>
         </a:buClr>
         <a:buFont typeface="Arial"/>
-        <a:defRPr b="0" i="0" sz="1400" u="none" cap="none" strike="noStrike">
+        <a:defRPr sz="1400" b="0" i="0" u="none" strike="noStrike" cap="none">
           <a:solidFill>
             <a:srgbClr val="000000"/>
           </a:solidFill>
@@ -7340,7 +7756,7 @@
           <a:sym typeface="Arial"/>
         </a:defRPr>
       </a:lvl3pPr>
-      <a:lvl4pPr lvl="3" marR="0" rtl="0" algn="l">
+      <a:lvl4pPr marR="0" lvl="3" algn="l" rtl="0">
         <a:lnSpc>
           <a:spcPct val="100000"/>
         </a:lnSpc>
@@ -7354,7 +7770,7 @@
           <a:srgbClr val="000000"/>
         </a:buClr>
         <a:buFont typeface="Arial"/>
-        <a:defRPr b="0" i="0" sz="1400" u="none" cap="none" strike="noStrike">
+        <a:defRPr sz="1400" b="0" i="0" u="none" strike="noStrike" cap="none">
           <a:solidFill>
             <a:srgbClr val="000000"/>
           </a:solidFill>
@@ -7364,7 +7780,7 @@
           <a:sym typeface="Arial"/>
         </a:defRPr>
       </a:lvl4pPr>
-      <a:lvl5pPr lvl="4" marR="0" rtl="0" algn="l">
+      <a:lvl5pPr marR="0" lvl="4" algn="l" rtl="0">
         <a:lnSpc>
           <a:spcPct val="100000"/>
         </a:lnSpc>
@@ -7378,7 +7794,7 @@
           <a:srgbClr val="000000"/>
         </a:buClr>
         <a:buFont typeface="Arial"/>
-        <a:defRPr b="0" i="0" sz="1400" u="none" cap="none" strike="noStrike">
+        <a:defRPr sz="1400" b="0" i="0" u="none" strike="noStrike" cap="none">
           <a:solidFill>
             <a:srgbClr val="000000"/>
           </a:solidFill>
@@ -7388,7 +7804,7 @@
           <a:sym typeface="Arial"/>
         </a:defRPr>
       </a:lvl5pPr>
-      <a:lvl6pPr lvl="5" marR="0" rtl="0" algn="l">
+      <a:lvl6pPr marR="0" lvl="5" algn="l" rtl="0">
         <a:lnSpc>
           <a:spcPct val="100000"/>
         </a:lnSpc>
@@ -7402,7 +7818,7 @@
           <a:srgbClr val="000000"/>
         </a:buClr>
         <a:buFont typeface="Arial"/>
-        <a:defRPr b="0" i="0" sz="1400" u="none" cap="none" strike="noStrike">
+        <a:defRPr sz="1400" b="0" i="0" u="none" strike="noStrike" cap="none">
           <a:solidFill>
             <a:srgbClr val="000000"/>
           </a:solidFill>
@@ -7412,7 +7828,7 @@
           <a:sym typeface="Arial"/>
         </a:defRPr>
       </a:lvl6pPr>
-      <a:lvl7pPr lvl="6" marR="0" rtl="0" algn="l">
+      <a:lvl7pPr marR="0" lvl="6" algn="l" rtl="0">
         <a:lnSpc>
           <a:spcPct val="100000"/>
         </a:lnSpc>
@@ -7426,7 +7842,7 @@
           <a:srgbClr val="000000"/>
         </a:buClr>
         <a:buFont typeface="Arial"/>
-        <a:defRPr b="0" i="0" sz="1400" u="none" cap="none" strike="noStrike">
+        <a:defRPr sz="1400" b="0" i="0" u="none" strike="noStrike" cap="none">
           <a:solidFill>
             <a:srgbClr val="000000"/>
           </a:solidFill>
@@ -7436,7 +7852,7 @@
           <a:sym typeface="Arial"/>
         </a:defRPr>
       </a:lvl7pPr>
-      <a:lvl8pPr lvl="7" marR="0" rtl="0" algn="l">
+      <a:lvl8pPr marR="0" lvl="7" algn="l" rtl="0">
         <a:lnSpc>
           <a:spcPct val="100000"/>
         </a:lnSpc>
@@ -7450,7 +7866,7 @@
           <a:srgbClr val="000000"/>
         </a:buClr>
         <a:buFont typeface="Arial"/>
-        <a:defRPr b="0" i="0" sz="1400" u="none" cap="none" strike="noStrike">
+        <a:defRPr sz="1400" b="0" i="0" u="none" strike="noStrike" cap="none">
           <a:solidFill>
             <a:srgbClr val="000000"/>
           </a:solidFill>
@@ -7460,7 +7876,7 @@
           <a:sym typeface="Arial"/>
         </a:defRPr>
       </a:lvl8pPr>
-      <a:lvl9pPr lvl="8" marR="0" rtl="0" algn="l">
+      <a:lvl9pPr marR="0" lvl="8" algn="l" rtl="0">
         <a:lnSpc>
           <a:spcPct val="100000"/>
         </a:lnSpc>
@@ -7474,7 +7890,7 @@
           <a:srgbClr val="000000"/>
         </a:buClr>
         <a:buFont typeface="Arial"/>
-        <a:defRPr b="0" i="0" sz="1400" u="none" cap="none" strike="noStrike">
+        <a:defRPr sz="1400" b="0" i="0" u="none" strike="noStrike" cap="none">
           <a:solidFill>
             <a:srgbClr val="000000"/>
           </a:solidFill>
@@ -7490,7 +7906,7 @@
 </file>
 
 <file path=ppt/slides/slide1.xml><?xml version="1.0" encoding="utf-8"?>
-<p:sld xmlns:a="http://schemas.openxmlformats.org/drawingml/2006/main" xmlns:r="http://schemas.openxmlformats.org/officeDocument/2006/relationships" xmlns:mc="http://schemas.openxmlformats.org/markup-compatibility/2006" xmlns:mv="urn:schemas-microsoft-com:mac:vml" xmlns:p="http://schemas.openxmlformats.org/presentationml/2006/main" xmlns:c="http://schemas.openxmlformats.org/drawingml/2006/chart" xmlns:dgm="http://schemas.openxmlformats.org/drawingml/2006/diagram" xmlns:o="urn:schemas-microsoft-com:office:office" xmlns:v="urn:schemas-microsoft-com:vml" xmlns:pvml="urn:schemas-microsoft-com:office:powerpoint" xmlns:com="http://schemas.openxmlformats.org/drawingml/2006/compatibility" xmlns:p14="http://schemas.microsoft.com/office/powerpoint/2010/main" xmlns:p15="http://schemas.microsoft.com/office/powerpoint/2012/main" xmlns:ahyp="http://schemas.microsoft.com/office/drawing/2018/hyperlinkcolor">
+<p:sld xmlns:a="http://schemas.openxmlformats.org/drawingml/2006/main" xmlns:r="http://schemas.openxmlformats.org/officeDocument/2006/relationships" xmlns:p="http://schemas.openxmlformats.org/presentationml/2006/main">
   <p:cSld>
     <p:bg>
       <p:bgPr>
@@ -7502,11 +7918,12 @@
             <a:fillRect/>
           </a:stretch>
         </a:blipFill>
+        <a:effectLst/>
       </p:bgPr>
     </p:bg>
     <p:spTree>
       <p:nvGrpSpPr>
-        <p:cNvPr id="85" name="Shape 85"/>
+        <p:cNvPr id="1" name="Shape 85"/>
         <p:cNvGrpSpPr/>
         <p:nvPr/>
       </p:nvGrpSpPr>
@@ -7521,7 +7938,9 @@
       <p:sp>
         <p:nvSpPr>
           <p:cNvPr id="86" name="Google Shape;86;p13"/>
-          <p:cNvSpPr txBox="1"/>
+          <p:cNvSpPr txBox="1">
+            <a:spLocks noGrp="1"/>
+          </p:cNvSpPr>
           <p:nvPr>
             <p:ph type="ctrTitle"/>
           </p:nvPr>
@@ -7536,12 +7955,12 @@
           </a:prstGeom>
         </p:spPr>
         <p:txBody>
-          <a:bodyPr anchorCtr="0" anchor="t" bIns="91425" lIns="91425" spcFirstLastPara="1" rIns="91425" wrap="square" tIns="91425">
+          <a:bodyPr spcFirstLastPara="1" wrap="square" lIns="91425" tIns="91425" rIns="91425" bIns="91425" anchor="t" anchorCtr="0">
             <a:normAutofit/>
           </a:bodyPr>
           <a:lstStyle/>
           <a:p>
-            <a:pPr indent="0" lvl="0" marL="0" rtl="0" algn="l">
+            <a:pPr marL="0" lvl="0" indent="0" algn="l" rtl="0">
               <a:spcBef>
                 <a:spcPts val="0"/>
               </a:spcBef>
@@ -7561,9 +7980,11 @@
       <p:sp>
         <p:nvSpPr>
           <p:cNvPr id="87" name="Google Shape;87;p13"/>
-          <p:cNvSpPr txBox="1"/>
+          <p:cNvSpPr txBox="1">
+            <a:spLocks noGrp="1"/>
+          </p:cNvSpPr>
           <p:nvPr>
-            <p:ph idx="1" type="subTitle"/>
+            <p:ph type="subTitle" idx="1"/>
           </p:nvPr>
         </p:nvSpPr>
         <p:spPr>
@@ -7576,12 +7997,12 @@
           </a:prstGeom>
         </p:spPr>
         <p:txBody>
-          <a:bodyPr anchorCtr="0" anchor="t" bIns="91425" lIns="91425" spcFirstLastPara="1" rIns="91425" wrap="square" tIns="91425">
-            <a:normAutofit fontScale="62500" lnSpcReduction="20000"/>
+          <a:bodyPr spcFirstLastPara="1" wrap="square" lIns="91425" tIns="91425" rIns="91425" bIns="91425" anchor="t" anchorCtr="0">
+            <a:normAutofit fontScale="70000" lnSpcReduction="20000"/>
           </a:bodyPr>
           <a:lstStyle/>
           <a:p>
-            <a:pPr indent="0" lvl="0" marL="0" rtl="0" algn="l">
+            <a:pPr marL="0" lvl="0" indent="0" algn="l" rtl="0">
               <a:spcBef>
                 <a:spcPts val="0"/>
               </a:spcBef>
@@ -7591,7 +8012,7 @@
               <a:buNone/>
             </a:pPr>
             <a:r>
-              <a:rPr b="1" lang="en" sz="4200">
+              <a:rPr lang="en" sz="4200" b="1" dirty="0">
                 <a:solidFill>
                   <a:schemeClr val="dk2"/>
                 </a:solidFill>
@@ -7600,9 +8021,9 @@
                 <a:cs typeface="Raleway"/>
                 <a:sym typeface="Raleway"/>
               </a:rPr>
-              <a:t>Formula 1 </a:t>
+              <a:t>Topic: Formula 1 </a:t>
             </a:r>
-            <a:endParaRPr/>
+            <a:endParaRPr dirty="0"/>
           </a:p>
         </p:txBody>
       </p:sp>
@@ -7614,8 +8035,8 @@
 </p:sld>
 </file>
 
-<file path=ppt/slides/slide2.xml><?xml version="1.0" encoding="utf-8"?>
-<p:sld xmlns:a="http://schemas.openxmlformats.org/drawingml/2006/main" xmlns:r="http://schemas.openxmlformats.org/officeDocument/2006/relationships" xmlns:mc="http://schemas.openxmlformats.org/markup-compatibility/2006" xmlns:mv="urn:schemas-microsoft-com:mac:vml" xmlns:p="http://schemas.openxmlformats.org/presentationml/2006/main" xmlns:c="http://schemas.openxmlformats.org/drawingml/2006/chart" xmlns:dgm="http://schemas.openxmlformats.org/drawingml/2006/diagram" xmlns:o="urn:schemas-microsoft-com:office:office" xmlns:v="urn:schemas-microsoft-com:vml" xmlns:pvml="urn:schemas-microsoft-com:office:powerpoint" xmlns:com="http://schemas.openxmlformats.org/drawingml/2006/compatibility" xmlns:p14="http://schemas.microsoft.com/office/powerpoint/2010/main" xmlns:p15="http://schemas.microsoft.com/office/powerpoint/2012/main" xmlns:ahyp="http://schemas.microsoft.com/office/drawing/2018/hyperlinkcolor">
+<file path=ppt/slides/slide10.xml><?xml version="1.0" encoding="utf-8"?>
+<p:sld xmlns:a="http://schemas.openxmlformats.org/drawingml/2006/main" xmlns:r="http://schemas.openxmlformats.org/officeDocument/2006/relationships" xmlns:p="http://schemas.openxmlformats.org/presentationml/2006/main">
   <p:cSld>
     <p:bg>
       <p:bgPr>
@@ -7627,11 +8048,12 @@
             <a:fillRect/>
           </a:stretch>
         </a:blipFill>
+        <a:effectLst/>
       </p:bgPr>
     </p:bg>
     <p:spTree>
       <p:nvGrpSpPr>
-        <p:cNvPr id="91" name="Shape 91"/>
+        <p:cNvPr id="1" name="Shape 97"/>
         <p:cNvGrpSpPr/>
         <p:nvPr/>
       </p:nvGrpSpPr>
@@ -7645,200 +8067,10 @@
       </p:grpSpPr>
       <p:sp>
         <p:nvSpPr>
-          <p:cNvPr id="92" name="Google Shape;92;p14"/>
-          <p:cNvSpPr txBox="1"/>
-          <p:nvPr>
-            <p:ph idx="1" type="body"/>
-          </p:nvPr>
-        </p:nvSpPr>
-        <p:spPr>
-          <a:xfrm>
-            <a:off x="729450" y="2078875"/>
-            <a:ext cx="7688700" cy="2261100"/>
-          </a:xfrm>
-          <a:prstGeom prst="rect">
-            <a:avLst/>
-          </a:prstGeom>
-        </p:spPr>
-        <p:txBody>
-          <a:bodyPr anchorCtr="0" anchor="t" bIns="91425" lIns="91425" spcFirstLastPara="1" rIns="91425" wrap="square" tIns="91425">
-            <a:normAutofit/>
-          </a:bodyPr>
-          <a:lstStyle/>
-          <a:p>
-            <a:pPr indent="-330200" lvl="0" marL="457200" rtl="0" algn="l">
-              <a:spcBef>
-                <a:spcPts val="0"/>
-              </a:spcBef>
-              <a:spcAft>
-                <a:spcPts val="0"/>
-              </a:spcAft>
-              <a:buClr>
-                <a:srgbClr val="0000FF"/>
-              </a:buClr>
-              <a:buSzPts val="1600"/>
-              <a:buChar char="●"/>
-            </a:pPr>
-            <a:r>
-              <a:rPr lang="en" sz="1600">
-                <a:solidFill>
-                  <a:srgbClr val="0000FF"/>
-                </a:solidFill>
-              </a:rPr>
-              <a:t>Filters based on countries or drivers with stats. </a:t>
-            </a:r>
-            <a:endParaRPr sz="1600">
-              <a:solidFill>
-                <a:srgbClr val="0000FF"/>
-              </a:solidFill>
-            </a:endParaRPr>
-          </a:p>
-          <a:p>
-            <a:pPr indent="-330200" lvl="0" marL="457200" rtl="0" algn="l">
-              <a:spcBef>
-                <a:spcPts val="0"/>
-              </a:spcBef>
-              <a:spcAft>
-                <a:spcPts val="0"/>
-              </a:spcAft>
-              <a:buClr>
-                <a:srgbClr val="0000FF"/>
-              </a:buClr>
-              <a:buSzPts val="1600"/>
-              <a:buChar char="●"/>
-            </a:pPr>
-            <a:r>
-              <a:rPr lang="en" sz="1600">
-                <a:solidFill>
-                  <a:srgbClr val="0000FF"/>
-                </a:solidFill>
-              </a:rPr>
-              <a:t>Bar charts with the total points from 2021  of each driver</a:t>
-            </a:r>
-            <a:endParaRPr sz="1600">
-              <a:solidFill>
-                <a:srgbClr val="0000FF"/>
-              </a:solidFill>
-            </a:endParaRPr>
-          </a:p>
-          <a:p>
-            <a:pPr indent="-330200" lvl="0" marL="457200" rtl="0" algn="l">
-              <a:spcBef>
-                <a:spcPts val="0"/>
-              </a:spcBef>
-              <a:spcAft>
-                <a:spcPts val="0"/>
-              </a:spcAft>
-              <a:buClr>
-                <a:srgbClr val="0000FF"/>
-              </a:buClr>
-              <a:buSzPts val="1600"/>
-              <a:buChar char="●"/>
-            </a:pPr>
-            <a:r>
-              <a:rPr lang="en" sz="1600">
-                <a:solidFill>
-                  <a:srgbClr val="0000FF"/>
-                </a:solidFill>
-              </a:rPr>
-              <a:t>Set the interaction where you can hover over each country and when the circuit has started.</a:t>
-            </a:r>
-            <a:endParaRPr sz="1600">
-              <a:solidFill>
-                <a:srgbClr val="0000FF"/>
-              </a:solidFill>
-            </a:endParaRPr>
-          </a:p>
-          <a:p>
-            <a:pPr indent="-330200" lvl="1" marL="914400" rtl="0" algn="l">
-              <a:spcBef>
-                <a:spcPts val="0"/>
-              </a:spcBef>
-              <a:spcAft>
-                <a:spcPts val="0"/>
-              </a:spcAft>
-              <a:buClr>
-                <a:srgbClr val="0000FF"/>
-              </a:buClr>
-              <a:buSzPts val="1600"/>
-              <a:buChar char="○"/>
-            </a:pPr>
-            <a:r>
-              <a:rPr lang="en" sz="1600">
-                <a:solidFill>
-                  <a:srgbClr val="0000FF"/>
-                </a:solidFill>
-              </a:rPr>
-              <a:t>In each country, it’ll have the top 3 drivers name.</a:t>
-            </a:r>
-            <a:endParaRPr sz="1600">
-              <a:solidFill>
-                <a:srgbClr val="0000FF"/>
-              </a:solidFill>
-            </a:endParaRPr>
-          </a:p>
-          <a:p>
-            <a:pPr indent="-330200" lvl="0" marL="457200" rtl="0" algn="l">
-              <a:spcBef>
-                <a:spcPts val="0"/>
-              </a:spcBef>
-              <a:spcAft>
-                <a:spcPts val="0"/>
-              </a:spcAft>
-              <a:buClr>
-                <a:srgbClr val="0000FF"/>
-              </a:buClr>
-              <a:buSzPts val="1600"/>
-              <a:buChar char="●"/>
-            </a:pPr>
-            <a:r>
-              <a:rPr lang="en" sz="1600">
-                <a:solidFill>
-                  <a:srgbClr val="0000FF"/>
-                </a:solidFill>
-              </a:rPr>
-              <a:t>In the circuit, have all the drivers stats for that race. </a:t>
-            </a:r>
-            <a:endParaRPr sz="1600">
-              <a:solidFill>
-                <a:srgbClr val="0000FF"/>
-              </a:solidFill>
-            </a:endParaRPr>
-          </a:p>
-          <a:p>
-            <a:pPr indent="-330200" lvl="0" marL="457200" rtl="0" algn="l">
-              <a:spcBef>
-                <a:spcPts val="0"/>
-              </a:spcBef>
-              <a:spcAft>
-                <a:spcPts val="0"/>
-              </a:spcAft>
-              <a:buClr>
-                <a:srgbClr val="0000FF"/>
-              </a:buClr>
-              <a:buSzPts val="1600"/>
-              <a:buChar char="●"/>
-            </a:pPr>
-            <a:r>
-              <a:rPr lang="en" sz="1600">
-                <a:solidFill>
-                  <a:srgbClr val="0000FF"/>
-                </a:solidFill>
-              </a:rPr>
-              <a:t>When clicked, it will produce tables and charts that are listed in the next slide. </a:t>
-            </a:r>
-            <a:endParaRPr sz="1600">
-              <a:solidFill>
-                <a:srgbClr val="0000FF"/>
-              </a:solidFill>
-            </a:endParaRPr>
-          </a:p>
-        </p:txBody>
-      </p:sp>
-      <p:sp>
-        <p:nvSpPr>
-          <p:cNvPr id="93" name="Google Shape;93;p14"/>
-          <p:cNvSpPr txBox="1"/>
+          <p:cNvPr id="98" name="Google Shape;98;p15"/>
+          <p:cNvSpPr txBox="1">
+            <a:spLocks noGrp="1"/>
+          </p:cNvSpPr>
           <p:nvPr>
             <p:ph type="title"/>
           </p:nvPr>
@@ -7853,89 +8085,12 @@
           </a:prstGeom>
         </p:spPr>
         <p:txBody>
-          <a:bodyPr anchorCtr="0" anchor="t" bIns="91425" lIns="91425" spcFirstLastPara="1" rIns="91425" wrap="square" tIns="91425">
+          <a:bodyPr spcFirstLastPara="1" wrap="square" lIns="91425" tIns="91425" rIns="91425" bIns="91425" anchor="t" anchorCtr="0">
             <a:normAutofit fontScale="90000"/>
           </a:bodyPr>
           <a:lstStyle/>
           <a:p>
-            <a:pPr indent="0" lvl="0" marL="0" rtl="0" algn="l">
-              <a:spcBef>
-                <a:spcPts val="0"/>
-              </a:spcBef>
-              <a:spcAft>
-                <a:spcPts val="0"/>
-              </a:spcAft>
-              <a:buNone/>
-            </a:pPr>
-            <a:r>
-              <a:rPr lang="en"/>
-              <a:t>Interactive Tableau</a:t>
-            </a:r>
-            <a:endParaRPr/>
-          </a:p>
-        </p:txBody>
-      </p:sp>
-    </p:spTree>
-  </p:cSld>
-  <p:clrMapOvr>
-    <a:masterClrMapping/>
-  </p:clrMapOvr>
-</p:sld>
-</file>
-
-<file path=ppt/slides/slide3.xml><?xml version="1.0" encoding="utf-8"?>
-<p:sld xmlns:a="http://schemas.openxmlformats.org/drawingml/2006/main" xmlns:r="http://schemas.openxmlformats.org/officeDocument/2006/relationships" xmlns:mc="http://schemas.openxmlformats.org/markup-compatibility/2006" xmlns:mv="urn:schemas-microsoft-com:mac:vml" xmlns:p="http://schemas.openxmlformats.org/presentationml/2006/main" xmlns:c="http://schemas.openxmlformats.org/drawingml/2006/chart" xmlns:dgm="http://schemas.openxmlformats.org/drawingml/2006/diagram" xmlns:o="urn:schemas-microsoft-com:office:office" xmlns:v="urn:schemas-microsoft-com:vml" xmlns:pvml="urn:schemas-microsoft-com:office:powerpoint" xmlns:com="http://schemas.openxmlformats.org/drawingml/2006/compatibility" xmlns:p14="http://schemas.microsoft.com/office/powerpoint/2010/main" xmlns:p15="http://schemas.microsoft.com/office/powerpoint/2012/main" xmlns:ahyp="http://schemas.microsoft.com/office/drawing/2018/hyperlinkcolor">
-  <p:cSld>
-    <p:bg>
-      <p:bgPr>
-        <a:blipFill>
-          <a:blip r:embed="rId3">
-            <a:alphaModFix/>
-          </a:blip>
-          <a:stretch>
-            <a:fillRect/>
-          </a:stretch>
-        </a:blipFill>
-      </p:bgPr>
-    </p:bg>
-    <p:spTree>
-      <p:nvGrpSpPr>
-        <p:cNvPr id="97" name="Shape 97"/>
-        <p:cNvGrpSpPr/>
-        <p:nvPr/>
-      </p:nvGrpSpPr>
-      <p:grpSpPr>
-        <a:xfrm>
-          <a:off x="0" y="0"/>
-          <a:ext cx="0" cy="0"/>
-          <a:chOff x="0" y="0"/>
-          <a:chExt cx="0" cy="0"/>
-        </a:xfrm>
-      </p:grpSpPr>
-      <p:sp>
-        <p:nvSpPr>
-          <p:cNvPr id="98" name="Google Shape;98;p15"/>
-          <p:cNvSpPr txBox="1"/>
-          <p:nvPr>
-            <p:ph type="title"/>
-          </p:nvPr>
-        </p:nvSpPr>
-        <p:spPr>
-          <a:xfrm>
-            <a:off x="729450" y="1318650"/>
-            <a:ext cx="7688700" cy="535200"/>
-          </a:xfrm>
-          <a:prstGeom prst="rect">
-            <a:avLst/>
-          </a:prstGeom>
-        </p:spPr>
-        <p:txBody>
-          <a:bodyPr anchorCtr="0" anchor="t" bIns="91425" lIns="91425" spcFirstLastPara="1" rIns="91425" wrap="square" tIns="91425">
-            <a:normAutofit fontScale="90000"/>
-          </a:bodyPr>
-          <a:lstStyle/>
-          <a:p>
-            <a:pPr indent="0" lvl="0" marL="0" marR="0" rtl="0" algn="l">
+            <a:pPr marL="0" marR="0" lvl="0" indent="0" algn="l" rtl="0">
               <a:lnSpc>
                 <a:spcPct val="100000"/>
               </a:lnSpc>
@@ -7966,9 +8121,11 @@
       <p:sp>
         <p:nvSpPr>
           <p:cNvPr id="99" name="Google Shape;99;p15"/>
-          <p:cNvSpPr txBox="1"/>
+          <p:cNvSpPr txBox="1">
+            <a:spLocks noGrp="1"/>
+          </p:cNvSpPr>
           <p:nvPr>
-            <p:ph idx="1" type="body"/>
+            <p:ph type="body" idx="1"/>
           </p:nvPr>
         </p:nvSpPr>
         <p:spPr>
@@ -7981,12 +8138,12 @@
           </a:prstGeom>
         </p:spPr>
         <p:txBody>
-          <a:bodyPr anchorCtr="0" anchor="t" bIns="91425" lIns="91425" spcFirstLastPara="1" rIns="91425" wrap="square" tIns="91425">
-            <a:normAutofit/>
+          <a:bodyPr spcFirstLastPara="1" wrap="square" lIns="91425" tIns="91425" rIns="91425" bIns="91425" anchor="t" anchorCtr="0">
+            <a:normAutofit fontScale="92500"/>
           </a:bodyPr>
           <a:lstStyle/>
           <a:p>
-            <a:pPr indent="0" lvl="0" marL="0" rtl="0" algn="l">
+            <a:pPr marL="0" lvl="0" indent="0" algn="l" rtl="0">
               <a:spcBef>
                 <a:spcPts val="0"/>
               </a:spcBef>
@@ -8010,7 +8167,7 @@
             </a:endParaRPr>
           </a:p>
           <a:p>
-            <a:pPr indent="-330200" lvl="0" marL="457200" rtl="0" algn="l">
+            <a:pPr marL="457200" lvl="0" indent="-330200" algn="l" rtl="0">
               <a:spcBef>
                 <a:spcPts val="1200"/>
               </a:spcBef>
@@ -8038,7 +8195,7 @@
             </a:endParaRPr>
           </a:p>
           <a:p>
-            <a:pPr indent="-330200" lvl="0" marL="457200" rtl="0" algn="l">
+            <a:pPr marL="457200" lvl="0" indent="-330200" algn="l" rtl="0">
               <a:spcBef>
                 <a:spcPts val="0"/>
               </a:spcBef>
@@ -8066,7 +8223,7 @@
             </a:endParaRPr>
           </a:p>
           <a:p>
-            <a:pPr indent="-330200" lvl="0" marL="457200" rtl="0" algn="l">
+            <a:pPr marL="457200" lvl="0" indent="-330200" algn="l" rtl="0">
               <a:spcBef>
                 <a:spcPts val="0"/>
               </a:spcBef>
@@ -8094,7 +8251,7 @@
             </a:endParaRPr>
           </a:p>
           <a:p>
-            <a:pPr indent="-330200" lvl="0" marL="457200" rtl="0" algn="l">
+            <a:pPr marL="457200" lvl="0" indent="-330200" algn="l" rtl="0">
               <a:spcBef>
                 <a:spcPts val="0"/>
               </a:spcBef>
@@ -8122,7 +8279,7 @@
             </a:endParaRPr>
           </a:p>
           <a:p>
-            <a:pPr indent="-330200" lvl="0" marL="457200" rtl="0" algn="l">
+            <a:pPr marL="457200" lvl="0" indent="-330200" algn="l" rtl="0">
               <a:spcBef>
                 <a:spcPts val="0"/>
               </a:spcBef>
@@ -8150,7 +8307,7 @@
             </a:endParaRPr>
           </a:p>
           <a:p>
-            <a:pPr indent="-330200" lvl="0" marL="457200" rtl="0" algn="l">
+            <a:pPr marL="457200" lvl="0" indent="-330200" algn="l" rtl="0">
               <a:spcBef>
                 <a:spcPts val="0"/>
               </a:spcBef>
@@ -8178,7 +8335,7 @@
             </a:endParaRPr>
           </a:p>
           <a:p>
-            <a:pPr indent="-330200" lvl="0" marL="457200" rtl="0" algn="l">
+            <a:pPr marL="457200" lvl="0" indent="-330200" algn="l" rtl="0">
               <a:spcBef>
                 <a:spcPts val="0"/>
               </a:spcBef>
@@ -8215,12 +8372,12 @@
 </p:sld>
 </file>
 
-<file path=ppt/slides/slide4.xml><?xml version="1.0" encoding="utf-8"?>
-<p:sld xmlns:a="http://schemas.openxmlformats.org/drawingml/2006/main" xmlns:r="http://schemas.openxmlformats.org/officeDocument/2006/relationships" xmlns:mc="http://schemas.openxmlformats.org/markup-compatibility/2006" xmlns:mv="urn:schemas-microsoft-com:mac:vml" xmlns:p="http://schemas.openxmlformats.org/presentationml/2006/main" xmlns:c="http://schemas.openxmlformats.org/drawingml/2006/chart" xmlns:dgm="http://schemas.openxmlformats.org/drawingml/2006/diagram" xmlns:o="urn:schemas-microsoft-com:office:office" xmlns:v="urn:schemas-microsoft-com:vml" xmlns:pvml="urn:schemas-microsoft-com:office:powerpoint" xmlns:com="http://schemas.openxmlformats.org/drawingml/2006/compatibility" xmlns:p14="http://schemas.microsoft.com/office/powerpoint/2010/main" xmlns:p15="http://schemas.microsoft.com/office/powerpoint/2012/main" xmlns:ahyp="http://schemas.microsoft.com/office/drawing/2018/hyperlinkcolor">
+<file path=ppt/slides/slide11.xml><?xml version="1.0" encoding="utf-8"?>
+<p:sld xmlns:a="http://schemas.openxmlformats.org/drawingml/2006/main" xmlns:r="http://schemas.openxmlformats.org/officeDocument/2006/relationships" xmlns:p="http://schemas.openxmlformats.org/presentationml/2006/main">
   <p:cSld>
     <p:spTree>
       <p:nvGrpSpPr>
-        <p:cNvPr id="103" name="Shape 103"/>
+        <p:cNvPr id="1" name="Shape 103"/>
         <p:cNvGrpSpPr/>
         <p:nvPr/>
       </p:nvGrpSpPr>
@@ -8235,7 +8392,9 @@
       <p:sp>
         <p:nvSpPr>
           <p:cNvPr id="104" name="Google Shape;104;p16"/>
-          <p:cNvSpPr txBox="1"/>
+          <p:cNvSpPr txBox="1">
+            <a:spLocks noGrp="1"/>
+          </p:cNvSpPr>
           <p:nvPr>
             <p:ph type="title"/>
           </p:nvPr>
@@ -8250,12 +8409,12 @@
           </a:prstGeom>
         </p:spPr>
         <p:txBody>
-          <a:bodyPr anchorCtr="0" anchor="t" bIns="91425" lIns="91425" spcFirstLastPara="1" rIns="91425" wrap="square" tIns="91425">
+          <a:bodyPr spcFirstLastPara="1" wrap="square" lIns="91425" tIns="91425" rIns="91425" bIns="91425" anchor="t" anchorCtr="0">
             <a:normAutofit fontScale="90000"/>
           </a:bodyPr>
           <a:lstStyle/>
           <a:p>
-            <a:pPr indent="0" lvl="0" marL="0" rtl="0" algn="l">
+            <a:pPr marL="0" lvl="0" indent="0" algn="l" rtl="0">
               <a:spcBef>
                 <a:spcPts val="0"/>
               </a:spcBef>
@@ -8275,9 +8434,11 @@
       <p:sp>
         <p:nvSpPr>
           <p:cNvPr id="105" name="Google Shape;105;p16"/>
-          <p:cNvSpPr txBox="1"/>
+          <p:cNvSpPr txBox="1">
+            <a:spLocks noGrp="1"/>
+          </p:cNvSpPr>
           <p:nvPr>
-            <p:ph idx="1" type="body"/>
+            <p:ph type="body" idx="1"/>
           </p:nvPr>
         </p:nvSpPr>
         <p:spPr>
@@ -8290,12 +8451,12 @@
           </a:prstGeom>
         </p:spPr>
         <p:txBody>
-          <a:bodyPr anchorCtr="0" anchor="t" bIns="91425" lIns="91425" spcFirstLastPara="1" rIns="91425" wrap="square" tIns="91425">
+          <a:bodyPr spcFirstLastPara="1" wrap="square" lIns="91425" tIns="91425" rIns="91425" bIns="91425" anchor="t" anchorCtr="0">
             <a:normAutofit/>
           </a:bodyPr>
           <a:lstStyle/>
           <a:p>
-            <a:pPr indent="0" lvl="0" marL="0" rtl="0" algn="l">
+            <a:pPr marL="0" lvl="0" indent="0" algn="l" rtl="0">
               <a:spcBef>
                 <a:spcPts val="0"/>
               </a:spcBef>
@@ -8311,7 +8472,7 @@
             <a:endParaRPr/>
           </a:p>
           <a:p>
-            <a:pPr indent="0" lvl="0" marL="0" rtl="0" algn="l">
+            <a:pPr marL="0" lvl="0" indent="0" algn="l" rtl="0">
               <a:spcBef>
                 <a:spcPts val="1200"/>
               </a:spcBef>
@@ -8327,7 +8488,7 @@
             <a:endParaRPr/>
           </a:p>
           <a:p>
-            <a:pPr indent="0" lvl="0" marL="0" rtl="0" algn="l">
+            <a:pPr marL="0" lvl="0" indent="0" algn="l" rtl="0">
               <a:spcBef>
                 <a:spcPts val="1200"/>
               </a:spcBef>
@@ -8336,9 +8497,6 @@
               </a:spcAft>
               <a:buNone/>
             </a:pPr>
-            <a:r>
-              <a:t/>
-            </a:r>
             <a:endParaRPr/>
           </a:p>
         </p:txBody>
@@ -8351,12 +8509,12 @@
 </p:sld>
 </file>
 
-<file path=ppt/slides/slide5.xml><?xml version="1.0" encoding="utf-8"?>
-<p:sld xmlns:a="http://schemas.openxmlformats.org/drawingml/2006/main" xmlns:r="http://schemas.openxmlformats.org/officeDocument/2006/relationships" xmlns:mc="http://schemas.openxmlformats.org/markup-compatibility/2006" xmlns:mv="urn:schemas-microsoft-com:mac:vml" xmlns:p="http://schemas.openxmlformats.org/presentationml/2006/main" xmlns:c="http://schemas.openxmlformats.org/drawingml/2006/chart" xmlns:dgm="http://schemas.openxmlformats.org/drawingml/2006/diagram" xmlns:o="urn:schemas-microsoft-com:office:office" xmlns:v="urn:schemas-microsoft-com:vml" xmlns:pvml="urn:schemas-microsoft-com:office:powerpoint" xmlns:com="http://schemas.openxmlformats.org/drawingml/2006/compatibility" xmlns:p14="http://schemas.microsoft.com/office/powerpoint/2010/main" xmlns:p15="http://schemas.microsoft.com/office/powerpoint/2012/main" xmlns:ahyp="http://schemas.microsoft.com/office/drawing/2018/hyperlinkcolor">
+<file path=ppt/slides/slide2.xml><?xml version="1.0" encoding="utf-8"?>
+<p:sld xmlns:a="http://schemas.openxmlformats.org/drawingml/2006/main" xmlns:r="http://schemas.openxmlformats.org/officeDocument/2006/relationships" xmlns:p="http://schemas.openxmlformats.org/presentationml/2006/main">
   <p:cSld>
     <p:spTree>
       <p:nvGrpSpPr>
-        <p:cNvPr id="109" name="Shape 109"/>
+        <p:cNvPr id="1" name="Shape 103"/>
         <p:cNvGrpSpPr/>
         <p:nvPr/>
       </p:nvGrpSpPr>
@@ -8368,10 +8526,42 @@
           <a:chExt cx="0" cy="0"/>
         </a:xfrm>
       </p:grpSpPr>
+      <p:pic>
+        <p:nvPicPr>
+          <p:cNvPr id="6" name="Picture 5" descr="A picture containing outdoor&#10;&#10;Description automatically generated">
+            <a:extLst>
+              <a:ext uri="{FF2B5EF4-FFF2-40B4-BE49-F238E27FC236}">
+                <a16:creationId xmlns:a16="http://schemas.microsoft.com/office/drawing/2014/main" id="{1525A790-7624-977F-37A5-5C9C6C02EFB7}"/>
+              </a:ext>
+            </a:extLst>
+          </p:cNvPr>
+          <p:cNvPicPr>
+            <a:picLocks noChangeAspect="1"/>
+          </p:cNvPicPr>
+          <p:nvPr/>
+        </p:nvPicPr>
+        <p:blipFill>
+          <a:blip r:embed="rId3"/>
+          <a:stretch>
+            <a:fillRect/>
+          </a:stretch>
+        </p:blipFill>
+        <p:spPr>
+          <a:xfrm>
+            <a:off x="3837760" y="1834803"/>
+            <a:ext cx="4885911" cy="2749244"/>
+          </a:xfrm>
+          <a:prstGeom prst="rect">
+            <a:avLst/>
+          </a:prstGeom>
+        </p:spPr>
+      </p:pic>
       <p:sp>
         <p:nvSpPr>
-          <p:cNvPr id="110" name="Google Shape;110;p17"/>
-          <p:cNvSpPr txBox="1"/>
+          <p:cNvPr id="104" name="Google Shape;104;p16"/>
+          <p:cNvSpPr txBox="1">
+            <a:spLocks noGrp="1"/>
+          </p:cNvSpPr>
           <p:nvPr>
             <p:ph type="title"/>
           </p:nvPr>
@@ -8386,12 +8576,12 @@
           </a:prstGeom>
         </p:spPr>
         <p:txBody>
-          <a:bodyPr anchorCtr="0" anchor="t" bIns="91425" lIns="91425" spcFirstLastPara="1" rIns="91425" wrap="square" tIns="91425">
+          <a:bodyPr spcFirstLastPara="1" wrap="square" lIns="91425" tIns="91425" rIns="91425" bIns="91425" anchor="t" anchorCtr="0">
             <a:normAutofit fontScale="90000"/>
           </a:bodyPr>
           <a:lstStyle/>
           <a:p>
-            <a:pPr indent="0" lvl="0" marL="0" rtl="0" algn="l">
+            <a:pPr marL="0" lvl="0" indent="0" algn="l" rtl="0">
               <a:spcBef>
                 <a:spcPts val="0"/>
               </a:spcBef>
@@ -8401,19 +8591,189 @@
               <a:buNone/>
             </a:pPr>
             <a:r>
-              <a:rPr lang="en"/>
-              <a:t>Least Weighted Dataset </a:t>
+              <a:rPr lang="en" dirty="0">
+                <a:solidFill>
+                  <a:schemeClr val="tx2">
+                    <a:lumMod val="25000"/>
+                  </a:schemeClr>
+                </a:solidFill>
+              </a:rPr>
+              <a:t>Reason why this topic:</a:t>
             </a:r>
-            <a:endParaRPr/>
+            <a:endParaRPr dirty="0">
+              <a:solidFill>
+                <a:schemeClr val="tx2">
+                  <a:lumMod val="25000"/>
+                </a:schemeClr>
+              </a:solidFill>
+            </a:endParaRPr>
+          </a:p>
+        </p:txBody>
+      </p:sp>
+      <p:sp>
+        <p:nvSpPr>
+          <p:cNvPr id="105" name="Google Shape;105;p16"/>
+          <p:cNvSpPr txBox="1">
+            <a:spLocks noGrp="1"/>
+          </p:cNvSpPr>
+          <p:nvPr>
+            <p:ph type="body" idx="1"/>
+          </p:nvPr>
+        </p:nvSpPr>
+        <p:spPr>
+          <a:xfrm>
+            <a:off x="729450" y="2078875"/>
+            <a:ext cx="2891279" cy="2139164"/>
+          </a:xfrm>
+          <a:prstGeom prst="rect">
+            <a:avLst/>
+          </a:prstGeom>
+        </p:spPr>
+        <p:txBody>
+          <a:bodyPr spcFirstLastPara="1" wrap="square" lIns="91425" tIns="91425" rIns="91425" bIns="91425" anchor="t" anchorCtr="0">
+            <a:normAutofit/>
+          </a:bodyPr>
+          <a:lstStyle/>
+          <a:p>
+            <a:pPr marL="0" lvl="0" indent="0" algn="l" rtl="0">
+              <a:spcBef>
+                <a:spcPts val="0"/>
+              </a:spcBef>
+              <a:spcAft>
+                <a:spcPts val="0"/>
+              </a:spcAft>
+              <a:buNone/>
+            </a:pPr>
+            <a:r>
+              <a:rPr lang="en-US" sz="1800" dirty="0">
+                <a:solidFill>
+                  <a:schemeClr val="tx2">
+                    <a:lumMod val="25000"/>
+                  </a:schemeClr>
+                </a:solidFill>
+              </a:rPr>
+              <a:t>Interesting sport due to many strategies to be a WCC/WDC. </a:t>
+            </a:r>
+            <a:endParaRPr sz="1800" dirty="0">
+              <a:solidFill>
+                <a:schemeClr val="tx2">
+                  <a:lumMod val="25000"/>
+                </a:schemeClr>
+              </a:solidFill>
+            </a:endParaRPr>
+          </a:p>
+        </p:txBody>
+      </p:sp>
+    </p:spTree>
+    <p:extLst>
+      <p:ext uri="{BB962C8B-B14F-4D97-AF65-F5344CB8AC3E}">
+        <p14:creationId xmlns:p14="http://schemas.microsoft.com/office/powerpoint/2010/main" val="476881477"/>
+      </p:ext>
+    </p:extLst>
+  </p:cSld>
+  <p:clrMapOvr>
+    <a:masterClrMapping/>
+  </p:clrMapOvr>
+</p:sld>
+</file>
+
+<file path=ppt/slides/slide3.xml><?xml version="1.0" encoding="utf-8"?>
+<p:sld xmlns:a="http://schemas.openxmlformats.org/drawingml/2006/main" xmlns:r="http://schemas.openxmlformats.org/officeDocument/2006/relationships" xmlns:p="http://schemas.openxmlformats.org/presentationml/2006/main">
+  <p:cSld>
+    <p:spTree>
+      <p:nvGrpSpPr>
+        <p:cNvPr id="1" name="Shape 109"/>
+        <p:cNvGrpSpPr/>
+        <p:nvPr/>
+      </p:nvGrpSpPr>
+      <p:grpSpPr>
+        <a:xfrm>
+          <a:off x="0" y="0"/>
+          <a:ext cx="0" cy="0"/>
+          <a:chOff x="0" y="0"/>
+          <a:chExt cx="0" cy="0"/>
+        </a:xfrm>
+      </p:grpSpPr>
+      <p:pic>
+        <p:nvPicPr>
+          <p:cNvPr id="3" name="Picture 2" descr="A screenshot of a computer&#10;&#10;Description automatically generated with medium confidence">
+            <a:extLst>
+              <a:ext uri="{FF2B5EF4-FFF2-40B4-BE49-F238E27FC236}">
+                <a16:creationId xmlns:a16="http://schemas.microsoft.com/office/drawing/2014/main" id="{53B0B19A-0BBA-8395-CD8C-3CE699219B66}"/>
+              </a:ext>
+            </a:extLst>
+          </p:cNvPr>
+          <p:cNvPicPr>
+            <a:picLocks noChangeAspect="1"/>
+          </p:cNvPicPr>
+          <p:nvPr/>
+        </p:nvPicPr>
+        <p:blipFill>
+          <a:blip r:embed="rId3"/>
+          <a:stretch>
+            <a:fillRect/>
+          </a:stretch>
+        </p:blipFill>
+        <p:spPr>
+          <a:xfrm>
+            <a:off x="1825055" y="2344903"/>
+            <a:ext cx="6389798" cy="2605549"/>
+          </a:xfrm>
+          <a:prstGeom prst="rect">
+            <a:avLst/>
+          </a:prstGeom>
+        </p:spPr>
+      </p:pic>
+      <p:sp>
+        <p:nvSpPr>
+          <p:cNvPr id="110" name="Google Shape;110;p17"/>
+          <p:cNvSpPr txBox="1">
+            <a:spLocks noGrp="1"/>
+          </p:cNvSpPr>
+          <p:nvPr>
+            <p:ph type="title"/>
+          </p:nvPr>
+        </p:nvSpPr>
+        <p:spPr>
+          <a:xfrm>
+            <a:off x="729450" y="1318650"/>
+            <a:ext cx="7688700" cy="535200"/>
+          </a:xfrm>
+          <a:prstGeom prst="rect">
+            <a:avLst/>
+          </a:prstGeom>
+        </p:spPr>
+        <p:txBody>
+          <a:bodyPr spcFirstLastPara="1" wrap="square" lIns="91425" tIns="91425" rIns="91425" bIns="91425" anchor="t" anchorCtr="0">
+            <a:normAutofit fontScale="90000"/>
+          </a:bodyPr>
+          <a:lstStyle/>
+          <a:p>
+            <a:pPr marL="0" lvl="0" indent="0" algn="l" rtl="0">
+              <a:spcBef>
+                <a:spcPts val="0"/>
+              </a:spcBef>
+              <a:spcAft>
+                <a:spcPts val="0"/>
+              </a:spcAft>
+              <a:buNone/>
+            </a:pPr>
+            <a:r>
+              <a:rPr lang="en" dirty="0"/>
+              <a:t>Source of Data</a:t>
+            </a:r>
+            <a:endParaRPr dirty="0"/>
           </a:p>
         </p:txBody>
       </p:sp>
       <p:sp>
         <p:nvSpPr>
           <p:cNvPr id="111" name="Google Shape;111;p17"/>
-          <p:cNvSpPr txBox="1"/>
+          <p:cNvSpPr txBox="1">
+            <a:spLocks noGrp="1"/>
+          </p:cNvSpPr>
           <p:nvPr>
-            <p:ph idx="1" type="body"/>
+            <p:ph type="body" idx="1"/>
           </p:nvPr>
         </p:nvSpPr>
         <p:spPr>
@@ -8426,12 +8786,947 @@
           </a:prstGeom>
         </p:spPr>
         <p:txBody>
-          <a:bodyPr anchorCtr="0" anchor="t" bIns="91425" lIns="91425" spcFirstLastPara="1" rIns="91425" wrap="square" tIns="91425">
+          <a:bodyPr spcFirstLastPara="1" wrap="square" lIns="91425" tIns="91425" rIns="91425" bIns="91425" anchor="t" anchorCtr="0">
             <a:normAutofit/>
           </a:bodyPr>
           <a:lstStyle/>
           <a:p>
-            <a:pPr indent="0" lvl="0" marL="0" rtl="0" algn="l">
+            <a:pPr marL="0" lvl="0" indent="0" algn="l" rtl="0">
+              <a:spcBef>
+                <a:spcPts val="0"/>
+              </a:spcBef>
+              <a:spcAft>
+                <a:spcPts val="0"/>
+              </a:spcAft>
+              <a:buNone/>
+            </a:pPr>
+            <a:r>
+              <a:rPr lang="en-US" sz="1800" dirty="0"/>
+              <a:t>Extracting from their website by web-scraping</a:t>
+            </a:r>
+            <a:endParaRPr sz="1800" dirty="0"/>
+          </a:p>
+        </p:txBody>
+      </p:sp>
+    </p:spTree>
+    <p:extLst>
+      <p:ext uri="{BB962C8B-B14F-4D97-AF65-F5344CB8AC3E}">
+        <p14:creationId xmlns:p14="http://schemas.microsoft.com/office/powerpoint/2010/main" val="397425963"/>
+      </p:ext>
+    </p:extLst>
+  </p:cSld>
+  <p:clrMapOvr>
+    <a:masterClrMapping/>
+  </p:clrMapOvr>
+</p:sld>
+</file>
+
+<file path=ppt/slides/slide4.xml><?xml version="1.0" encoding="utf-8"?>
+<p:sld xmlns:a="http://schemas.openxmlformats.org/drawingml/2006/main" xmlns:r="http://schemas.openxmlformats.org/officeDocument/2006/relationships" xmlns:p="http://schemas.openxmlformats.org/presentationml/2006/main">
+  <p:cSld>
+    <p:spTree>
+      <p:nvGrpSpPr>
+        <p:cNvPr id="1" name="Shape 103"/>
+        <p:cNvGrpSpPr/>
+        <p:nvPr/>
+      </p:nvGrpSpPr>
+      <p:grpSpPr>
+        <a:xfrm>
+          <a:off x="0" y="0"/>
+          <a:ext cx="0" cy="0"/>
+          <a:chOff x="0" y="0"/>
+          <a:chExt cx="0" cy="0"/>
+        </a:xfrm>
+      </p:grpSpPr>
+      <p:pic>
+        <p:nvPicPr>
+          <p:cNvPr id="2" name="Picture 1" descr="Graphical user interface&#10;&#10;Description automatically generated">
+            <a:extLst>
+              <a:ext uri="{FF2B5EF4-FFF2-40B4-BE49-F238E27FC236}">
+                <a16:creationId xmlns:a16="http://schemas.microsoft.com/office/drawing/2014/main" id="{5A9FF936-F9C7-B895-6058-860BD28DF2F1}"/>
+              </a:ext>
+            </a:extLst>
+          </p:cNvPr>
+          <p:cNvPicPr>
+            <a:picLocks noChangeAspect="1"/>
+          </p:cNvPicPr>
+          <p:nvPr/>
+        </p:nvPicPr>
+        <p:blipFill rotWithShape="1">
+          <a:blip r:embed="rId3"/>
+          <a:srcRect l="-111" t="7743" r="55127" b="47633"/>
+          <a:stretch/>
+        </p:blipFill>
+        <p:spPr>
+          <a:xfrm>
+            <a:off x="495916" y="803525"/>
+            <a:ext cx="7497710" cy="4056826"/>
+          </a:xfrm>
+          <a:prstGeom prst="rect">
+            <a:avLst/>
+          </a:prstGeom>
+        </p:spPr>
+      </p:pic>
+      <p:sp>
+        <p:nvSpPr>
+          <p:cNvPr id="104" name="Google Shape;104;p16"/>
+          <p:cNvSpPr txBox="1">
+            <a:spLocks noGrp="1"/>
+          </p:cNvSpPr>
+          <p:nvPr>
+            <p:ph type="title"/>
+          </p:nvPr>
+        </p:nvSpPr>
+        <p:spPr>
+          <a:xfrm>
+            <a:off x="729450" y="1318650"/>
+            <a:ext cx="7688700" cy="535200"/>
+          </a:xfrm>
+          <a:prstGeom prst="rect">
+            <a:avLst/>
+          </a:prstGeom>
+        </p:spPr>
+        <p:txBody>
+          <a:bodyPr spcFirstLastPara="1" wrap="square" lIns="91425" tIns="91425" rIns="91425" bIns="91425" anchor="t" anchorCtr="0">
+            <a:noAutofit/>
+          </a:bodyPr>
+          <a:lstStyle/>
+          <a:p>
+            <a:pPr marL="0" lvl="0" indent="0" algn="l" rtl="0">
+              <a:spcBef>
+                <a:spcPts val="0"/>
+              </a:spcBef>
+              <a:spcAft>
+                <a:spcPts val="0"/>
+              </a:spcAft>
+              <a:buNone/>
+            </a:pPr>
+            <a:r>
+              <a:rPr lang="en-US" sz="2400" dirty="0">
+                <a:solidFill>
+                  <a:schemeClr val="bg1"/>
+                </a:solidFill>
+              </a:rPr>
+              <a:t>What we’re answering:</a:t>
+            </a:r>
+            <a:endParaRPr sz="2400" dirty="0">
+              <a:solidFill>
+                <a:schemeClr val="bg1"/>
+              </a:solidFill>
+            </a:endParaRPr>
+          </a:p>
+        </p:txBody>
+      </p:sp>
+      <p:sp>
+        <p:nvSpPr>
+          <p:cNvPr id="105" name="Google Shape;105;p16"/>
+          <p:cNvSpPr txBox="1">
+            <a:spLocks noGrp="1"/>
+          </p:cNvSpPr>
+          <p:nvPr>
+            <p:ph type="body" idx="1"/>
+          </p:nvPr>
+        </p:nvSpPr>
+        <p:spPr>
+          <a:xfrm>
+            <a:off x="729450" y="2078875"/>
+            <a:ext cx="7688700" cy="2261100"/>
+          </a:xfrm>
+          <a:prstGeom prst="rect">
+            <a:avLst/>
+          </a:prstGeom>
+        </p:spPr>
+        <p:txBody>
+          <a:bodyPr spcFirstLastPara="1" wrap="square" lIns="91425" tIns="91425" rIns="91425" bIns="91425" anchor="t" anchorCtr="0">
+            <a:normAutofit/>
+          </a:bodyPr>
+          <a:lstStyle/>
+          <a:p>
+            <a:pPr marL="0" lvl="0" indent="0" algn="l" rtl="0">
+              <a:spcBef>
+                <a:spcPts val="0"/>
+              </a:spcBef>
+              <a:spcAft>
+                <a:spcPts val="0"/>
+              </a:spcAft>
+              <a:buNone/>
+            </a:pPr>
+            <a:r>
+              <a:rPr lang="en-US" sz="1800" dirty="0">
+                <a:solidFill>
+                  <a:schemeClr val="bg1"/>
+                </a:solidFill>
+              </a:rPr>
+              <a:t>Stats data to drive which features make up the top drivers/constructors. Using those features to predict the winning driver/constructors.</a:t>
+            </a:r>
+            <a:endParaRPr sz="1800" dirty="0">
+              <a:solidFill>
+                <a:schemeClr val="bg1"/>
+              </a:solidFill>
+            </a:endParaRPr>
+          </a:p>
+        </p:txBody>
+      </p:sp>
+    </p:spTree>
+    <p:extLst>
+      <p:ext uri="{BB962C8B-B14F-4D97-AF65-F5344CB8AC3E}">
+        <p14:creationId xmlns:p14="http://schemas.microsoft.com/office/powerpoint/2010/main" val="3943596833"/>
+      </p:ext>
+    </p:extLst>
+  </p:cSld>
+  <p:clrMapOvr>
+    <a:masterClrMapping/>
+  </p:clrMapOvr>
+</p:sld>
+</file>
+
+<file path=ppt/slides/slide5.xml><?xml version="1.0" encoding="utf-8"?>
+<p:sld xmlns:a="http://schemas.openxmlformats.org/drawingml/2006/main" xmlns:r="http://schemas.openxmlformats.org/officeDocument/2006/relationships" xmlns:p="http://schemas.openxmlformats.org/presentationml/2006/main">
+  <p:cSld>
+    <p:spTree>
+      <p:nvGrpSpPr>
+        <p:cNvPr id="1" name=""/>
+        <p:cNvGrpSpPr/>
+        <p:nvPr/>
+      </p:nvGrpSpPr>
+      <p:grpSpPr>
+        <a:xfrm>
+          <a:off x="0" y="0"/>
+          <a:ext cx="0" cy="0"/>
+          <a:chOff x="0" y="0"/>
+          <a:chExt cx="0" cy="0"/>
+        </a:xfrm>
+      </p:grpSpPr>
+      <p:sp>
+        <p:nvSpPr>
+          <p:cNvPr id="2" name="Title 1">
+            <a:extLst>
+              <a:ext uri="{FF2B5EF4-FFF2-40B4-BE49-F238E27FC236}">
+                <a16:creationId xmlns:a16="http://schemas.microsoft.com/office/drawing/2014/main" id="{20FE07B5-012B-63A7-3E4C-87E5FDB42F71}"/>
+              </a:ext>
+            </a:extLst>
+          </p:cNvPr>
+          <p:cNvSpPr>
+            <a:spLocks noGrp="1"/>
+          </p:cNvSpPr>
+          <p:nvPr>
+            <p:ph type="title"/>
+          </p:nvPr>
+        </p:nvSpPr>
+        <p:spPr/>
+        <p:txBody>
+          <a:bodyPr>
+            <a:normAutofit fontScale="90000"/>
+          </a:bodyPr>
+          <a:lstStyle/>
+          <a:p>
+            <a:r>
+              <a:rPr lang="en-US" dirty="0"/>
+              <a:t>Data Extraction: HTML </a:t>
+            </a:r>
+            <a:r>
+              <a:rPr lang="en-US" dirty="0" err="1"/>
+              <a:t>Webscraping</a:t>
+            </a:r>
+            <a:endParaRPr lang="en-US" dirty="0"/>
+          </a:p>
+        </p:txBody>
+      </p:sp>
+      <p:sp>
+        <p:nvSpPr>
+          <p:cNvPr id="3" name="Text Placeholder 2">
+            <a:extLst>
+              <a:ext uri="{FF2B5EF4-FFF2-40B4-BE49-F238E27FC236}">
+                <a16:creationId xmlns:a16="http://schemas.microsoft.com/office/drawing/2014/main" id="{7A4BED9F-99CB-C82A-C4C9-5F7DBDACA341}"/>
+              </a:ext>
+            </a:extLst>
+          </p:cNvPr>
+          <p:cNvSpPr>
+            <a:spLocks noGrp="1"/>
+          </p:cNvSpPr>
+          <p:nvPr>
+            <p:ph type="body" idx="1"/>
+          </p:nvPr>
+        </p:nvSpPr>
+        <p:spPr/>
+        <p:txBody>
+          <a:bodyPr/>
+          <a:lstStyle/>
+          <a:p>
+            <a:r>
+              <a:rPr lang="en-US" dirty="0"/>
+              <a:t>Pulling data from F1 website with </a:t>
+            </a:r>
+            <a:r>
+              <a:rPr lang="en-US" dirty="0" err="1"/>
+              <a:t>webscraping</a:t>
+            </a:r>
+            <a:r>
+              <a:rPr lang="en-US" dirty="0"/>
+              <a:t> and dependencies: </a:t>
+            </a:r>
+            <a:r>
+              <a:rPr lang="en-US" dirty="0" err="1"/>
+              <a:t>Beautifulsoup</a:t>
+            </a:r>
+            <a:r>
+              <a:rPr lang="en-US" dirty="0"/>
+              <a:t>, </a:t>
+            </a:r>
+            <a:r>
+              <a:rPr lang="en-US" dirty="0" err="1"/>
+              <a:t>GeckoDriverManager</a:t>
+            </a:r>
+            <a:r>
+              <a:rPr lang="en-US" dirty="0"/>
+              <a:t>, </a:t>
+            </a:r>
+            <a:r>
+              <a:rPr lang="en-US" dirty="0" err="1"/>
+              <a:t>StaleElementReferenceException</a:t>
+            </a:r>
+            <a:r>
+              <a:rPr lang="en-US" dirty="0"/>
+              <a:t>. </a:t>
+            </a:r>
+          </a:p>
+          <a:p>
+            <a:r>
+              <a:rPr lang="en-US" dirty="0"/>
+              <a:t>Pulling individual criteria tables and merging it to one data-frame.</a:t>
+            </a:r>
+          </a:p>
+        </p:txBody>
+      </p:sp>
+    </p:spTree>
+    <p:extLst>
+      <p:ext uri="{BB962C8B-B14F-4D97-AF65-F5344CB8AC3E}">
+        <p14:creationId xmlns:p14="http://schemas.microsoft.com/office/powerpoint/2010/main" val="68254199"/>
+      </p:ext>
+    </p:extLst>
+  </p:cSld>
+  <p:clrMapOvr>
+    <a:masterClrMapping/>
+  </p:clrMapOvr>
+</p:sld>
+</file>
+
+<file path=ppt/slides/slide6.xml><?xml version="1.0" encoding="utf-8"?>
+<p:sld xmlns:a="http://schemas.openxmlformats.org/drawingml/2006/main" xmlns:r="http://schemas.openxmlformats.org/officeDocument/2006/relationships" xmlns:p="http://schemas.openxmlformats.org/presentationml/2006/main">
+  <p:cSld>
+    <p:spTree>
+      <p:nvGrpSpPr>
+        <p:cNvPr id="1" name=""/>
+        <p:cNvGrpSpPr/>
+        <p:nvPr/>
+      </p:nvGrpSpPr>
+      <p:grpSpPr>
+        <a:xfrm>
+          <a:off x="0" y="0"/>
+          <a:ext cx="0" cy="0"/>
+          <a:chOff x="0" y="0"/>
+          <a:chExt cx="0" cy="0"/>
+        </a:xfrm>
+      </p:grpSpPr>
+      <p:sp>
+        <p:nvSpPr>
+          <p:cNvPr id="2" name="Title 1">
+            <a:extLst>
+              <a:ext uri="{FF2B5EF4-FFF2-40B4-BE49-F238E27FC236}">
+                <a16:creationId xmlns:a16="http://schemas.microsoft.com/office/drawing/2014/main" id="{040782E3-93AC-F3C9-732E-2456D994ACE4}"/>
+              </a:ext>
+            </a:extLst>
+          </p:cNvPr>
+          <p:cNvSpPr>
+            <a:spLocks noGrp="1"/>
+          </p:cNvSpPr>
+          <p:nvPr>
+            <p:ph type="title"/>
+          </p:nvPr>
+        </p:nvSpPr>
+        <p:spPr/>
+        <p:txBody>
+          <a:bodyPr>
+            <a:normAutofit fontScale="90000"/>
+          </a:bodyPr>
+          <a:lstStyle/>
+          <a:p>
+            <a:r>
+              <a:rPr lang="en-US" b="1" i="0" dirty="0">
+                <a:solidFill>
+                  <a:srgbClr val="24292F"/>
+                </a:solidFill>
+                <a:effectLst/>
+                <a:latin typeface="-apple-system"/>
+              </a:rPr>
+              <a:t>Transform and Cleaning Data</a:t>
+            </a:r>
+            <a:br>
+              <a:rPr lang="en-US" b="1" i="0" dirty="0">
+                <a:solidFill>
+                  <a:srgbClr val="24292F"/>
+                </a:solidFill>
+                <a:effectLst/>
+                <a:latin typeface="-apple-system"/>
+              </a:rPr>
+            </a:br>
+            <a:endParaRPr lang="en-US" dirty="0"/>
+          </a:p>
+        </p:txBody>
+      </p:sp>
+      <p:sp>
+        <p:nvSpPr>
+          <p:cNvPr id="3" name="Text Placeholder 2">
+            <a:extLst>
+              <a:ext uri="{FF2B5EF4-FFF2-40B4-BE49-F238E27FC236}">
+                <a16:creationId xmlns:a16="http://schemas.microsoft.com/office/drawing/2014/main" id="{44124C7E-156C-8B4B-90AD-0C4C52DE44C6}"/>
+              </a:ext>
+            </a:extLst>
+          </p:cNvPr>
+          <p:cNvSpPr>
+            <a:spLocks noGrp="1"/>
+          </p:cNvSpPr>
+          <p:nvPr>
+            <p:ph type="body" idx="1"/>
+          </p:nvPr>
+        </p:nvSpPr>
+        <p:spPr/>
+        <p:txBody>
+          <a:bodyPr/>
+          <a:lstStyle/>
+          <a:p>
+            <a:r>
+              <a:rPr lang="en-US" dirty="0"/>
+              <a:t>Cleaning the extracted data with pandas and </a:t>
+            </a:r>
+            <a:r>
+              <a:rPr lang="en-US" dirty="0" err="1"/>
+              <a:t>numpy</a:t>
+            </a:r>
+            <a:r>
+              <a:rPr lang="en-US" dirty="0"/>
+              <a:t>. </a:t>
+            </a:r>
+          </a:p>
+          <a:p>
+            <a:r>
+              <a:rPr lang="en-US" dirty="0"/>
+              <a:t>Clearing out N/As and enter default time for “NC”, “DQ”.  </a:t>
+            </a:r>
+          </a:p>
+        </p:txBody>
+      </p:sp>
+    </p:spTree>
+    <p:extLst>
+      <p:ext uri="{BB962C8B-B14F-4D97-AF65-F5344CB8AC3E}">
+        <p14:creationId xmlns:p14="http://schemas.microsoft.com/office/powerpoint/2010/main" val="3591479057"/>
+      </p:ext>
+    </p:extLst>
+  </p:cSld>
+  <p:clrMapOvr>
+    <a:masterClrMapping/>
+  </p:clrMapOvr>
+</p:sld>
+</file>
+
+<file path=ppt/slides/slide7.xml><?xml version="1.0" encoding="utf-8"?>
+<p:sld xmlns:a="http://schemas.openxmlformats.org/drawingml/2006/main" xmlns:r="http://schemas.openxmlformats.org/officeDocument/2006/relationships" xmlns:p="http://schemas.openxmlformats.org/presentationml/2006/main">
+  <p:cSld>
+    <p:spTree>
+      <p:nvGrpSpPr>
+        <p:cNvPr id="1" name=""/>
+        <p:cNvGrpSpPr/>
+        <p:nvPr/>
+      </p:nvGrpSpPr>
+      <p:grpSpPr>
+        <a:xfrm>
+          <a:off x="0" y="0"/>
+          <a:ext cx="0" cy="0"/>
+          <a:chOff x="0" y="0"/>
+          <a:chExt cx="0" cy="0"/>
+        </a:xfrm>
+      </p:grpSpPr>
+      <p:sp>
+        <p:nvSpPr>
+          <p:cNvPr id="2" name="Title 1">
+            <a:extLst>
+              <a:ext uri="{FF2B5EF4-FFF2-40B4-BE49-F238E27FC236}">
+                <a16:creationId xmlns:a16="http://schemas.microsoft.com/office/drawing/2014/main" id="{868B1905-CF1E-A876-D86D-9632D43974FB}"/>
+              </a:ext>
+            </a:extLst>
+          </p:cNvPr>
+          <p:cNvSpPr>
+            <a:spLocks noGrp="1"/>
+          </p:cNvSpPr>
+          <p:nvPr>
+            <p:ph type="title"/>
+          </p:nvPr>
+        </p:nvSpPr>
+        <p:spPr/>
+        <p:txBody>
+          <a:bodyPr>
+            <a:normAutofit fontScale="90000"/>
+          </a:bodyPr>
+          <a:lstStyle/>
+          <a:p>
+            <a:r>
+              <a:rPr lang="en-US" dirty="0"/>
+              <a:t>Database</a:t>
+            </a:r>
+          </a:p>
+        </p:txBody>
+      </p:sp>
+      <p:sp>
+        <p:nvSpPr>
+          <p:cNvPr id="3" name="Text Placeholder 2">
+            <a:extLst>
+              <a:ext uri="{FF2B5EF4-FFF2-40B4-BE49-F238E27FC236}">
+                <a16:creationId xmlns:a16="http://schemas.microsoft.com/office/drawing/2014/main" id="{7BE7543A-5A14-9122-FE0E-88D5D3296D20}"/>
+              </a:ext>
+            </a:extLst>
+          </p:cNvPr>
+          <p:cNvSpPr>
+            <a:spLocks noGrp="1"/>
+          </p:cNvSpPr>
+          <p:nvPr>
+            <p:ph type="body" idx="1"/>
+          </p:nvPr>
+        </p:nvSpPr>
+        <p:spPr/>
+        <p:txBody>
+          <a:bodyPr/>
+          <a:lstStyle/>
+          <a:p>
+            <a:r>
+              <a:rPr lang="en-US" dirty="0"/>
+              <a:t>Loading the data into MongoDB and flask. </a:t>
+            </a:r>
+          </a:p>
+        </p:txBody>
+      </p:sp>
+    </p:spTree>
+    <p:extLst>
+      <p:ext uri="{BB962C8B-B14F-4D97-AF65-F5344CB8AC3E}">
+        <p14:creationId xmlns:p14="http://schemas.microsoft.com/office/powerpoint/2010/main" val="3236569145"/>
+      </p:ext>
+    </p:extLst>
+  </p:cSld>
+  <p:clrMapOvr>
+    <a:masterClrMapping/>
+  </p:clrMapOvr>
+</p:sld>
+</file>
+
+<file path=ppt/slides/slide8.xml><?xml version="1.0" encoding="utf-8"?>
+<p:sld xmlns:a="http://schemas.openxmlformats.org/drawingml/2006/main" xmlns:r="http://schemas.openxmlformats.org/officeDocument/2006/relationships" xmlns:p="http://schemas.openxmlformats.org/presentationml/2006/main">
+  <p:cSld>
+    <p:spTree>
+      <p:nvGrpSpPr>
+        <p:cNvPr id="1" name="Shape 103"/>
+        <p:cNvGrpSpPr/>
+        <p:nvPr/>
+      </p:nvGrpSpPr>
+      <p:grpSpPr>
+        <a:xfrm>
+          <a:off x="0" y="0"/>
+          <a:ext cx="0" cy="0"/>
+          <a:chOff x="0" y="0"/>
+          <a:chExt cx="0" cy="0"/>
+        </a:xfrm>
+      </p:grpSpPr>
+      <p:sp>
+        <p:nvSpPr>
+          <p:cNvPr id="104" name="Google Shape;104;p16"/>
+          <p:cNvSpPr txBox="1">
+            <a:spLocks noGrp="1"/>
+          </p:cNvSpPr>
+          <p:nvPr>
+            <p:ph type="title"/>
+          </p:nvPr>
+        </p:nvSpPr>
+        <p:spPr>
+          <a:xfrm>
+            <a:off x="729450" y="1318650"/>
+            <a:ext cx="7688700" cy="535200"/>
+          </a:xfrm>
+          <a:prstGeom prst="rect">
+            <a:avLst/>
+          </a:prstGeom>
+        </p:spPr>
+        <p:txBody>
+          <a:bodyPr spcFirstLastPara="1" wrap="square" lIns="91425" tIns="91425" rIns="91425" bIns="91425" anchor="t" anchorCtr="0">
+            <a:normAutofit fontScale="90000"/>
+          </a:bodyPr>
+          <a:lstStyle/>
+          <a:p>
+            <a:pPr marL="0" lvl="0" indent="0" algn="l" rtl="0">
+              <a:spcBef>
+                <a:spcPts val="0"/>
+              </a:spcBef>
+              <a:spcAft>
+                <a:spcPts val="0"/>
+              </a:spcAft>
+              <a:buNone/>
+            </a:pPr>
+            <a:r>
+              <a:rPr lang="en" dirty="0"/>
+              <a:t>Machine Learning</a:t>
+            </a:r>
+            <a:endParaRPr dirty="0"/>
+          </a:p>
+        </p:txBody>
+      </p:sp>
+      <p:sp>
+        <p:nvSpPr>
+          <p:cNvPr id="105" name="Google Shape;105;p16"/>
+          <p:cNvSpPr txBox="1">
+            <a:spLocks noGrp="1"/>
+          </p:cNvSpPr>
+          <p:nvPr>
+            <p:ph type="body" idx="1"/>
+          </p:nvPr>
+        </p:nvSpPr>
+        <p:spPr>
+          <a:xfrm>
+            <a:off x="729450" y="2078875"/>
+            <a:ext cx="7688700" cy="2261100"/>
+          </a:xfrm>
+          <a:prstGeom prst="rect">
+            <a:avLst/>
+          </a:prstGeom>
+        </p:spPr>
+        <p:txBody>
+          <a:bodyPr spcFirstLastPara="1" wrap="square" lIns="91425" tIns="91425" rIns="91425" bIns="91425" anchor="t" anchorCtr="0">
+            <a:normAutofit/>
+          </a:bodyPr>
+          <a:lstStyle/>
+          <a:p>
+            <a:pPr marL="0" lvl="0" indent="0" algn="l" rtl="0">
+              <a:spcBef>
+                <a:spcPts val="0"/>
+              </a:spcBef>
+              <a:spcAft>
+                <a:spcPts val="0"/>
+              </a:spcAft>
+              <a:buNone/>
+            </a:pPr>
+            <a:r>
+              <a:rPr lang="en-US" dirty="0"/>
+              <a:t>Using </a:t>
+            </a:r>
+            <a:r>
+              <a:rPr lang="en-US" dirty="0" err="1"/>
+              <a:t>lightgbm</a:t>
+            </a:r>
+            <a:r>
+              <a:rPr lang="en-US" dirty="0"/>
+              <a:t> model to predict the winner for F1 season 2022.</a:t>
+            </a:r>
+          </a:p>
+          <a:p>
+            <a:pPr marL="0" lvl="0" indent="0" algn="l" rtl="0">
+              <a:spcBef>
+                <a:spcPts val="0"/>
+              </a:spcBef>
+              <a:spcAft>
+                <a:spcPts val="0"/>
+              </a:spcAft>
+              <a:buNone/>
+            </a:pPr>
+            <a:r>
+              <a:rPr lang="en-US" dirty="0"/>
+              <a:t>Features include: Fastest Lap NO, Avg Speed, Race Laps. </a:t>
+            </a:r>
+          </a:p>
+          <a:p>
+            <a:pPr marL="0" lvl="0" indent="0" algn="l" rtl="0">
+              <a:spcBef>
+                <a:spcPts val="0"/>
+              </a:spcBef>
+              <a:spcAft>
+                <a:spcPts val="0"/>
+              </a:spcAft>
+              <a:buNone/>
+            </a:pPr>
+            <a:endParaRPr lang="en-US" dirty="0"/>
+          </a:p>
+          <a:p>
+            <a:pPr marL="0" lvl="0" indent="0" algn="l" rtl="0">
+              <a:spcBef>
+                <a:spcPts val="0"/>
+              </a:spcBef>
+              <a:spcAft>
+                <a:spcPts val="0"/>
+              </a:spcAft>
+              <a:buNone/>
+            </a:pPr>
+            <a:endParaRPr lang="en-US" dirty="0"/>
+          </a:p>
+        </p:txBody>
+      </p:sp>
+    </p:spTree>
+    <p:extLst>
+      <p:ext uri="{BB962C8B-B14F-4D97-AF65-F5344CB8AC3E}">
+        <p14:creationId xmlns:p14="http://schemas.microsoft.com/office/powerpoint/2010/main" val="333348346"/>
+      </p:ext>
+    </p:extLst>
+  </p:cSld>
+  <p:clrMapOvr>
+    <a:masterClrMapping/>
+  </p:clrMapOvr>
+</p:sld>
+</file>
+
+<file path=ppt/slides/slide9.xml><?xml version="1.0" encoding="utf-8"?>
+<p:sld xmlns:a="http://schemas.openxmlformats.org/drawingml/2006/main" xmlns:r="http://schemas.openxmlformats.org/officeDocument/2006/relationships" xmlns:p="http://schemas.openxmlformats.org/presentationml/2006/main">
+  <p:cSld>
+    <p:bg>
+      <p:bgPr>
+        <a:blipFill>
+          <a:blip r:embed="rId3">
+            <a:alphaModFix/>
+          </a:blip>
+          <a:stretch>
+            <a:fillRect/>
+          </a:stretch>
+        </a:blipFill>
+        <a:effectLst/>
+      </p:bgPr>
+    </p:bg>
+    <p:spTree>
+      <p:nvGrpSpPr>
+        <p:cNvPr id="1" name="Shape 91"/>
+        <p:cNvGrpSpPr/>
+        <p:nvPr/>
+      </p:nvGrpSpPr>
+      <p:grpSpPr>
+        <a:xfrm>
+          <a:off x="0" y="0"/>
+          <a:ext cx="0" cy="0"/>
+          <a:chOff x="0" y="0"/>
+          <a:chExt cx="0" cy="0"/>
+        </a:xfrm>
+      </p:grpSpPr>
+      <p:sp>
+        <p:nvSpPr>
+          <p:cNvPr id="92" name="Google Shape;92;p14"/>
+          <p:cNvSpPr txBox="1">
+            <a:spLocks noGrp="1"/>
+          </p:cNvSpPr>
+          <p:nvPr>
+            <p:ph type="body" idx="1"/>
+          </p:nvPr>
+        </p:nvSpPr>
+        <p:spPr>
+          <a:xfrm>
+            <a:off x="729450" y="2078875"/>
+            <a:ext cx="7688700" cy="2261100"/>
+          </a:xfrm>
+          <a:prstGeom prst="rect">
+            <a:avLst/>
+          </a:prstGeom>
+        </p:spPr>
+        <p:txBody>
+          <a:bodyPr spcFirstLastPara="1" wrap="square" lIns="91425" tIns="91425" rIns="91425" bIns="91425" anchor="t" anchorCtr="0">
+            <a:normAutofit/>
+          </a:bodyPr>
+          <a:lstStyle/>
+          <a:p>
+            <a:pPr marL="457200" lvl="0" indent="-330200" algn="l" rtl="0">
+              <a:spcBef>
+                <a:spcPts val="0"/>
+              </a:spcBef>
+              <a:spcAft>
+                <a:spcPts val="0"/>
+              </a:spcAft>
+              <a:buClr>
+                <a:srgbClr val="0000FF"/>
+              </a:buClr>
+              <a:buSzPts val="1600"/>
+              <a:buChar char="●"/>
+            </a:pPr>
+            <a:r>
+              <a:rPr lang="en" sz="1600">
+                <a:solidFill>
+                  <a:srgbClr val="0000FF"/>
+                </a:solidFill>
+              </a:rPr>
+              <a:t>Filters based on countries or drivers with stats. </a:t>
+            </a:r>
+            <a:endParaRPr sz="1600">
+              <a:solidFill>
+                <a:srgbClr val="0000FF"/>
+              </a:solidFill>
+            </a:endParaRPr>
+          </a:p>
+          <a:p>
+            <a:pPr marL="457200" lvl="0" indent="-330200" algn="l" rtl="0">
+              <a:spcBef>
+                <a:spcPts val="0"/>
+              </a:spcBef>
+              <a:spcAft>
+                <a:spcPts val="0"/>
+              </a:spcAft>
+              <a:buClr>
+                <a:srgbClr val="0000FF"/>
+              </a:buClr>
+              <a:buSzPts val="1600"/>
+              <a:buChar char="●"/>
+            </a:pPr>
+            <a:r>
+              <a:rPr lang="en" sz="1600">
+                <a:solidFill>
+                  <a:srgbClr val="0000FF"/>
+                </a:solidFill>
+              </a:rPr>
+              <a:t>Bar charts with the total points from 2021  of each driver</a:t>
+            </a:r>
+            <a:endParaRPr sz="1600">
+              <a:solidFill>
+                <a:srgbClr val="0000FF"/>
+              </a:solidFill>
+            </a:endParaRPr>
+          </a:p>
+          <a:p>
+            <a:pPr marL="457200" lvl="0" indent="-330200" algn="l" rtl="0">
+              <a:spcBef>
+                <a:spcPts val="0"/>
+              </a:spcBef>
+              <a:spcAft>
+                <a:spcPts val="0"/>
+              </a:spcAft>
+              <a:buClr>
+                <a:srgbClr val="0000FF"/>
+              </a:buClr>
+              <a:buSzPts val="1600"/>
+              <a:buChar char="●"/>
+            </a:pPr>
+            <a:r>
+              <a:rPr lang="en" sz="1600">
+                <a:solidFill>
+                  <a:srgbClr val="0000FF"/>
+                </a:solidFill>
+              </a:rPr>
+              <a:t>Set the interaction where you can hover over each country and when the circuit has started.</a:t>
+            </a:r>
+            <a:endParaRPr sz="1600">
+              <a:solidFill>
+                <a:srgbClr val="0000FF"/>
+              </a:solidFill>
+            </a:endParaRPr>
+          </a:p>
+          <a:p>
+            <a:pPr marL="914400" lvl="1" indent="-330200" algn="l" rtl="0">
+              <a:spcBef>
+                <a:spcPts val="0"/>
+              </a:spcBef>
+              <a:spcAft>
+                <a:spcPts val="0"/>
+              </a:spcAft>
+              <a:buClr>
+                <a:srgbClr val="0000FF"/>
+              </a:buClr>
+              <a:buSzPts val="1600"/>
+              <a:buChar char="○"/>
+            </a:pPr>
+            <a:r>
+              <a:rPr lang="en" sz="1600">
+                <a:solidFill>
+                  <a:srgbClr val="0000FF"/>
+                </a:solidFill>
+              </a:rPr>
+              <a:t>In each country, it’ll have the top 3 drivers name.</a:t>
+            </a:r>
+            <a:endParaRPr sz="1600">
+              <a:solidFill>
+                <a:srgbClr val="0000FF"/>
+              </a:solidFill>
+            </a:endParaRPr>
+          </a:p>
+          <a:p>
+            <a:pPr marL="457200" lvl="0" indent="-330200" algn="l" rtl="0">
+              <a:spcBef>
+                <a:spcPts val="0"/>
+              </a:spcBef>
+              <a:spcAft>
+                <a:spcPts val="0"/>
+              </a:spcAft>
+              <a:buClr>
+                <a:srgbClr val="0000FF"/>
+              </a:buClr>
+              <a:buSzPts val="1600"/>
+              <a:buChar char="●"/>
+            </a:pPr>
+            <a:r>
+              <a:rPr lang="en" sz="1600">
+                <a:solidFill>
+                  <a:srgbClr val="0000FF"/>
+                </a:solidFill>
+              </a:rPr>
+              <a:t>In the circuit, have all the drivers stats for that race. </a:t>
+            </a:r>
+            <a:endParaRPr sz="1600">
+              <a:solidFill>
+                <a:srgbClr val="0000FF"/>
+              </a:solidFill>
+            </a:endParaRPr>
+          </a:p>
+          <a:p>
+            <a:pPr marL="457200" lvl="0" indent="-330200" algn="l" rtl="0">
+              <a:spcBef>
+                <a:spcPts val="0"/>
+              </a:spcBef>
+              <a:spcAft>
+                <a:spcPts val="0"/>
+              </a:spcAft>
+              <a:buClr>
+                <a:srgbClr val="0000FF"/>
+              </a:buClr>
+              <a:buSzPts val="1600"/>
+              <a:buChar char="●"/>
+            </a:pPr>
+            <a:r>
+              <a:rPr lang="en" sz="1600">
+                <a:solidFill>
+                  <a:srgbClr val="0000FF"/>
+                </a:solidFill>
+              </a:rPr>
+              <a:t>When clicked, it will produce tables and charts that are listed in the next slide. </a:t>
+            </a:r>
+            <a:endParaRPr sz="1600">
+              <a:solidFill>
+                <a:srgbClr val="0000FF"/>
+              </a:solidFill>
+            </a:endParaRPr>
+          </a:p>
+        </p:txBody>
+      </p:sp>
+      <p:sp>
+        <p:nvSpPr>
+          <p:cNvPr id="93" name="Google Shape;93;p14"/>
+          <p:cNvSpPr txBox="1">
+            <a:spLocks noGrp="1"/>
+          </p:cNvSpPr>
+          <p:nvPr>
+            <p:ph type="title"/>
+          </p:nvPr>
+        </p:nvSpPr>
+        <p:spPr>
+          <a:xfrm>
+            <a:off x="729450" y="1318650"/>
+            <a:ext cx="7688700" cy="535200"/>
+          </a:xfrm>
+          <a:prstGeom prst="rect">
+            <a:avLst/>
+          </a:prstGeom>
+        </p:spPr>
+        <p:txBody>
+          <a:bodyPr spcFirstLastPara="1" wrap="square" lIns="91425" tIns="91425" rIns="91425" bIns="91425" anchor="t" anchorCtr="0">
+            <a:normAutofit fontScale="90000"/>
+          </a:bodyPr>
+          <a:lstStyle/>
+          <a:p>
+            <a:pPr marL="0" lvl="0" indent="0" algn="l" rtl="0">
               <a:spcBef>
                 <a:spcPts val="0"/>
               </a:spcBef>
@@ -8442,71 +9737,7 @@
             </a:pPr>
             <a:r>
               <a:rPr lang="en"/>
-              <a:t>Laps (unless we could use the highest laps as an indicator)</a:t>
-            </a:r>
-            <a:endParaRPr/>
-          </a:p>
-          <a:p>
-            <a:pPr indent="0" lvl="0" marL="0" rtl="0" algn="l">
-              <a:spcBef>
-                <a:spcPts val="1200"/>
-              </a:spcBef>
-              <a:spcAft>
-                <a:spcPts val="0"/>
-              </a:spcAft>
-              <a:buNone/>
-            </a:pPr>
-            <a:r>
-              <a:rPr lang="en"/>
-              <a:t>Time/Retired</a:t>
-            </a:r>
-            <a:endParaRPr/>
-          </a:p>
-          <a:p>
-            <a:pPr indent="0" lvl="0" marL="0" rtl="0" algn="l">
-              <a:spcBef>
-                <a:spcPts val="1200"/>
-              </a:spcBef>
-              <a:spcAft>
-                <a:spcPts val="0"/>
-              </a:spcAft>
-              <a:buNone/>
-            </a:pPr>
-            <a:r>
-              <a:rPr lang="en"/>
-              <a:t>Stop Lap, Stop TOD, Stop Time since Stop Total Time is the total. </a:t>
-            </a:r>
-            <a:endParaRPr/>
-          </a:p>
-          <a:p>
-            <a:pPr indent="0" lvl="0" marL="0" rtl="0" algn="l">
-              <a:spcBef>
-                <a:spcPts val="1200"/>
-              </a:spcBef>
-              <a:spcAft>
-                <a:spcPts val="0"/>
-              </a:spcAft>
-              <a:buNone/>
-            </a:pPr>
-            <a:r>
-              <a:rPr lang="en"/>
-              <a:t>Qualifying Laps</a:t>
-            </a:r>
-            <a:endParaRPr/>
-          </a:p>
-          <a:p>
-            <a:pPr indent="0" lvl="0" marL="0" rtl="0" algn="l">
-              <a:spcBef>
-                <a:spcPts val="1200"/>
-              </a:spcBef>
-              <a:spcAft>
-                <a:spcPts val="1200"/>
-              </a:spcAft>
-              <a:buNone/>
-            </a:pPr>
-            <a:r>
-              <a:rPr lang="en"/>
-              <a:t>Practice Laps, Practice Gap</a:t>
+              <a:t>Interactive Tableau</a:t>
             </a:r>
             <a:endParaRPr/>
           </a:p>
@@ -8521,7 +9752,7 @@
 </file>
 
 <file path=ppt/theme/theme1.xml><?xml version="1.0" encoding="utf-8"?>
-<a:theme xmlns:a="http://schemas.openxmlformats.org/drawingml/2006/main" xmlns:r="http://schemas.openxmlformats.org/officeDocument/2006/relationships" name="Streamline">
+<a:theme xmlns:a="http://schemas.openxmlformats.org/drawingml/2006/main" name="Streamline">
   <a:themeElements>
     <a:clrScheme name="Streamline">
       <a:dk1>
@@ -8796,11 +10027,13 @@
       </a:bgFillStyleLst>
     </a:fmtScheme>
   </a:themeElements>
+  <a:objectDefaults/>
+  <a:extraClrSchemeLst/>
 </a:theme>
 </file>
 
 <file path=ppt/theme/theme2.xml><?xml version="1.0" encoding="utf-8"?>
-<a:theme xmlns:a="http://schemas.openxmlformats.org/drawingml/2006/main" xmlns:r="http://schemas.openxmlformats.org/officeDocument/2006/relationships">
+<a:theme xmlns:a="http://schemas.openxmlformats.org/drawingml/2006/main">
   <a:themeElements>
     <a:clrScheme name="Default">
       <a:dk1>
@@ -9075,5 +10308,7 @@
       </a:bgFillStyleLst>
     </a:fmtScheme>
   </a:themeElements>
+  <a:objectDefaults/>
+  <a:extraClrSchemeLst/>
 </a:theme>
 </file>
--- a/Final Project.pptx
+++ b/Final Project.pptx
@@ -12,12 +12,12 @@
     <p:sldId id="261" r:id="rId3"/>
     <p:sldId id="263" r:id="rId4"/>
     <p:sldId id="262" r:id="rId5"/>
-    <p:sldId id="267" r:id="rId6"/>
-    <p:sldId id="266" r:id="rId7"/>
-    <p:sldId id="265" r:id="rId8"/>
-    <p:sldId id="264" r:id="rId9"/>
-    <p:sldId id="257" r:id="rId10"/>
-    <p:sldId id="258" r:id="rId11"/>
+    <p:sldId id="268" r:id="rId6"/>
+    <p:sldId id="267" r:id="rId7"/>
+    <p:sldId id="266" r:id="rId8"/>
+    <p:sldId id="265" r:id="rId9"/>
+    <p:sldId id="264" r:id="rId10"/>
+    <p:sldId id="257" r:id="rId11"/>
     <p:sldId id="259" r:id="rId12"/>
   </p:sldIdLst>
   <p:sldSz cx="9144000" cy="5143500" type="screen16x9"/>
@@ -31,7 +31,7 @@
       <p:boldItalic r:id="rId17"/>
     </p:embeddedFont>
     <p:embeddedFont>
-      <p:font typeface="Raleway" panose="020B0604020202020204" pitchFamily="2" charset="0"/>
+      <p:font typeface="Raleway" pitchFamily="2" charset="0"/>
       <p:regular r:id="rId18"/>
       <p:bold r:id="rId19"/>
       <p:italic r:id="rId20"/>
@@ -1376,110 +1376,6 @@
 </file>
 
 <file path=ppt/notesSlides/notesSlide7.xml><?xml version="1.0" encoding="utf-8"?>
-<p:notes xmlns:a="http://schemas.openxmlformats.org/drawingml/2006/main" xmlns:r="http://schemas.openxmlformats.org/officeDocument/2006/relationships" xmlns:p="http://schemas.openxmlformats.org/presentationml/2006/main" showMasterSp="0" showMasterPhAnim="0">
-  <p:cSld>
-    <p:spTree>
-      <p:nvGrpSpPr>
-        <p:cNvPr id="1" name="Shape 94"/>
-        <p:cNvGrpSpPr/>
-        <p:nvPr/>
-      </p:nvGrpSpPr>
-      <p:grpSpPr>
-        <a:xfrm>
-          <a:off x="0" y="0"/>
-          <a:ext cx="0" cy="0"/>
-          <a:chOff x="0" y="0"/>
-          <a:chExt cx="0" cy="0"/>
-        </a:xfrm>
-      </p:grpSpPr>
-      <p:sp>
-        <p:nvSpPr>
-          <p:cNvPr id="95" name="Google Shape;95;g14388f9cfe0_0_0:notes"/>
-          <p:cNvSpPr>
-            <a:spLocks noGrp="1" noRot="1" noChangeAspect="1"/>
-          </p:cNvSpPr>
-          <p:nvPr>
-            <p:ph type="sldImg" idx="2"/>
-          </p:nvPr>
-        </p:nvSpPr>
-        <p:spPr>
-          <a:xfrm>
-            <a:off x="381000" y="685800"/>
-            <a:ext cx="6096000" cy="3429000"/>
-          </a:xfrm>
-          <a:custGeom>
-            <a:avLst/>
-            <a:gdLst/>
-            <a:ahLst/>
-            <a:cxnLst/>
-            <a:rect l="l" t="t" r="r" b="b"/>
-            <a:pathLst>
-              <a:path w="120000" h="120000" extrusionOk="0">
-                <a:moveTo>
-                  <a:pt x="0" y="0"/>
-                </a:moveTo>
-                <a:lnTo>
-                  <a:pt x="120000" y="0"/>
-                </a:lnTo>
-                <a:lnTo>
-                  <a:pt x="120000" y="120000"/>
-                </a:lnTo>
-                <a:lnTo>
-                  <a:pt x="0" y="120000"/>
-                </a:lnTo>
-                <a:close/>
-              </a:path>
-            </a:pathLst>
-          </a:custGeom>
-        </p:spPr>
-      </p:sp>
-      <p:sp>
-        <p:nvSpPr>
-          <p:cNvPr id="96" name="Google Shape;96;g14388f9cfe0_0_0:notes"/>
-          <p:cNvSpPr txBox="1">
-            <a:spLocks noGrp="1"/>
-          </p:cNvSpPr>
-          <p:nvPr>
-            <p:ph type="body" idx="1"/>
-          </p:nvPr>
-        </p:nvSpPr>
-        <p:spPr>
-          <a:xfrm>
-            <a:off x="685800" y="4343400"/>
-            <a:ext cx="5486400" cy="4114800"/>
-          </a:xfrm>
-          <a:prstGeom prst="rect">
-            <a:avLst/>
-          </a:prstGeom>
-        </p:spPr>
-        <p:txBody>
-          <a:bodyPr spcFirstLastPara="1" wrap="square" lIns="91425" tIns="91425" rIns="91425" bIns="91425" anchor="t" anchorCtr="0">
-            <a:noAutofit/>
-          </a:bodyPr>
-          <a:lstStyle/>
-          <a:p>
-            <a:pPr marL="0" lvl="0" indent="0" algn="l" rtl="0">
-              <a:spcBef>
-                <a:spcPts val="0"/>
-              </a:spcBef>
-              <a:spcAft>
-                <a:spcPts val="0"/>
-              </a:spcAft>
-              <a:buNone/>
-            </a:pPr>
-            <a:endParaRPr/>
-          </a:p>
-        </p:txBody>
-      </p:sp>
-    </p:spTree>
-  </p:cSld>
-  <p:clrMapOvr>
-    <a:masterClrMapping/>
-  </p:clrMapOvr>
-</p:notes>
-</file>
-
-<file path=ppt/notesSlides/notesSlide8.xml><?xml version="1.0" encoding="utf-8"?>
 <p:notes xmlns:a="http://schemas.openxmlformats.org/drawingml/2006/main" xmlns:r="http://schemas.openxmlformats.org/officeDocument/2006/relationships" xmlns:p="http://schemas.openxmlformats.org/presentationml/2006/main" showMasterSp="0" showMasterPhAnim="0">
   <p:cSld>
     <p:spTree>
@@ -8053,7 +7949,7 @@
     </p:bg>
     <p:spTree>
       <p:nvGrpSpPr>
-        <p:cNvPr id="1" name="Shape 97"/>
+        <p:cNvPr id="1" name="Shape 91"/>
         <p:cNvGrpSpPr/>
         <p:nvPr/>
       </p:nvGrpSpPr>
@@ -8067,7 +7963,201 @@
       </p:grpSpPr>
       <p:sp>
         <p:nvSpPr>
-          <p:cNvPr id="98" name="Google Shape;98;p15"/>
+          <p:cNvPr id="92" name="Google Shape;92;p14"/>
+          <p:cNvSpPr txBox="1">
+            <a:spLocks noGrp="1"/>
+          </p:cNvSpPr>
+          <p:nvPr>
+            <p:ph type="body" idx="1"/>
+          </p:nvPr>
+        </p:nvSpPr>
+        <p:spPr>
+          <a:xfrm>
+            <a:off x="729450" y="2078875"/>
+            <a:ext cx="7688700" cy="2261100"/>
+          </a:xfrm>
+          <a:prstGeom prst="rect">
+            <a:avLst/>
+          </a:prstGeom>
+        </p:spPr>
+        <p:txBody>
+          <a:bodyPr spcFirstLastPara="1" wrap="square" lIns="91425" tIns="91425" rIns="91425" bIns="91425" anchor="t" anchorCtr="0">
+            <a:normAutofit/>
+          </a:bodyPr>
+          <a:lstStyle/>
+          <a:p>
+            <a:pPr marL="457200" lvl="0" indent="-330200" algn="l" rtl="0">
+              <a:spcBef>
+                <a:spcPts val="0"/>
+              </a:spcBef>
+              <a:spcAft>
+                <a:spcPts val="0"/>
+              </a:spcAft>
+              <a:buClr>
+                <a:srgbClr val="0000FF"/>
+              </a:buClr>
+              <a:buSzPts val="1600"/>
+              <a:buChar char="●"/>
+            </a:pPr>
+            <a:r>
+              <a:rPr lang="en" sz="1600">
+                <a:solidFill>
+                  <a:srgbClr val="0000FF"/>
+                </a:solidFill>
+              </a:rPr>
+              <a:t>Filters based on countries or drivers with stats. </a:t>
+            </a:r>
+            <a:endParaRPr sz="1600">
+              <a:solidFill>
+                <a:srgbClr val="0000FF"/>
+              </a:solidFill>
+            </a:endParaRPr>
+          </a:p>
+          <a:p>
+            <a:pPr marL="457200" lvl="0" indent="-330200" algn="l" rtl="0">
+              <a:spcBef>
+                <a:spcPts val="0"/>
+              </a:spcBef>
+              <a:spcAft>
+                <a:spcPts val="0"/>
+              </a:spcAft>
+              <a:buClr>
+                <a:srgbClr val="0000FF"/>
+              </a:buClr>
+              <a:buSzPts val="1600"/>
+              <a:buChar char="●"/>
+            </a:pPr>
+            <a:r>
+              <a:rPr lang="en" sz="1600">
+                <a:solidFill>
+                  <a:srgbClr val="0000FF"/>
+                </a:solidFill>
+              </a:rPr>
+              <a:t>Bar charts with the total points from 2021  of each driver</a:t>
+            </a:r>
+            <a:endParaRPr sz="1600">
+              <a:solidFill>
+                <a:srgbClr val="0000FF"/>
+              </a:solidFill>
+            </a:endParaRPr>
+          </a:p>
+          <a:p>
+            <a:pPr marL="457200" lvl="0" indent="-330200" algn="l" rtl="0">
+              <a:spcBef>
+                <a:spcPts val="0"/>
+              </a:spcBef>
+              <a:spcAft>
+                <a:spcPts val="0"/>
+              </a:spcAft>
+              <a:buClr>
+                <a:srgbClr val="0000FF"/>
+              </a:buClr>
+              <a:buSzPts val="1600"/>
+              <a:buChar char="●"/>
+            </a:pPr>
+            <a:r>
+              <a:rPr lang="en" sz="1600">
+                <a:solidFill>
+                  <a:srgbClr val="0000FF"/>
+                </a:solidFill>
+              </a:rPr>
+              <a:t>Set the interaction where you can hover over each country and when the circuit has started.</a:t>
+            </a:r>
+            <a:endParaRPr sz="1600">
+              <a:solidFill>
+                <a:srgbClr val="0000FF"/>
+              </a:solidFill>
+            </a:endParaRPr>
+          </a:p>
+          <a:p>
+            <a:pPr marL="914400" lvl="1" indent="-330200" algn="l" rtl="0">
+              <a:spcBef>
+                <a:spcPts val="0"/>
+              </a:spcBef>
+              <a:spcAft>
+                <a:spcPts val="0"/>
+              </a:spcAft>
+              <a:buClr>
+                <a:srgbClr val="0000FF"/>
+              </a:buClr>
+              <a:buSzPts val="1600"/>
+              <a:buChar char="○"/>
+            </a:pPr>
+            <a:r>
+              <a:rPr lang="en" sz="1600">
+                <a:solidFill>
+                  <a:srgbClr val="0000FF"/>
+                </a:solidFill>
+              </a:rPr>
+              <a:t>In each country, it’ll have the top 3 drivers name.</a:t>
+            </a:r>
+            <a:endParaRPr sz="1600">
+              <a:solidFill>
+                <a:srgbClr val="0000FF"/>
+              </a:solidFill>
+            </a:endParaRPr>
+          </a:p>
+          <a:p>
+            <a:pPr marL="457200" lvl="0" indent="-330200" algn="l" rtl="0">
+              <a:spcBef>
+                <a:spcPts val="0"/>
+              </a:spcBef>
+              <a:spcAft>
+                <a:spcPts val="0"/>
+              </a:spcAft>
+              <a:buClr>
+                <a:srgbClr val="0000FF"/>
+              </a:buClr>
+              <a:buSzPts val="1600"/>
+              <a:buChar char="●"/>
+            </a:pPr>
+            <a:r>
+              <a:rPr lang="en" sz="1600">
+                <a:solidFill>
+                  <a:srgbClr val="0000FF"/>
+                </a:solidFill>
+              </a:rPr>
+              <a:t>In the circuit, have all the drivers stats for that race. </a:t>
+            </a:r>
+            <a:endParaRPr sz="1600">
+              <a:solidFill>
+                <a:srgbClr val="0000FF"/>
+              </a:solidFill>
+            </a:endParaRPr>
+          </a:p>
+          <a:p>
+            <a:pPr marL="457200" lvl="0" indent="-330200" algn="l" rtl="0">
+              <a:spcBef>
+                <a:spcPts val="0"/>
+              </a:spcBef>
+              <a:spcAft>
+                <a:spcPts val="0"/>
+              </a:spcAft>
+              <a:buClr>
+                <a:srgbClr val="0000FF"/>
+              </a:buClr>
+              <a:buSzPts val="1600"/>
+              <a:buChar char="●"/>
+            </a:pPr>
+            <a:r>
+              <a:rPr lang="en" sz="1600">
+                <a:solidFill>
+                  <a:srgbClr val="0000FF"/>
+                </a:solidFill>
+              </a:rPr>
+              <a:t>When clicked, it will produce tables and charts that are listed in the next slide. </a:t>
+            </a:r>
+            <a:endParaRPr sz="1600">
+              <a:solidFill>
+                <a:srgbClr val="0000FF"/>
+              </a:solidFill>
+            </a:endParaRPr>
+          </a:p>
+        </p:txBody>
+      </p:sp>
+      <p:sp>
+        <p:nvSpPr>
+          <p:cNvPr id="93" name="Google Shape;93;p14"/>
           <p:cNvSpPr txBox="1">
             <a:spLocks noGrp="1"/>
           </p:cNvSpPr>
@@ -8090,10 +8180,7 @@
           </a:bodyPr>
           <a:lstStyle/>
           <a:p>
-            <a:pPr marL="0" marR="0" lvl="0" indent="0" algn="l" rtl="0">
-              <a:lnSpc>
-                <a:spcPct val="100000"/>
-              </a:lnSpc>
+            <a:pPr marL="0" lvl="0" indent="0" algn="l" rtl="0">
               <a:spcBef>
                 <a:spcPts val="0"/>
               </a:spcBef>
@@ -8103,264 +8190,10 @@
               <a:buNone/>
             </a:pPr>
             <a:r>
-              <a:rPr lang="en">
-                <a:solidFill>
-                  <a:srgbClr val="FFFFFF"/>
-                </a:solidFill>
-              </a:rPr>
-              <a:t>Country (Race)</a:t>
+              <a:rPr lang="en"/>
+              <a:t>Interactive Tableau</a:t>
             </a:r>
-            <a:endParaRPr>
-              <a:solidFill>
-                <a:srgbClr val="FFFFFF"/>
-              </a:solidFill>
-            </a:endParaRPr>
-          </a:p>
-        </p:txBody>
-      </p:sp>
-      <p:sp>
-        <p:nvSpPr>
-          <p:cNvPr id="99" name="Google Shape;99;p15"/>
-          <p:cNvSpPr txBox="1">
-            <a:spLocks noGrp="1"/>
-          </p:cNvSpPr>
-          <p:nvPr>
-            <p:ph type="body" idx="1"/>
-          </p:nvPr>
-        </p:nvSpPr>
-        <p:spPr>
-          <a:xfrm>
-            <a:off x="729450" y="2078875"/>
-            <a:ext cx="7688700" cy="2558100"/>
-          </a:xfrm>
-          <a:prstGeom prst="rect">
-            <a:avLst/>
-          </a:prstGeom>
-        </p:spPr>
-        <p:txBody>
-          <a:bodyPr spcFirstLastPara="1" wrap="square" lIns="91425" tIns="91425" rIns="91425" bIns="91425" anchor="t" anchorCtr="0">
-            <a:normAutofit fontScale="92500"/>
-          </a:bodyPr>
-          <a:lstStyle/>
-          <a:p>
-            <a:pPr marL="0" lvl="0" indent="0" algn="l" rtl="0">
-              <a:spcBef>
-                <a:spcPts val="0"/>
-              </a:spcBef>
-              <a:spcAft>
-                <a:spcPts val="0"/>
-              </a:spcAft>
-              <a:buNone/>
-            </a:pPr>
-            <a:r>
-              <a:rPr lang="en" sz="1600">
-                <a:solidFill>
-                  <a:srgbClr val="FFFFFF"/>
-                </a:solidFill>
-              </a:rPr>
-              <a:t>Tables:</a:t>
-            </a:r>
-            <a:endParaRPr sz="1600">
-              <a:solidFill>
-                <a:srgbClr val="FFFFFF"/>
-              </a:solidFill>
-            </a:endParaRPr>
-          </a:p>
-          <a:p>
-            <a:pPr marL="457200" lvl="0" indent="-330200" algn="l" rtl="0">
-              <a:spcBef>
-                <a:spcPts val="1200"/>
-              </a:spcBef>
-              <a:spcAft>
-                <a:spcPts val="0"/>
-              </a:spcAft>
-              <a:buClr>
-                <a:srgbClr val="FFFFFF"/>
-              </a:buClr>
-              <a:buSzPts val="1600"/>
-              <a:buChar char="●"/>
-            </a:pPr>
-            <a:r>
-              <a:rPr lang="en" sz="1600">
-                <a:solidFill>
-                  <a:srgbClr val="FFFFFF"/>
-                </a:solidFill>
-              </a:rPr>
-              <a:t>Race: Details - Driver Info, Position, Fastest Lap, Num stops and Total Time Stop</a:t>
-            </a:r>
-            <a:endParaRPr sz="1600">
-              <a:solidFill>
-                <a:srgbClr val="FFFFFF"/>
-              </a:solidFill>
-            </a:endParaRPr>
-          </a:p>
-          <a:p>
-            <a:pPr marL="457200" lvl="0" indent="-330200" algn="l" rtl="0">
-              <a:spcBef>
-                <a:spcPts val="0"/>
-              </a:spcBef>
-              <a:spcAft>
-                <a:spcPts val="0"/>
-              </a:spcAft>
-              <a:buClr>
-                <a:srgbClr val="FFFFFF"/>
-              </a:buClr>
-              <a:buSzPts val="1600"/>
-              <a:buChar char="●"/>
-            </a:pPr>
-            <a:r>
-              <a:rPr lang="en" sz="1600">
-                <a:solidFill>
-                  <a:srgbClr val="FFFFFF"/>
-                </a:solidFill>
-              </a:rPr>
-              <a:t>Graph: Number of stops with total time stop as the y-axis. Drivers as x-axis.</a:t>
-            </a:r>
-            <a:endParaRPr sz="1600">
-              <a:solidFill>
-                <a:srgbClr val="FFFFFF"/>
-              </a:solidFill>
-            </a:endParaRPr>
-          </a:p>
-          <a:p>
-            <a:pPr marL="457200" lvl="0" indent="-330200" algn="l" rtl="0">
-              <a:spcBef>
-                <a:spcPts val="0"/>
-              </a:spcBef>
-              <a:spcAft>
-                <a:spcPts val="0"/>
-              </a:spcAft>
-              <a:buClr>
-                <a:srgbClr val="FFFFFF"/>
-              </a:buClr>
-              <a:buSzPts val="1600"/>
-              <a:buChar char="●"/>
-            </a:pPr>
-            <a:r>
-              <a:rPr lang="en" sz="1600">
-                <a:solidFill>
-                  <a:srgbClr val="FFFFFF"/>
-                </a:solidFill>
-              </a:rPr>
-              <a:t>Graph: Show the </a:t>
-            </a:r>
-            <a:endParaRPr sz="1600">
-              <a:solidFill>
-                <a:srgbClr val="FFFFFF"/>
-              </a:solidFill>
-            </a:endParaRPr>
-          </a:p>
-          <a:p>
-            <a:pPr marL="457200" lvl="0" indent="-330200" algn="l" rtl="0">
-              <a:spcBef>
-                <a:spcPts val="0"/>
-              </a:spcBef>
-              <a:spcAft>
-                <a:spcPts val="0"/>
-              </a:spcAft>
-              <a:buClr>
-                <a:srgbClr val="FFFFFF"/>
-              </a:buClr>
-              <a:buSzPts val="1600"/>
-              <a:buChar char="●"/>
-            </a:pPr>
-            <a:r>
-              <a:rPr lang="en" sz="1600">
-                <a:solidFill>
-                  <a:srgbClr val="FFFFFF"/>
-                </a:solidFill>
-              </a:rPr>
-              <a:t>2nd Table: Starting Grid Position, Starting Grid Qualifying Time, Q times</a:t>
-            </a:r>
-            <a:endParaRPr sz="1600">
-              <a:solidFill>
-                <a:srgbClr val="FFFFFF"/>
-              </a:solidFill>
-            </a:endParaRPr>
-          </a:p>
-          <a:p>
-            <a:pPr marL="457200" lvl="0" indent="-330200" algn="l" rtl="0">
-              <a:spcBef>
-                <a:spcPts val="0"/>
-              </a:spcBef>
-              <a:spcAft>
-                <a:spcPts val="0"/>
-              </a:spcAft>
-              <a:buClr>
-                <a:srgbClr val="FFFFFF"/>
-              </a:buClr>
-              <a:buSzPts val="1600"/>
-              <a:buChar char="●"/>
-            </a:pPr>
-            <a:r>
-              <a:rPr lang="en" sz="1600">
-                <a:solidFill>
-                  <a:srgbClr val="FFFFFF"/>
-                </a:solidFill>
-              </a:rPr>
-              <a:t>Graph: Stacked graph for the Q’ times.  </a:t>
-            </a:r>
-            <a:endParaRPr sz="1600">
-              <a:solidFill>
-                <a:srgbClr val="FFFFFF"/>
-              </a:solidFill>
-            </a:endParaRPr>
-          </a:p>
-          <a:p>
-            <a:pPr marL="457200" lvl="0" indent="-330200" algn="l" rtl="0">
-              <a:spcBef>
-                <a:spcPts val="0"/>
-              </a:spcBef>
-              <a:spcAft>
-                <a:spcPts val="0"/>
-              </a:spcAft>
-              <a:buClr>
-                <a:srgbClr val="FFFFFF"/>
-              </a:buClr>
-              <a:buSzPts val="1600"/>
-              <a:buChar char="●"/>
-            </a:pPr>
-            <a:r>
-              <a:rPr lang="en" sz="1600">
-                <a:solidFill>
-                  <a:srgbClr val="FFFFFF"/>
-                </a:solidFill>
-              </a:rPr>
-              <a:t>3rd Table: Practice positions and time </a:t>
-            </a:r>
-            <a:endParaRPr sz="1600">
-              <a:solidFill>
-                <a:srgbClr val="FFFFFF"/>
-              </a:solidFill>
-            </a:endParaRPr>
-          </a:p>
-          <a:p>
-            <a:pPr marL="457200" lvl="0" indent="-330200" algn="l" rtl="0">
-              <a:spcBef>
-                <a:spcPts val="0"/>
-              </a:spcBef>
-              <a:spcAft>
-                <a:spcPts val="0"/>
-              </a:spcAft>
-              <a:buClr>
-                <a:srgbClr val="FFFFFF"/>
-              </a:buClr>
-              <a:buSzPts val="1600"/>
-              <a:buChar char="●"/>
-            </a:pPr>
-            <a:r>
-              <a:rPr lang="en" sz="1600">
-                <a:solidFill>
-                  <a:srgbClr val="FFFFFF"/>
-                </a:solidFill>
-              </a:rPr>
-              <a:t>Graph: Line Graph to show the time and position</a:t>
-            </a:r>
-            <a:endParaRPr sz="1600">
-              <a:solidFill>
-                <a:srgbClr val="FFFFFF"/>
-              </a:solidFill>
-            </a:endParaRPr>
+            <a:endParaRPr/>
           </a:p>
         </p:txBody>
       </p:sp>
@@ -8424,10 +8257,10 @@
               <a:buNone/>
             </a:pPr>
             <a:r>
-              <a:rPr lang="en"/>
+              <a:rPr lang="en" dirty="0"/>
               <a:t>Storyboard</a:t>
             </a:r>
-            <a:endParaRPr/>
+            <a:endParaRPr dirty="0"/>
           </a:p>
         </p:txBody>
       </p:sp>
@@ -8466,10 +8299,10 @@
               <a:buNone/>
             </a:pPr>
             <a:r>
-              <a:rPr lang="en"/>
+              <a:rPr lang="en" dirty="0"/>
               <a:t>Formulate total averages table of all races for each driver for points, positioning, grid positioning, avg speed, Q times, practice position, num stops, stop total time. </a:t>
             </a:r>
-            <a:endParaRPr/>
+            <a:endParaRPr dirty="0"/>
           </a:p>
           <a:p>
             <a:pPr marL="0" lvl="0" indent="0" algn="l" rtl="0">
@@ -8482,10 +8315,10 @@
               <a:buNone/>
             </a:pPr>
             <a:r>
-              <a:rPr lang="en"/>
+              <a:rPr lang="en" dirty="0"/>
               <a:t>Once we discover the features that meets the linear regression, develop graphs of the specific tables that align the winning factors. </a:t>
             </a:r>
-            <a:endParaRPr/>
+            <a:endParaRPr dirty="0"/>
           </a:p>
           <a:p>
             <a:pPr marL="0" lvl="0" indent="0" algn="l" rtl="0">
@@ -8497,7 +8330,7 @@
               </a:spcAft>
               <a:buNone/>
             </a:pPr>
-            <a:endParaRPr/>
+            <a:endParaRPr dirty="0"/>
           </a:p>
         </p:txBody>
       </p:sp>
@@ -8981,6 +8814,191 @@
 </file>
 
 <file path=ppt/slides/slide5.xml><?xml version="1.0" encoding="utf-8"?>
+<p:sld xmlns:a="http://schemas.openxmlformats.org/drawingml/2006/main" xmlns:r="http://schemas.openxmlformats.org/officeDocument/2006/relationships" xmlns:p="http://schemas.openxmlformats.org/presentationml/2006/main">
+  <p:cSld>
+    <p:spTree>
+      <p:nvGrpSpPr>
+        <p:cNvPr id="1" name=""/>
+        <p:cNvGrpSpPr/>
+        <p:nvPr/>
+      </p:nvGrpSpPr>
+      <p:grpSpPr>
+        <a:xfrm>
+          <a:off x="0" y="0"/>
+          <a:ext cx="0" cy="0"/>
+          <a:chOff x="0" y="0"/>
+          <a:chExt cx="0" cy="0"/>
+        </a:xfrm>
+      </p:grpSpPr>
+      <p:sp>
+        <p:nvSpPr>
+          <p:cNvPr id="2" name="Title 1">
+            <a:extLst>
+              <a:ext uri="{FF2B5EF4-FFF2-40B4-BE49-F238E27FC236}">
+                <a16:creationId xmlns:a16="http://schemas.microsoft.com/office/drawing/2014/main" id="{E622C9F2-C7BE-C341-2C6C-382B8FC9AD46}"/>
+              </a:ext>
+            </a:extLst>
+          </p:cNvPr>
+          <p:cNvSpPr>
+            <a:spLocks noGrp="1"/>
+          </p:cNvSpPr>
+          <p:nvPr>
+            <p:ph type="title"/>
+          </p:nvPr>
+        </p:nvSpPr>
+        <p:spPr/>
+        <p:txBody>
+          <a:bodyPr>
+            <a:normAutofit fontScale="90000"/>
+          </a:bodyPr>
+          <a:lstStyle/>
+          <a:p>
+            <a:r>
+              <a:rPr lang="en-US" dirty="0"/>
+              <a:t>Technologies, Languages, tools, algorithms</a:t>
+            </a:r>
+          </a:p>
+        </p:txBody>
+      </p:sp>
+      <p:sp>
+        <p:nvSpPr>
+          <p:cNvPr id="3" name="Text Placeholder 2">
+            <a:extLst>
+              <a:ext uri="{FF2B5EF4-FFF2-40B4-BE49-F238E27FC236}">
+                <a16:creationId xmlns:a16="http://schemas.microsoft.com/office/drawing/2014/main" id="{DE0D8FAA-2700-61AC-1768-2C533024972F}"/>
+              </a:ext>
+            </a:extLst>
+          </p:cNvPr>
+          <p:cNvSpPr>
+            <a:spLocks noGrp="1"/>
+          </p:cNvSpPr>
+          <p:nvPr>
+            <p:ph type="body" idx="1"/>
+          </p:nvPr>
+        </p:nvSpPr>
+        <p:spPr>
+          <a:xfrm>
+            <a:off x="729450" y="2078874"/>
+            <a:ext cx="7688700" cy="2663814"/>
+          </a:xfrm>
+        </p:spPr>
+        <p:txBody>
+          <a:bodyPr>
+            <a:normAutofit lnSpcReduction="10000"/>
+          </a:bodyPr>
+          <a:lstStyle/>
+          <a:p>
+            <a:r>
+              <a:rPr lang="en-US" dirty="0"/>
+              <a:t>Python</a:t>
+            </a:r>
+          </a:p>
+          <a:p>
+            <a:r>
+              <a:rPr lang="en-US" dirty="0"/>
+              <a:t>HTML </a:t>
+            </a:r>
+            <a:r>
+              <a:rPr lang="en-US" dirty="0" err="1"/>
+              <a:t>webscraping</a:t>
+            </a:r>
+            <a:endParaRPr lang="en-US" dirty="0"/>
+          </a:p>
+          <a:p>
+            <a:r>
+              <a:rPr lang="en-US" dirty="0"/>
+              <a:t>Tableau</a:t>
+            </a:r>
+          </a:p>
+          <a:p>
+            <a:r>
+              <a:rPr lang="en-US" dirty="0"/>
+              <a:t>MongoDB</a:t>
+            </a:r>
+          </a:p>
+          <a:p>
+            <a:r>
+              <a:rPr lang="en-US" dirty="0" err="1"/>
+              <a:t>Jupyter</a:t>
+            </a:r>
+            <a:r>
+              <a:rPr lang="en-US" dirty="0"/>
+              <a:t> Notebook</a:t>
+            </a:r>
+          </a:p>
+          <a:p>
+            <a:r>
+              <a:rPr lang="en-US" dirty="0"/>
+              <a:t>Google </a:t>
+            </a:r>
+            <a:r>
+              <a:rPr lang="en-US" dirty="0" err="1"/>
+              <a:t>colab</a:t>
+            </a:r>
+            <a:endParaRPr lang="en-US" dirty="0"/>
+          </a:p>
+          <a:p>
+            <a:r>
+              <a:rPr lang="en-US" dirty="0" err="1"/>
+              <a:t>Powerpoint</a:t>
+            </a:r>
+            <a:endParaRPr lang="en-US" dirty="0"/>
+          </a:p>
+          <a:p>
+            <a:r>
+              <a:rPr lang="en-US" dirty="0" err="1"/>
+              <a:t>Sklearn</a:t>
+            </a:r>
+            <a:endParaRPr lang="en-US" dirty="0"/>
+          </a:p>
+          <a:p>
+            <a:r>
+              <a:rPr lang="en-US" dirty="0" err="1"/>
+              <a:t>Numpy</a:t>
+            </a:r>
+            <a:endParaRPr lang="en-US" dirty="0"/>
+          </a:p>
+          <a:p>
+            <a:r>
+              <a:rPr lang="en-US" dirty="0"/>
+              <a:t>Pandas</a:t>
+            </a:r>
+          </a:p>
+          <a:p>
+            <a:r>
+              <a:rPr lang="en-US" dirty="0" err="1"/>
+              <a:t>LightGBM</a:t>
+            </a:r>
+            <a:r>
+              <a:rPr lang="en-US" dirty="0"/>
+              <a:t> model</a:t>
+            </a:r>
+          </a:p>
+          <a:p>
+            <a:endParaRPr lang="en-US" dirty="0"/>
+          </a:p>
+          <a:p>
+            <a:endParaRPr lang="en-US" dirty="0"/>
+          </a:p>
+          <a:p>
+            <a:endParaRPr lang="en-US" dirty="0"/>
+          </a:p>
+        </p:txBody>
+      </p:sp>
+    </p:spTree>
+    <p:extLst>
+      <p:ext uri="{BB962C8B-B14F-4D97-AF65-F5344CB8AC3E}">
+        <p14:creationId xmlns:p14="http://schemas.microsoft.com/office/powerpoint/2010/main" val="323635629"/>
+      </p:ext>
+    </p:extLst>
+  </p:cSld>
+  <p:clrMapOvr>
+    <a:masterClrMapping/>
+  </p:clrMapOvr>
+</p:sld>
+</file>
+
+<file path=ppt/slides/slide6.xml><?xml version="1.0" encoding="utf-8"?>
 <p:sld xmlns:a="http://schemas.openxmlformats.org/drawingml/2006/main" xmlns:r="http://schemas.openxmlformats.org/officeDocument/2006/relationships" xmlns:p="http://schemas.openxmlformats.org/presentationml/2006/main">
   <p:cSld>
     <p:spTree>
@@ -9111,7 +9129,7 @@
 </p:sld>
 </file>
 
-<file path=ppt/slides/slide6.xml><?xml version="1.0" encoding="utf-8"?>
+<file path=ppt/slides/slide7.xml><?xml version="1.0" encoding="utf-8"?>
 <p:sld xmlns:a="http://schemas.openxmlformats.org/drawingml/2006/main" xmlns:r="http://schemas.openxmlformats.org/officeDocument/2006/relationships" xmlns:p="http://schemas.openxmlformats.org/presentationml/2006/main">
   <p:cSld>
     <p:spTree>
@@ -9229,7 +9247,7 @@
 </p:sld>
 </file>
 
-<file path=ppt/slides/slide7.xml><?xml version="1.0" encoding="utf-8"?>
+<file path=ppt/slides/slide8.xml><?xml version="1.0" encoding="utf-8"?>
 <p:sld xmlns:a="http://schemas.openxmlformats.org/drawingml/2006/main" xmlns:r="http://schemas.openxmlformats.org/officeDocument/2006/relationships" xmlns:p="http://schemas.openxmlformats.org/presentationml/2006/main">
   <p:cSld>
     <p:spTree>
@@ -9317,7 +9335,7 @@
 </p:sld>
 </file>
 
-<file path=ppt/slides/slide8.xml><?xml version="1.0" encoding="utf-8"?>
+<file path=ppt/slides/slide9.xml><?xml version="1.0" encoding="utf-8"?>
 <p:sld xmlns:a="http://schemas.openxmlformats.org/drawingml/2006/main" xmlns:r="http://schemas.openxmlformats.org/officeDocument/2006/relationships" xmlns:p="http://schemas.openxmlformats.org/presentationml/2006/main">
   <p:cSld>
     <p:spTree>
@@ -9470,280 +9488,6 @@
         <p14:creationId xmlns:p14="http://schemas.microsoft.com/office/powerpoint/2010/main" val="333348346"/>
       </p:ext>
     </p:extLst>
-  </p:cSld>
-  <p:clrMapOvr>
-    <a:masterClrMapping/>
-  </p:clrMapOvr>
-</p:sld>
-</file>
-
-<file path=ppt/slides/slide9.xml><?xml version="1.0" encoding="utf-8"?>
-<p:sld xmlns:a="http://schemas.openxmlformats.org/drawingml/2006/main" xmlns:r="http://schemas.openxmlformats.org/officeDocument/2006/relationships" xmlns:p="http://schemas.openxmlformats.org/presentationml/2006/main">
-  <p:cSld>
-    <p:bg>
-      <p:bgPr>
-        <a:blipFill>
-          <a:blip r:embed="rId3">
-            <a:alphaModFix/>
-          </a:blip>
-          <a:stretch>
-            <a:fillRect/>
-          </a:stretch>
-        </a:blipFill>
-        <a:effectLst/>
-      </p:bgPr>
-    </p:bg>
-    <p:spTree>
-      <p:nvGrpSpPr>
-        <p:cNvPr id="1" name="Shape 91"/>
-        <p:cNvGrpSpPr/>
-        <p:nvPr/>
-      </p:nvGrpSpPr>
-      <p:grpSpPr>
-        <a:xfrm>
-          <a:off x="0" y="0"/>
-          <a:ext cx="0" cy="0"/>
-          <a:chOff x="0" y="0"/>
-          <a:chExt cx="0" cy="0"/>
-        </a:xfrm>
-      </p:grpSpPr>
-      <p:sp>
-        <p:nvSpPr>
-          <p:cNvPr id="92" name="Google Shape;92;p14"/>
-          <p:cNvSpPr txBox="1">
-            <a:spLocks noGrp="1"/>
-          </p:cNvSpPr>
-          <p:nvPr>
-            <p:ph type="body" idx="1"/>
-          </p:nvPr>
-        </p:nvSpPr>
-        <p:spPr>
-          <a:xfrm>
-            <a:off x="729450" y="2078875"/>
-            <a:ext cx="7688700" cy="2261100"/>
-          </a:xfrm>
-          <a:prstGeom prst="rect">
-            <a:avLst/>
-          </a:prstGeom>
-        </p:spPr>
-        <p:txBody>
-          <a:bodyPr spcFirstLastPara="1" wrap="square" lIns="91425" tIns="91425" rIns="91425" bIns="91425" anchor="t" anchorCtr="0">
-            <a:normAutofit/>
-          </a:bodyPr>
-          <a:lstStyle/>
-          <a:p>
-            <a:pPr marL="457200" lvl="0" indent="-330200" algn="l" rtl="0">
-              <a:spcBef>
-                <a:spcPts val="0"/>
-              </a:spcBef>
-              <a:spcAft>
-                <a:spcPts val="0"/>
-              </a:spcAft>
-              <a:buClr>
-                <a:srgbClr val="0000FF"/>
-              </a:buClr>
-              <a:buSzPts val="1600"/>
-              <a:buChar char="●"/>
-            </a:pPr>
-            <a:r>
-              <a:rPr lang="en" sz="1600">
-                <a:solidFill>
-                  <a:srgbClr val="0000FF"/>
-                </a:solidFill>
-              </a:rPr>
-              <a:t>Filters based on countries or drivers with stats. </a:t>
-            </a:r>
-            <a:endParaRPr sz="1600">
-              <a:solidFill>
-                <a:srgbClr val="0000FF"/>
-              </a:solidFill>
-            </a:endParaRPr>
-          </a:p>
-          <a:p>
-            <a:pPr marL="457200" lvl="0" indent="-330200" algn="l" rtl="0">
-              <a:spcBef>
-                <a:spcPts val="0"/>
-              </a:spcBef>
-              <a:spcAft>
-                <a:spcPts val="0"/>
-              </a:spcAft>
-              <a:buClr>
-                <a:srgbClr val="0000FF"/>
-              </a:buClr>
-              <a:buSzPts val="1600"/>
-              <a:buChar char="●"/>
-            </a:pPr>
-            <a:r>
-              <a:rPr lang="en" sz="1600">
-                <a:solidFill>
-                  <a:srgbClr val="0000FF"/>
-                </a:solidFill>
-              </a:rPr>
-              <a:t>Bar charts with the total points from 2021  of each driver</a:t>
-            </a:r>
-            <a:endParaRPr sz="1600">
-              <a:solidFill>
-                <a:srgbClr val="0000FF"/>
-              </a:solidFill>
-            </a:endParaRPr>
-          </a:p>
-          <a:p>
-            <a:pPr marL="457200" lvl="0" indent="-330200" algn="l" rtl="0">
-              <a:spcBef>
-                <a:spcPts val="0"/>
-              </a:spcBef>
-              <a:spcAft>
-                <a:spcPts val="0"/>
-              </a:spcAft>
-              <a:buClr>
-                <a:srgbClr val="0000FF"/>
-              </a:buClr>
-              <a:buSzPts val="1600"/>
-              <a:buChar char="●"/>
-            </a:pPr>
-            <a:r>
-              <a:rPr lang="en" sz="1600">
-                <a:solidFill>
-                  <a:srgbClr val="0000FF"/>
-                </a:solidFill>
-              </a:rPr>
-              <a:t>Set the interaction where you can hover over each country and when the circuit has started.</a:t>
-            </a:r>
-            <a:endParaRPr sz="1600">
-              <a:solidFill>
-                <a:srgbClr val="0000FF"/>
-              </a:solidFill>
-            </a:endParaRPr>
-          </a:p>
-          <a:p>
-            <a:pPr marL="914400" lvl="1" indent="-330200" algn="l" rtl="0">
-              <a:spcBef>
-                <a:spcPts val="0"/>
-              </a:spcBef>
-              <a:spcAft>
-                <a:spcPts val="0"/>
-              </a:spcAft>
-              <a:buClr>
-                <a:srgbClr val="0000FF"/>
-              </a:buClr>
-              <a:buSzPts val="1600"/>
-              <a:buChar char="○"/>
-            </a:pPr>
-            <a:r>
-              <a:rPr lang="en" sz="1600">
-                <a:solidFill>
-                  <a:srgbClr val="0000FF"/>
-                </a:solidFill>
-              </a:rPr>
-              <a:t>In each country, it’ll have the top 3 drivers name.</a:t>
-            </a:r>
-            <a:endParaRPr sz="1600">
-              <a:solidFill>
-                <a:srgbClr val="0000FF"/>
-              </a:solidFill>
-            </a:endParaRPr>
-          </a:p>
-          <a:p>
-            <a:pPr marL="457200" lvl="0" indent="-330200" algn="l" rtl="0">
-              <a:spcBef>
-                <a:spcPts val="0"/>
-              </a:spcBef>
-              <a:spcAft>
-                <a:spcPts val="0"/>
-              </a:spcAft>
-              <a:buClr>
-                <a:srgbClr val="0000FF"/>
-              </a:buClr>
-              <a:buSzPts val="1600"/>
-              <a:buChar char="●"/>
-            </a:pPr>
-            <a:r>
-              <a:rPr lang="en" sz="1600">
-                <a:solidFill>
-                  <a:srgbClr val="0000FF"/>
-                </a:solidFill>
-              </a:rPr>
-              <a:t>In the circuit, have all the drivers stats for that race. </a:t>
-            </a:r>
-            <a:endParaRPr sz="1600">
-              <a:solidFill>
-                <a:srgbClr val="0000FF"/>
-              </a:solidFill>
-            </a:endParaRPr>
-          </a:p>
-          <a:p>
-            <a:pPr marL="457200" lvl="0" indent="-330200" algn="l" rtl="0">
-              <a:spcBef>
-                <a:spcPts val="0"/>
-              </a:spcBef>
-              <a:spcAft>
-                <a:spcPts val="0"/>
-              </a:spcAft>
-              <a:buClr>
-                <a:srgbClr val="0000FF"/>
-              </a:buClr>
-              <a:buSzPts val="1600"/>
-              <a:buChar char="●"/>
-            </a:pPr>
-            <a:r>
-              <a:rPr lang="en" sz="1600">
-                <a:solidFill>
-                  <a:srgbClr val="0000FF"/>
-                </a:solidFill>
-              </a:rPr>
-              <a:t>When clicked, it will produce tables and charts that are listed in the next slide. </a:t>
-            </a:r>
-            <a:endParaRPr sz="1600">
-              <a:solidFill>
-                <a:srgbClr val="0000FF"/>
-              </a:solidFill>
-            </a:endParaRPr>
-          </a:p>
-        </p:txBody>
-      </p:sp>
-      <p:sp>
-        <p:nvSpPr>
-          <p:cNvPr id="93" name="Google Shape;93;p14"/>
-          <p:cNvSpPr txBox="1">
-            <a:spLocks noGrp="1"/>
-          </p:cNvSpPr>
-          <p:nvPr>
-            <p:ph type="title"/>
-          </p:nvPr>
-        </p:nvSpPr>
-        <p:spPr>
-          <a:xfrm>
-            <a:off x="729450" y="1318650"/>
-            <a:ext cx="7688700" cy="535200"/>
-          </a:xfrm>
-          <a:prstGeom prst="rect">
-            <a:avLst/>
-          </a:prstGeom>
-        </p:spPr>
-        <p:txBody>
-          <a:bodyPr spcFirstLastPara="1" wrap="square" lIns="91425" tIns="91425" rIns="91425" bIns="91425" anchor="t" anchorCtr="0">
-            <a:normAutofit fontScale="90000"/>
-          </a:bodyPr>
-          <a:lstStyle/>
-          <a:p>
-            <a:pPr marL="0" lvl="0" indent="0" algn="l" rtl="0">
-              <a:spcBef>
-                <a:spcPts val="0"/>
-              </a:spcBef>
-              <a:spcAft>
-                <a:spcPts val="0"/>
-              </a:spcAft>
-              <a:buNone/>
-            </a:pPr>
-            <a:r>
-              <a:rPr lang="en"/>
-              <a:t>Interactive Tableau</a:t>
-            </a:r>
-            <a:endParaRPr/>
-          </a:p>
-        </p:txBody>
-      </p:sp>
-    </p:spTree>
   </p:cSld>
   <p:clrMapOvr>
     <a:masterClrMapping/>

--- a/Final Project.pptx
+++ b/Final Project.pptx
@@ -9352,6 +9352,36 @@
           <a:chExt cx="0" cy="0"/>
         </a:xfrm>
       </p:grpSpPr>
+      <p:pic>
+        <p:nvPicPr>
+          <p:cNvPr id="3" name="Picture 2">
+            <a:extLst>
+              <a:ext uri="{FF2B5EF4-FFF2-40B4-BE49-F238E27FC236}">
+                <a16:creationId xmlns:a16="http://schemas.microsoft.com/office/drawing/2014/main" id="{286F3354-6FCA-1198-9263-4671956D4DB8}"/>
+              </a:ext>
+            </a:extLst>
+          </p:cNvPr>
+          <p:cNvPicPr>
+            <a:picLocks noChangeAspect="1"/>
+          </p:cNvPicPr>
+          <p:nvPr/>
+        </p:nvPicPr>
+        <p:blipFill>
+          <a:blip r:embed="rId3"/>
+          <a:stretch>
+            <a:fillRect/>
+          </a:stretch>
+        </p:blipFill>
+        <p:spPr>
+          <a:xfrm>
+            <a:off x="4718558" y="1082132"/>
+            <a:ext cx="4425442" cy="3800475"/>
+          </a:xfrm>
+          <a:prstGeom prst="rect">
+            <a:avLst/>
+          </a:prstGeom>
+        </p:spPr>
+      </p:pic>
       <p:sp>
         <p:nvSpPr>
           <p:cNvPr id="104" name="Google Shape;104;p16"/>
@@ -9407,7 +9437,7 @@
         <p:spPr>
           <a:xfrm>
             <a:off x="729450" y="2078875"/>
-            <a:ext cx="7688700" cy="2261100"/>
+            <a:ext cx="4278319" cy="2743156"/>
           </a:xfrm>
           <a:prstGeom prst="rect">
             <a:avLst/>
@@ -9415,7 +9445,7 @@
         </p:spPr>
         <p:txBody>
           <a:bodyPr spcFirstLastPara="1" wrap="square" lIns="91425" tIns="91425" rIns="91425" bIns="91425" anchor="t" anchorCtr="0">
-            <a:normAutofit/>
+            <a:normAutofit lnSpcReduction="10000"/>
           </a:bodyPr>
           <a:lstStyle/>
           <a:p>
@@ -9478,6 +9508,68 @@
               </a:spcAft>
               <a:buNone/>
             </a:pPr>
+            <a:endParaRPr lang="en-US" dirty="0"/>
+          </a:p>
+          <a:p>
+            <a:pPr marL="0" lvl="0" indent="0" algn="l" rtl="0">
+              <a:spcBef>
+                <a:spcPts val="0"/>
+              </a:spcBef>
+              <a:spcAft>
+                <a:spcPts val="0"/>
+              </a:spcAft>
+              <a:buNone/>
+            </a:pPr>
+            <a:r>
+              <a:rPr lang="en-US" dirty="0"/>
+              <a:t>The accuracy has improved as well solved some over-fitting issues.</a:t>
+            </a:r>
+          </a:p>
+          <a:p>
+            <a:pPr marL="0" lvl="0" indent="0" algn="l" rtl="0">
+              <a:spcBef>
+                <a:spcPts val="0"/>
+              </a:spcBef>
+              <a:spcAft>
+                <a:spcPts val="0"/>
+              </a:spcAft>
+              <a:buNone/>
+            </a:pPr>
+            <a:endParaRPr lang="en-US" dirty="0"/>
+          </a:p>
+          <a:p>
+            <a:pPr marL="0" lvl="0" indent="0" algn="l" rtl="0">
+              <a:spcBef>
+                <a:spcPts val="0"/>
+              </a:spcBef>
+              <a:spcAft>
+                <a:spcPts val="0"/>
+              </a:spcAft>
+              <a:buNone/>
+            </a:pPr>
+            <a:r>
+              <a:rPr lang="en-US" dirty="0"/>
+              <a:t>Corrected Features:</a:t>
+            </a:r>
+          </a:p>
+          <a:p>
+            <a:pPr marL="0" lvl="0" indent="0" algn="l" rtl="0">
+              <a:spcBef>
+                <a:spcPts val="0"/>
+              </a:spcBef>
+              <a:spcAft>
+                <a:spcPts val="0"/>
+              </a:spcAft>
+              <a:buNone/>
+            </a:pPr>
+            <a:r>
+              <a:rPr lang="en-US" dirty="0"/>
+              <a:t>Starting Grid Pos, Qualifying Position, P3/P2/P1 Position, Avg Speed, Total </a:t>
+            </a:r>
+            <a:r>
+              <a:rPr lang="en-US"/>
+              <a:t>Pit Time.</a:t>
+            </a:r>
             <a:endParaRPr lang="en-US" dirty="0"/>
           </a:p>
         </p:txBody>
